--- a/项目待交付工件/D结项阶段/2.项目答辩.pptx
+++ b/项目待交付工件/D结项阶段/2.项目答辩.pptx
@@ -6,7 +6,7 @@
     <p:sldMasterId id="2147483660" r:id="rId2"/>
   </p:sldMasterIdLst>
   <p:notesMasterIdLst>
-    <p:notesMasterId r:id="rId30"/>
+    <p:notesMasterId r:id="rId31"/>
   </p:notesMasterIdLst>
   <p:sldIdLst>
     <p:sldId id="256" r:id="rId3"/>
@@ -20,22 +20,23 @@
     <p:sldId id="290" r:id="rId11"/>
     <p:sldId id="291" r:id="rId12"/>
     <p:sldId id="303" r:id="rId13"/>
-    <p:sldId id="292" r:id="rId14"/>
-    <p:sldId id="298" r:id="rId15"/>
-    <p:sldId id="299" r:id="rId16"/>
-    <p:sldId id="300" r:id="rId17"/>
-    <p:sldId id="301" r:id="rId18"/>
-    <p:sldId id="302" r:id="rId19"/>
-    <p:sldId id="304" r:id="rId20"/>
-    <p:sldId id="305" r:id="rId21"/>
-    <p:sldId id="293" r:id="rId22"/>
-    <p:sldId id="306" r:id="rId23"/>
-    <p:sldId id="307" r:id="rId24"/>
-    <p:sldId id="308" r:id="rId25"/>
-    <p:sldId id="295" r:id="rId26"/>
-    <p:sldId id="296" r:id="rId27"/>
-    <p:sldId id="297" r:id="rId28"/>
-    <p:sldId id="309" r:id="rId29"/>
+    <p:sldId id="310" r:id="rId14"/>
+    <p:sldId id="292" r:id="rId15"/>
+    <p:sldId id="298" r:id="rId16"/>
+    <p:sldId id="299" r:id="rId17"/>
+    <p:sldId id="300" r:id="rId18"/>
+    <p:sldId id="301" r:id="rId19"/>
+    <p:sldId id="302" r:id="rId20"/>
+    <p:sldId id="304" r:id="rId21"/>
+    <p:sldId id="305" r:id="rId22"/>
+    <p:sldId id="293" r:id="rId23"/>
+    <p:sldId id="306" r:id="rId24"/>
+    <p:sldId id="307" r:id="rId25"/>
+    <p:sldId id="308" r:id="rId26"/>
+    <p:sldId id="295" r:id="rId27"/>
+    <p:sldId id="296" r:id="rId28"/>
+    <p:sldId id="297" r:id="rId29"/>
+    <p:sldId id="309" r:id="rId30"/>
   </p:sldIdLst>
   <p:sldSz cx="12192000" cy="6858000"/>
   <p:notesSz cx="6858000" cy="9144000"/>
@@ -665,297 +666,6 @@
           <a:bodyPr/>
           <a:lstStyle/>
           <a:p>
-            <a:pPr marL="228600" algn="just"/>
-            <a:r>
-              <a:rPr lang="zh-CN" altLang="zh-CN" sz="1800" kern="100" dirty="0">
-                <a:effectLst/>
-                <a:latin typeface="等线" panose="02010600030101010101" pitchFamily="2" charset="-122"/>
-                <a:ea typeface="等线" panose="02010600030101010101" pitchFamily="2" charset="-122"/>
-                <a:cs typeface="Times New Roman" panose="02020603050405020304" pitchFamily="18" charset="0"/>
-              </a:rPr>
-              <a:t>实现思路：</a:t>
-            </a:r>
-          </a:p>
-          <a:p>
-            <a:pPr marL="228600" algn="just"/>
-            <a:r>
-              <a:rPr lang="zh-CN" altLang="zh-CN" sz="1800" kern="100" dirty="0">
-                <a:effectLst/>
-                <a:latin typeface="等线" panose="02010600030101010101" pitchFamily="2" charset="-122"/>
-                <a:ea typeface="等线" panose="02010600030101010101" pitchFamily="2" charset="-122"/>
-                <a:cs typeface="Times New Roman" panose="02020603050405020304" pitchFamily="18" charset="0"/>
-              </a:rPr>
-              <a:t>前面我们已经实现了移动端菜品查看功能，对应的服务端方法为</a:t>
-            </a:r>
-            <a:r>
-              <a:rPr lang="en-US" altLang="zh-CN" sz="1800" kern="100" dirty="0" err="1">
-                <a:effectLst/>
-                <a:latin typeface="等线" panose="02010600030101010101" pitchFamily="2" charset="-122"/>
-                <a:ea typeface="等线" panose="02010600030101010101" pitchFamily="2" charset="-122"/>
-                <a:cs typeface="Times New Roman" panose="02020603050405020304" pitchFamily="18" charset="0"/>
-              </a:rPr>
-              <a:t>DishController</a:t>
-            </a:r>
-            <a:r>
-              <a:rPr lang="zh-CN" altLang="zh-CN" sz="1800" kern="100" dirty="0">
-                <a:effectLst/>
-                <a:latin typeface="等线" panose="02010600030101010101" pitchFamily="2" charset="-122"/>
-                <a:ea typeface="等线" panose="02010600030101010101" pitchFamily="2" charset="-122"/>
-                <a:cs typeface="Times New Roman" panose="02020603050405020304" pitchFamily="18" charset="0"/>
-              </a:rPr>
-              <a:t>和</a:t>
-            </a:r>
-            <a:r>
-              <a:rPr lang="en-US" altLang="zh-CN" sz="1800" kern="100" dirty="0" err="1">
-                <a:effectLst/>
-                <a:latin typeface="等线" panose="02010600030101010101" pitchFamily="2" charset="-122"/>
-                <a:ea typeface="等线" panose="02010600030101010101" pitchFamily="2" charset="-122"/>
-                <a:cs typeface="Times New Roman" panose="02020603050405020304" pitchFamily="18" charset="0"/>
-              </a:rPr>
-              <a:t>setmeal</a:t>
-            </a:r>
-            <a:r>
-              <a:rPr lang="zh-CN" altLang="zh-CN" sz="1800" kern="100" dirty="0">
-                <a:effectLst/>
-                <a:latin typeface="等线" panose="02010600030101010101" pitchFamily="2" charset="-122"/>
-                <a:ea typeface="等线" panose="02010600030101010101" pitchFamily="2" charset="-122"/>
-                <a:cs typeface="Times New Roman" panose="02020603050405020304" pitchFamily="18" charset="0"/>
-              </a:rPr>
-              <a:t>的</a:t>
-            </a:r>
-            <a:r>
-              <a:rPr lang="en-US" altLang="zh-CN" sz="1800" kern="100" dirty="0">
-                <a:effectLst/>
-                <a:latin typeface="等线" panose="02010600030101010101" pitchFamily="2" charset="-122"/>
-                <a:ea typeface="等线" panose="02010600030101010101" pitchFamily="2" charset="-122"/>
-                <a:cs typeface="Times New Roman" panose="02020603050405020304" pitchFamily="18" charset="0"/>
-              </a:rPr>
-              <a:t>list</a:t>
-            </a:r>
-            <a:r>
-              <a:rPr lang="zh-CN" altLang="zh-CN" sz="1800" kern="100" dirty="0">
-                <a:effectLst/>
-                <a:latin typeface="等线" panose="02010600030101010101" pitchFamily="2" charset="-122"/>
-                <a:ea typeface="等线" panose="02010600030101010101" pitchFamily="2" charset="-122"/>
-                <a:cs typeface="Times New Roman" panose="02020603050405020304" pitchFamily="18" charset="0"/>
-              </a:rPr>
-              <a:t>方法，此方法会根据前端提交的查询条件进行数据库查询操作。在高并发的情况下，频繁查询数据库会导致系统性能下降，服务端响应时间增长。现在需要对此方法进行缓存优化，提高系统的性能。</a:t>
-            </a:r>
-          </a:p>
-          <a:p>
-            <a:pPr marL="228600" algn="just"/>
-            <a:r>
-              <a:rPr lang="zh-CN" altLang="zh-CN" sz="1800" kern="100" dirty="0">
-                <a:effectLst/>
-                <a:latin typeface="等线" panose="02010600030101010101" pitchFamily="2" charset="-122"/>
-                <a:ea typeface="等线" panose="02010600030101010101" pitchFamily="2" charset="-122"/>
-                <a:cs typeface="Times New Roman" panose="02020603050405020304" pitchFamily="18" charset="0"/>
-              </a:rPr>
-              <a:t>具体的实现思路如下：</a:t>
-            </a:r>
-          </a:p>
-          <a:p>
-            <a:pPr marL="228600" algn="just"/>
-            <a:r>
-              <a:rPr lang="en-US" altLang="zh-CN" sz="1800" kern="100" dirty="0">
-                <a:effectLst/>
-                <a:latin typeface="等线" panose="02010600030101010101" pitchFamily="2" charset="-122"/>
-                <a:ea typeface="等线" panose="02010600030101010101" pitchFamily="2" charset="-122"/>
-                <a:cs typeface="Times New Roman" panose="02020603050405020304" pitchFamily="18" charset="0"/>
-              </a:rPr>
-              <a:t>1</a:t>
-            </a:r>
-            <a:r>
-              <a:rPr lang="zh-CN" altLang="zh-CN" sz="1800" kern="100" dirty="0">
-                <a:effectLst/>
-                <a:latin typeface="等线" panose="02010600030101010101" pitchFamily="2" charset="-122"/>
-                <a:ea typeface="等线" panose="02010600030101010101" pitchFamily="2" charset="-122"/>
-                <a:cs typeface="Times New Roman" panose="02020603050405020304" pitchFamily="18" charset="0"/>
-              </a:rPr>
-              <a:t>、改造</a:t>
-            </a:r>
-            <a:r>
-              <a:rPr lang="en-US" altLang="zh-CN" sz="1800" kern="100" dirty="0" err="1">
-                <a:effectLst/>
-                <a:latin typeface="等线" panose="02010600030101010101" pitchFamily="2" charset="-122"/>
-                <a:ea typeface="等线" panose="02010600030101010101" pitchFamily="2" charset="-122"/>
-                <a:cs typeface="Times New Roman" panose="02020603050405020304" pitchFamily="18" charset="0"/>
-              </a:rPr>
-              <a:t>DishController</a:t>
-            </a:r>
-            <a:r>
-              <a:rPr lang="zh-CN" altLang="zh-CN" sz="1800" kern="100" dirty="0">
-                <a:effectLst/>
-                <a:latin typeface="等线" panose="02010600030101010101" pitchFamily="2" charset="-122"/>
-                <a:ea typeface="等线" panose="02010600030101010101" pitchFamily="2" charset="-122"/>
-                <a:cs typeface="Times New Roman" panose="02020603050405020304" pitchFamily="18" charset="0"/>
-              </a:rPr>
-              <a:t>和</a:t>
-            </a:r>
-            <a:r>
-              <a:rPr lang="en-US" altLang="zh-CN" sz="1800" kern="100" dirty="0" err="1">
-                <a:effectLst/>
-                <a:latin typeface="等线" panose="02010600030101010101" pitchFamily="2" charset="-122"/>
-                <a:ea typeface="等线" panose="02010600030101010101" pitchFamily="2" charset="-122"/>
-                <a:cs typeface="Times New Roman" panose="02020603050405020304" pitchFamily="18" charset="0"/>
-              </a:rPr>
-              <a:t>SetMealController</a:t>
-            </a:r>
-            <a:r>
-              <a:rPr lang="zh-CN" altLang="zh-CN" sz="1800" kern="100" dirty="0">
-                <a:effectLst/>
-                <a:latin typeface="等线" panose="02010600030101010101" pitchFamily="2" charset="-122"/>
-                <a:ea typeface="等线" panose="02010600030101010101" pitchFamily="2" charset="-122"/>
-                <a:cs typeface="Times New Roman" panose="02020603050405020304" pitchFamily="18" charset="0"/>
-              </a:rPr>
-              <a:t>的</a:t>
-            </a:r>
-            <a:r>
-              <a:rPr lang="en-US" altLang="zh-CN" sz="1800" kern="100" dirty="0">
-                <a:effectLst/>
-                <a:latin typeface="等线" panose="02010600030101010101" pitchFamily="2" charset="-122"/>
-                <a:ea typeface="等线" panose="02010600030101010101" pitchFamily="2" charset="-122"/>
-                <a:cs typeface="Times New Roman" panose="02020603050405020304" pitchFamily="18" charset="0"/>
-              </a:rPr>
-              <a:t>list</a:t>
-            </a:r>
-            <a:r>
-              <a:rPr lang="zh-CN" altLang="zh-CN" sz="1800" kern="100" dirty="0">
-                <a:effectLst/>
-                <a:latin typeface="等线" panose="02010600030101010101" pitchFamily="2" charset="-122"/>
-                <a:ea typeface="等线" panose="02010600030101010101" pitchFamily="2" charset="-122"/>
-                <a:cs typeface="Times New Roman" panose="02020603050405020304" pitchFamily="18" charset="0"/>
-              </a:rPr>
-              <a:t>方法，先从</a:t>
-            </a:r>
-            <a:r>
-              <a:rPr lang="en-US" altLang="zh-CN" sz="1800" kern="100" dirty="0">
-                <a:effectLst/>
-                <a:latin typeface="等线" panose="02010600030101010101" pitchFamily="2" charset="-122"/>
-                <a:ea typeface="等线" panose="02010600030101010101" pitchFamily="2" charset="-122"/>
-                <a:cs typeface="Times New Roman" panose="02020603050405020304" pitchFamily="18" charset="0"/>
-              </a:rPr>
-              <a:t>Redis</a:t>
-            </a:r>
-            <a:r>
-              <a:rPr lang="zh-CN" altLang="zh-CN" sz="1800" kern="100" dirty="0">
-                <a:effectLst/>
-                <a:latin typeface="等线" panose="02010600030101010101" pitchFamily="2" charset="-122"/>
-                <a:ea typeface="等线" panose="02010600030101010101" pitchFamily="2" charset="-122"/>
-                <a:cs typeface="Times New Roman" panose="02020603050405020304" pitchFamily="18" charset="0"/>
-              </a:rPr>
-              <a:t>中获取菜品数据，如果有则直接返回，无需查询数据库；如果没有则查询数据库，并将查询到的菜品数据放入</a:t>
-            </a:r>
-            <a:r>
-              <a:rPr lang="en-US" altLang="zh-CN" sz="1800" kern="100" dirty="0">
-                <a:effectLst/>
-                <a:latin typeface="等线" panose="02010600030101010101" pitchFamily="2" charset="-122"/>
-                <a:ea typeface="等线" panose="02010600030101010101" pitchFamily="2" charset="-122"/>
-                <a:cs typeface="Times New Roman" panose="02020603050405020304" pitchFamily="18" charset="0"/>
-              </a:rPr>
-              <a:t>Redis.</a:t>
-            </a:r>
-            <a:endParaRPr lang="zh-CN" altLang="zh-CN" sz="1800" kern="100" dirty="0">
-              <a:effectLst/>
-              <a:latin typeface="等线" panose="02010600030101010101" pitchFamily="2" charset="-122"/>
-              <a:ea typeface="等线" panose="02010600030101010101" pitchFamily="2" charset="-122"/>
-              <a:cs typeface="Times New Roman" panose="02020603050405020304" pitchFamily="18" charset="0"/>
-            </a:endParaRPr>
-          </a:p>
-          <a:p>
-            <a:pPr marL="228600" algn="just"/>
-            <a:r>
-              <a:rPr lang="en-US" altLang="zh-CN" sz="1800" kern="100" dirty="0">
-                <a:effectLst/>
-                <a:latin typeface="等线" panose="02010600030101010101" pitchFamily="2" charset="-122"/>
-                <a:ea typeface="等线" panose="02010600030101010101" pitchFamily="2" charset="-122"/>
-                <a:cs typeface="Times New Roman" panose="02020603050405020304" pitchFamily="18" charset="0"/>
-              </a:rPr>
-              <a:t>2</a:t>
-            </a:r>
-            <a:r>
-              <a:rPr lang="zh-CN" altLang="zh-CN" sz="1800" kern="100" dirty="0">
-                <a:effectLst/>
-                <a:latin typeface="等线" panose="02010600030101010101" pitchFamily="2" charset="-122"/>
-                <a:ea typeface="等线" panose="02010600030101010101" pitchFamily="2" charset="-122"/>
-                <a:cs typeface="Times New Roman" panose="02020603050405020304" pitchFamily="18" charset="0"/>
-              </a:rPr>
-              <a:t>、在使用缓存过程中，要注意保证数据库中的数据和缓存中的数据一致，如果数据库中的数据发生变化，需要及时清理缓存数据。因此需要改造</a:t>
-            </a:r>
-            <a:r>
-              <a:rPr lang="en-US" altLang="zh-CN" sz="1800" kern="100" dirty="0" err="1">
-                <a:effectLst/>
-                <a:latin typeface="等线" panose="02010600030101010101" pitchFamily="2" charset="-122"/>
-                <a:ea typeface="等线" panose="02010600030101010101" pitchFamily="2" charset="-122"/>
-                <a:cs typeface="Times New Roman" panose="02020603050405020304" pitchFamily="18" charset="0"/>
-              </a:rPr>
-              <a:t>DishController</a:t>
-            </a:r>
-            <a:r>
-              <a:rPr lang="zh-CN" altLang="zh-CN" sz="1800" kern="100" dirty="0">
-                <a:effectLst/>
-                <a:latin typeface="等线" panose="02010600030101010101" pitchFamily="2" charset="-122"/>
-                <a:ea typeface="等线" panose="02010600030101010101" pitchFamily="2" charset="-122"/>
-                <a:cs typeface="Times New Roman" panose="02020603050405020304" pitchFamily="18" charset="0"/>
-              </a:rPr>
-              <a:t>和</a:t>
-            </a:r>
-            <a:r>
-              <a:rPr lang="en-US" altLang="zh-CN" sz="1800" kern="100" dirty="0" err="1">
-                <a:effectLst/>
-                <a:latin typeface="等线" panose="02010600030101010101" pitchFamily="2" charset="-122"/>
-                <a:ea typeface="等线" panose="02010600030101010101" pitchFamily="2" charset="-122"/>
-                <a:cs typeface="Times New Roman" panose="02020603050405020304" pitchFamily="18" charset="0"/>
-              </a:rPr>
-              <a:t>SetMealController</a:t>
-            </a:r>
-            <a:r>
-              <a:rPr lang="zh-CN" altLang="zh-CN" sz="1800" kern="100" dirty="0">
-                <a:effectLst/>
-                <a:latin typeface="等线" panose="02010600030101010101" pitchFamily="2" charset="-122"/>
-                <a:ea typeface="等线" panose="02010600030101010101" pitchFamily="2" charset="-122"/>
-                <a:cs typeface="Times New Roman" panose="02020603050405020304" pitchFamily="18" charset="0"/>
-              </a:rPr>
-              <a:t>的</a:t>
-            </a:r>
-            <a:r>
-              <a:rPr lang="en-US" altLang="zh-CN" sz="1800" kern="100" dirty="0">
-                <a:effectLst/>
-                <a:latin typeface="等线" panose="02010600030101010101" pitchFamily="2" charset="-122"/>
-                <a:ea typeface="等线" panose="02010600030101010101" pitchFamily="2" charset="-122"/>
-                <a:cs typeface="Times New Roman" panose="02020603050405020304" pitchFamily="18" charset="0"/>
-              </a:rPr>
-              <a:t>save</a:t>
-            </a:r>
-            <a:r>
-              <a:rPr lang="zh-CN" altLang="zh-CN" sz="1800" kern="100" dirty="0">
-                <a:effectLst/>
-                <a:latin typeface="等线" panose="02010600030101010101" pitchFamily="2" charset="-122"/>
-                <a:ea typeface="等线" panose="02010600030101010101" pitchFamily="2" charset="-122"/>
-                <a:cs typeface="Times New Roman" panose="02020603050405020304" pitchFamily="18" charset="0"/>
-              </a:rPr>
-              <a:t>和</a:t>
-            </a:r>
-            <a:r>
-              <a:rPr lang="en-US" altLang="zh-CN" sz="1800" kern="100" dirty="0">
-                <a:effectLst/>
-                <a:latin typeface="等线" panose="02010600030101010101" pitchFamily="2" charset="-122"/>
-                <a:ea typeface="等线" panose="02010600030101010101" pitchFamily="2" charset="-122"/>
-                <a:cs typeface="Times New Roman" panose="02020603050405020304" pitchFamily="18" charset="0"/>
-              </a:rPr>
-              <a:t>update</a:t>
-            </a:r>
-            <a:r>
-              <a:rPr lang="zh-CN" altLang="zh-CN" sz="1800" kern="100" dirty="0">
-                <a:effectLst/>
-                <a:latin typeface="等线" panose="02010600030101010101" pitchFamily="2" charset="-122"/>
-                <a:ea typeface="等线" panose="02010600030101010101" pitchFamily="2" charset="-122"/>
-                <a:cs typeface="Times New Roman" panose="02020603050405020304" pitchFamily="18" charset="0"/>
-              </a:rPr>
-              <a:t>方法，加入清理缓存的逻辑</a:t>
-            </a:r>
-          </a:p>
-          <a:p>
             <a:endParaRPr lang="zh-CN" altLang="en-US" dirty="0"/>
           </a:p>
         </p:txBody>
@@ -963,7 +673,7 @@
     </p:spTree>
     <p:extLst>
       <p:ext uri="{BB962C8B-B14F-4D97-AF65-F5344CB8AC3E}">
-        <p14:creationId xmlns:p14="http://schemas.microsoft.com/office/powerpoint/2010/main" val="3977478876"/>
+        <p14:creationId xmlns:p14="http://schemas.microsoft.com/office/powerpoint/2010/main" val="3224016578"/>
       </p:ext>
     </p:extLst>
   </p:cSld>
@@ -1022,6 +732,363 @@
           <a:bodyPr/>
           <a:lstStyle/>
           <a:p>
+            <a:pPr marL="228600" algn="just"/>
+            <a:r>
+              <a:rPr lang="zh-CN" altLang="zh-CN" sz="1800" kern="100" dirty="0">
+                <a:effectLst/>
+                <a:latin typeface="等线" panose="02010600030101010101" pitchFamily="2" charset="-122"/>
+                <a:ea typeface="等线" panose="02010600030101010101" pitchFamily="2" charset="-122"/>
+                <a:cs typeface="Times New Roman" panose="02020603050405020304" pitchFamily="18" charset="0"/>
+              </a:rPr>
+              <a:t>实现思路：</a:t>
+            </a:r>
+          </a:p>
+          <a:p>
+            <a:pPr marL="228600" algn="just"/>
+            <a:r>
+              <a:rPr lang="zh-CN" altLang="zh-CN" sz="1800" kern="100" dirty="0">
+                <a:effectLst/>
+                <a:latin typeface="等线" panose="02010600030101010101" pitchFamily="2" charset="-122"/>
+                <a:ea typeface="等线" panose="02010600030101010101" pitchFamily="2" charset="-122"/>
+                <a:cs typeface="Times New Roman" panose="02020603050405020304" pitchFamily="18" charset="0"/>
+              </a:rPr>
+              <a:t>前面我们已经实现了移动端菜品查看功能，对应的服务端方法为</a:t>
+            </a:r>
+            <a:r>
+              <a:rPr lang="en-US" altLang="zh-CN" sz="1800" kern="100" dirty="0" err="1">
+                <a:effectLst/>
+                <a:latin typeface="等线" panose="02010600030101010101" pitchFamily="2" charset="-122"/>
+                <a:ea typeface="等线" panose="02010600030101010101" pitchFamily="2" charset="-122"/>
+                <a:cs typeface="Times New Roman" panose="02020603050405020304" pitchFamily="18" charset="0"/>
+              </a:rPr>
+              <a:t>DishController</a:t>
+            </a:r>
+            <a:r>
+              <a:rPr lang="zh-CN" altLang="zh-CN" sz="1800" kern="100" dirty="0">
+                <a:effectLst/>
+                <a:latin typeface="等线" panose="02010600030101010101" pitchFamily="2" charset="-122"/>
+                <a:ea typeface="等线" panose="02010600030101010101" pitchFamily="2" charset="-122"/>
+                <a:cs typeface="Times New Roman" panose="02020603050405020304" pitchFamily="18" charset="0"/>
+              </a:rPr>
+              <a:t>和</a:t>
+            </a:r>
+            <a:r>
+              <a:rPr lang="en-US" altLang="zh-CN" sz="1800" kern="100" dirty="0" err="1">
+                <a:effectLst/>
+                <a:latin typeface="等线" panose="02010600030101010101" pitchFamily="2" charset="-122"/>
+                <a:ea typeface="等线" panose="02010600030101010101" pitchFamily="2" charset="-122"/>
+                <a:cs typeface="Times New Roman" panose="02020603050405020304" pitchFamily="18" charset="0"/>
+              </a:rPr>
+              <a:t>setmeal</a:t>
+            </a:r>
+            <a:r>
+              <a:rPr lang="zh-CN" altLang="zh-CN" sz="1800" kern="100" dirty="0">
+                <a:effectLst/>
+                <a:latin typeface="等线" panose="02010600030101010101" pitchFamily="2" charset="-122"/>
+                <a:ea typeface="等线" panose="02010600030101010101" pitchFamily="2" charset="-122"/>
+                <a:cs typeface="Times New Roman" panose="02020603050405020304" pitchFamily="18" charset="0"/>
+              </a:rPr>
+              <a:t>的</a:t>
+            </a:r>
+            <a:r>
+              <a:rPr lang="en-US" altLang="zh-CN" sz="1800" kern="100" dirty="0">
+                <a:effectLst/>
+                <a:latin typeface="等线" panose="02010600030101010101" pitchFamily="2" charset="-122"/>
+                <a:ea typeface="等线" panose="02010600030101010101" pitchFamily="2" charset="-122"/>
+                <a:cs typeface="Times New Roman" panose="02020603050405020304" pitchFamily="18" charset="0"/>
+              </a:rPr>
+              <a:t>list</a:t>
+            </a:r>
+            <a:r>
+              <a:rPr lang="zh-CN" altLang="zh-CN" sz="1800" kern="100" dirty="0">
+                <a:effectLst/>
+                <a:latin typeface="等线" panose="02010600030101010101" pitchFamily="2" charset="-122"/>
+                <a:ea typeface="等线" panose="02010600030101010101" pitchFamily="2" charset="-122"/>
+                <a:cs typeface="Times New Roman" panose="02020603050405020304" pitchFamily="18" charset="0"/>
+              </a:rPr>
+              <a:t>方法，此方法会根据前端提交的查询条件进行数据库查询操作。在高并发的情况下，频繁查询数据库会导致系统性能下降，服务端响应时间增长。现在需要对此方法进行缓存优化，提高系统的性能。</a:t>
+            </a:r>
+          </a:p>
+          <a:p>
+            <a:pPr marL="228600" algn="just"/>
+            <a:r>
+              <a:rPr lang="zh-CN" altLang="zh-CN" sz="1800" kern="100" dirty="0">
+                <a:effectLst/>
+                <a:latin typeface="等线" panose="02010600030101010101" pitchFamily="2" charset="-122"/>
+                <a:ea typeface="等线" panose="02010600030101010101" pitchFamily="2" charset="-122"/>
+                <a:cs typeface="Times New Roman" panose="02020603050405020304" pitchFamily="18" charset="0"/>
+              </a:rPr>
+              <a:t>具体的实现思路如下：</a:t>
+            </a:r>
+          </a:p>
+          <a:p>
+            <a:pPr marL="228600" algn="just"/>
+            <a:r>
+              <a:rPr lang="en-US" altLang="zh-CN" sz="1800" kern="100" dirty="0">
+                <a:effectLst/>
+                <a:latin typeface="等线" panose="02010600030101010101" pitchFamily="2" charset="-122"/>
+                <a:ea typeface="等线" panose="02010600030101010101" pitchFamily="2" charset="-122"/>
+                <a:cs typeface="Times New Roman" panose="02020603050405020304" pitchFamily="18" charset="0"/>
+              </a:rPr>
+              <a:t>1</a:t>
+            </a:r>
+            <a:r>
+              <a:rPr lang="zh-CN" altLang="zh-CN" sz="1800" kern="100" dirty="0">
+                <a:effectLst/>
+                <a:latin typeface="等线" panose="02010600030101010101" pitchFamily="2" charset="-122"/>
+                <a:ea typeface="等线" panose="02010600030101010101" pitchFamily="2" charset="-122"/>
+                <a:cs typeface="Times New Roman" panose="02020603050405020304" pitchFamily="18" charset="0"/>
+              </a:rPr>
+              <a:t>、改造</a:t>
+            </a:r>
+            <a:r>
+              <a:rPr lang="en-US" altLang="zh-CN" sz="1800" kern="100" dirty="0" err="1">
+                <a:effectLst/>
+                <a:latin typeface="等线" panose="02010600030101010101" pitchFamily="2" charset="-122"/>
+                <a:ea typeface="等线" panose="02010600030101010101" pitchFamily="2" charset="-122"/>
+                <a:cs typeface="Times New Roman" panose="02020603050405020304" pitchFamily="18" charset="0"/>
+              </a:rPr>
+              <a:t>DishController</a:t>
+            </a:r>
+            <a:r>
+              <a:rPr lang="zh-CN" altLang="zh-CN" sz="1800" kern="100" dirty="0">
+                <a:effectLst/>
+                <a:latin typeface="等线" panose="02010600030101010101" pitchFamily="2" charset="-122"/>
+                <a:ea typeface="等线" panose="02010600030101010101" pitchFamily="2" charset="-122"/>
+                <a:cs typeface="Times New Roman" panose="02020603050405020304" pitchFamily="18" charset="0"/>
+              </a:rPr>
+              <a:t>和</a:t>
+            </a:r>
+            <a:r>
+              <a:rPr lang="en-US" altLang="zh-CN" sz="1800" kern="100" dirty="0" err="1">
+                <a:effectLst/>
+                <a:latin typeface="等线" panose="02010600030101010101" pitchFamily="2" charset="-122"/>
+                <a:ea typeface="等线" panose="02010600030101010101" pitchFamily="2" charset="-122"/>
+                <a:cs typeface="Times New Roman" panose="02020603050405020304" pitchFamily="18" charset="0"/>
+              </a:rPr>
+              <a:t>SetMealController</a:t>
+            </a:r>
+            <a:r>
+              <a:rPr lang="zh-CN" altLang="zh-CN" sz="1800" kern="100" dirty="0">
+                <a:effectLst/>
+                <a:latin typeface="等线" panose="02010600030101010101" pitchFamily="2" charset="-122"/>
+                <a:ea typeface="等线" panose="02010600030101010101" pitchFamily="2" charset="-122"/>
+                <a:cs typeface="Times New Roman" panose="02020603050405020304" pitchFamily="18" charset="0"/>
+              </a:rPr>
+              <a:t>的</a:t>
+            </a:r>
+            <a:r>
+              <a:rPr lang="en-US" altLang="zh-CN" sz="1800" kern="100" dirty="0">
+                <a:effectLst/>
+                <a:latin typeface="等线" panose="02010600030101010101" pitchFamily="2" charset="-122"/>
+                <a:ea typeface="等线" panose="02010600030101010101" pitchFamily="2" charset="-122"/>
+                <a:cs typeface="Times New Roman" panose="02020603050405020304" pitchFamily="18" charset="0"/>
+              </a:rPr>
+              <a:t>list</a:t>
+            </a:r>
+            <a:r>
+              <a:rPr lang="zh-CN" altLang="zh-CN" sz="1800" kern="100" dirty="0">
+                <a:effectLst/>
+                <a:latin typeface="等线" panose="02010600030101010101" pitchFamily="2" charset="-122"/>
+                <a:ea typeface="等线" panose="02010600030101010101" pitchFamily="2" charset="-122"/>
+                <a:cs typeface="Times New Roman" panose="02020603050405020304" pitchFamily="18" charset="0"/>
+              </a:rPr>
+              <a:t>方法，先从</a:t>
+            </a:r>
+            <a:r>
+              <a:rPr lang="en-US" altLang="zh-CN" sz="1800" kern="100" dirty="0">
+                <a:effectLst/>
+                <a:latin typeface="等线" panose="02010600030101010101" pitchFamily="2" charset="-122"/>
+                <a:ea typeface="等线" panose="02010600030101010101" pitchFamily="2" charset="-122"/>
+                <a:cs typeface="Times New Roman" panose="02020603050405020304" pitchFamily="18" charset="0"/>
+              </a:rPr>
+              <a:t>Redis</a:t>
+            </a:r>
+            <a:r>
+              <a:rPr lang="zh-CN" altLang="zh-CN" sz="1800" kern="100" dirty="0">
+                <a:effectLst/>
+                <a:latin typeface="等线" panose="02010600030101010101" pitchFamily="2" charset="-122"/>
+                <a:ea typeface="等线" panose="02010600030101010101" pitchFamily="2" charset="-122"/>
+                <a:cs typeface="Times New Roman" panose="02020603050405020304" pitchFamily="18" charset="0"/>
+              </a:rPr>
+              <a:t>中获取菜品数据，如果有则直接返回，无需查询数据库；如果没有则查询数据库，并将查询到的菜品数据放入</a:t>
+            </a:r>
+            <a:r>
+              <a:rPr lang="en-US" altLang="zh-CN" sz="1800" kern="100" dirty="0">
+                <a:effectLst/>
+                <a:latin typeface="等线" panose="02010600030101010101" pitchFamily="2" charset="-122"/>
+                <a:ea typeface="等线" panose="02010600030101010101" pitchFamily="2" charset="-122"/>
+                <a:cs typeface="Times New Roman" panose="02020603050405020304" pitchFamily="18" charset="0"/>
+              </a:rPr>
+              <a:t>Redis.</a:t>
+            </a:r>
+            <a:endParaRPr lang="zh-CN" altLang="zh-CN" sz="1800" kern="100" dirty="0">
+              <a:effectLst/>
+              <a:latin typeface="等线" panose="02010600030101010101" pitchFamily="2" charset="-122"/>
+              <a:ea typeface="等线" panose="02010600030101010101" pitchFamily="2" charset="-122"/>
+              <a:cs typeface="Times New Roman" panose="02020603050405020304" pitchFamily="18" charset="0"/>
+            </a:endParaRPr>
+          </a:p>
+          <a:p>
+            <a:pPr marL="228600" algn="just"/>
+            <a:r>
+              <a:rPr lang="en-US" altLang="zh-CN" sz="1800" kern="100" dirty="0">
+                <a:effectLst/>
+                <a:latin typeface="等线" panose="02010600030101010101" pitchFamily="2" charset="-122"/>
+                <a:ea typeface="等线" panose="02010600030101010101" pitchFamily="2" charset="-122"/>
+                <a:cs typeface="Times New Roman" panose="02020603050405020304" pitchFamily="18" charset="0"/>
+              </a:rPr>
+              <a:t>2</a:t>
+            </a:r>
+            <a:r>
+              <a:rPr lang="zh-CN" altLang="zh-CN" sz="1800" kern="100" dirty="0">
+                <a:effectLst/>
+                <a:latin typeface="等线" panose="02010600030101010101" pitchFamily="2" charset="-122"/>
+                <a:ea typeface="等线" panose="02010600030101010101" pitchFamily="2" charset="-122"/>
+                <a:cs typeface="Times New Roman" panose="02020603050405020304" pitchFamily="18" charset="0"/>
+              </a:rPr>
+              <a:t>、在使用缓存过程中，要注意保证数据库中的数据和缓存中的数据一致，如果数据库中的数据发生变化，需要及时清理缓存数据。因此需要改造</a:t>
+            </a:r>
+            <a:r>
+              <a:rPr lang="en-US" altLang="zh-CN" sz="1800" kern="100" dirty="0" err="1">
+                <a:effectLst/>
+                <a:latin typeface="等线" panose="02010600030101010101" pitchFamily="2" charset="-122"/>
+                <a:ea typeface="等线" panose="02010600030101010101" pitchFamily="2" charset="-122"/>
+                <a:cs typeface="Times New Roman" panose="02020603050405020304" pitchFamily="18" charset="0"/>
+              </a:rPr>
+              <a:t>DishController</a:t>
+            </a:r>
+            <a:r>
+              <a:rPr lang="zh-CN" altLang="zh-CN" sz="1800" kern="100" dirty="0">
+                <a:effectLst/>
+                <a:latin typeface="等线" panose="02010600030101010101" pitchFamily="2" charset="-122"/>
+                <a:ea typeface="等线" panose="02010600030101010101" pitchFamily="2" charset="-122"/>
+                <a:cs typeface="Times New Roman" panose="02020603050405020304" pitchFamily="18" charset="0"/>
+              </a:rPr>
+              <a:t>和</a:t>
+            </a:r>
+            <a:r>
+              <a:rPr lang="en-US" altLang="zh-CN" sz="1800" kern="100" dirty="0" err="1">
+                <a:effectLst/>
+                <a:latin typeface="等线" panose="02010600030101010101" pitchFamily="2" charset="-122"/>
+                <a:ea typeface="等线" panose="02010600030101010101" pitchFamily="2" charset="-122"/>
+                <a:cs typeface="Times New Roman" panose="02020603050405020304" pitchFamily="18" charset="0"/>
+              </a:rPr>
+              <a:t>SetMealController</a:t>
+            </a:r>
+            <a:r>
+              <a:rPr lang="zh-CN" altLang="zh-CN" sz="1800" kern="100" dirty="0">
+                <a:effectLst/>
+                <a:latin typeface="等线" panose="02010600030101010101" pitchFamily="2" charset="-122"/>
+                <a:ea typeface="等线" panose="02010600030101010101" pitchFamily="2" charset="-122"/>
+                <a:cs typeface="Times New Roman" panose="02020603050405020304" pitchFamily="18" charset="0"/>
+              </a:rPr>
+              <a:t>的</a:t>
+            </a:r>
+            <a:r>
+              <a:rPr lang="en-US" altLang="zh-CN" sz="1800" kern="100" dirty="0">
+                <a:effectLst/>
+                <a:latin typeface="等线" panose="02010600030101010101" pitchFamily="2" charset="-122"/>
+                <a:ea typeface="等线" panose="02010600030101010101" pitchFamily="2" charset="-122"/>
+                <a:cs typeface="Times New Roman" panose="02020603050405020304" pitchFamily="18" charset="0"/>
+              </a:rPr>
+              <a:t>save</a:t>
+            </a:r>
+            <a:r>
+              <a:rPr lang="zh-CN" altLang="zh-CN" sz="1800" kern="100" dirty="0">
+                <a:effectLst/>
+                <a:latin typeface="等线" panose="02010600030101010101" pitchFamily="2" charset="-122"/>
+                <a:ea typeface="等线" panose="02010600030101010101" pitchFamily="2" charset="-122"/>
+                <a:cs typeface="Times New Roman" panose="02020603050405020304" pitchFamily="18" charset="0"/>
+              </a:rPr>
+              <a:t>和</a:t>
+            </a:r>
+            <a:r>
+              <a:rPr lang="en-US" altLang="zh-CN" sz="1800" kern="100" dirty="0">
+                <a:effectLst/>
+                <a:latin typeface="等线" panose="02010600030101010101" pitchFamily="2" charset="-122"/>
+                <a:ea typeface="等线" panose="02010600030101010101" pitchFamily="2" charset="-122"/>
+                <a:cs typeface="Times New Roman" panose="02020603050405020304" pitchFamily="18" charset="0"/>
+              </a:rPr>
+              <a:t>update</a:t>
+            </a:r>
+            <a:r>
+              <a:rPr lang="zh-CN" altLang="zh-CN" sz="1800" kern="100" dirty="0">
+                <a:effectLst/>
+                <a:latin typeface="等线" panose="02010600030101010101" pitchFamily="2" charset="-122"/>
+                <a:ea typeface="等线" panose="02010600030101010101" pitchFamily="2" charset="-122"/>
+                <a:cs typeface="Times New Roman" panose="02020603050405020304" pitchFamily="18" charset="0"/>
+              </a:rPr>
+              <a:t>方法，加入清理缓存的逻辑</a:t>
+            </a:r>
+          </a:p>
+          <a:p>
+            <a:endParaRPr lang="zh-CN" altLang="en-US" dirty="0"/>
+          </a:p>
+        </p:txBody>
+      </p:sp>
+    </p:spTree>
+    <p:extLst>
+      <p:ext uri="{BB962C8B-B14F-4D97-AF65-F5344CB8AC3E}">
+        <p14:creationId xmlns:p14="http://schemas.microsoft.com/office/powerpoint/2010/main" val="3977478876"/>
+      </p:ext>
+    </p:extLst>
+  </p:cSld>
+  <p:clrMapOvr>
+    <a:masterClrMapping/>
+  </p:clrMapOvr>
+</p:notes>
+</file>
+
+<file path=ppt/notesSlides/notesSlide12.xml><?xml version="1.0" encoding="utf-8"?>
+<p:notes xmlns:a="http://schemas.openxmlformats.org/drawingml/2006/main" xmlns:r="http://schemas.openxmlformats.org/officeDocument/2006/relationships" xmlns:p="http://schemas.openxmlformats.org/presentationml/2006/main">
+  <p:cSld>
+    <p:spTree>
+      <p:nvGrpSpPr>
+        <p:cNvPr id="1" name=""/>
+        <p:cNvGrpSpPr/>
+        <p:nvPr/>
+      </p:nvGrpSpPr>
+      <p:grpSpPr>
+        <a:xfrm>
+          <a:off x="0" y="0"/>
+          <a:ext cx="0" cy="0"/>
+          <a:chOff x="0" y="0"/>
+          <a:chExt cx="0" cy="0"/>
+        </a:xfrm>
+      </p:grpSpPr>
+      <p:sp>
+        <p:nvSpPr>
+          <p:cNvPr id="2" name="幻灯片图像占位符 1"/>
+          <p:cNvSpPr>
+            <a:spLocks noGrp="1" noRot="1" noChangeAspect="1"/>
+          </p:cNvSpPr>
+          <p:nvPr>
+            <p:ph type="sldImg"/>
+          </p:nvPr>
+        </p:nvSpPr>
+        <p:spPr>
+          <a:xfrm>
+            <a:off x="381000" y="685800"/>
+            <a:ext cx="6096000" cy="3429000"/>
+          </a:xfrm>
+        </p:spPr>
+      </p:sp>
+      <p:sp>
+        <p:nvSpPr>
+          <p:cNvPr id="3" name="备注占位符 2"/>
+          <p:cNvSpPr>
+            <a:spLocks noGrp="1"/>
+          </p:cNvSpPr>
+          <p:nvPr>
+            <p:ph type="body" idx="1"/>
+          </p:nvPr>
+        </p:nvSpPr>
+        <p:spPr/>
+        <p:txBody>
+          <a:bodyPr/>
+          <a:lstStyle/>
+          <a:p>
             <a:pPr marL="0" marR="0" lvl="0" indent="0" algn="l" defTabSz="914400" rtl="0" eaLnBrk="1" fontAlgn="base" latinLnBrk="0" hangingPunct="0">
               <a:lnSpc>
                 <a:spcPct val="100000"/>
@@ -1183,7 +1250,7 @@
 </p:notes>
 </file>
 
-<file path=ppt/notesSlides/notesSlide12.xml><?xml version="1.0" encoding="utf-8"?>
+<file path=ppt/notesSlides/notesSlide13.xml><?xml version="1.0" encoding="utf-8"?>
 <p:notes xmlns:a="http://schemas.openxmlformats.org/drawingml/2006/main" xmlns:r="http://schemas.openxmlformats.org/officeDocument/2006/relationships" xmlns:p="http://schemas.openxmlformats.org/presentationml/2006/main">
   <p:cSld>
     <p:spTree>
@@ -1713,7 +1780,7 @@
     </p:spTree>
     <p:extLst>
       <p:ext uri="{BB962C8B-B14F-4D97-AF65-F5344CB8AC3E}">
-        <p14:creationId xmlns:p14="http://schemas.microsoft.com/office/powerpoint/2010/main" val="415548309"/>
+        <p14:creationId xmlns:p14="http://schemas.microsoft.com/office/powerpoint/2010/main" val="3466624471"/>
       </p:ext>
     </p:extLst>
   </p:cSld>
@@ -1779,7 +1846,7 @@
     </p:spTree>
     <p:extLst>
       <p:ext uri="{BB962C8B-B14F-4D97-AF65-F5344CB8AC3E}">
-        <p14:creationId xmlns:p14="http://schemas.microsoft.com/office/powerpoint/2010/main" val="2269953311"/>
+        <p14:creationId xmlns:p14="http://schemas.microsoft.com/office/powerpoint/2010/main" val="415548309"/>
       </p:ext>
     </p:extLst>
   </p:cSld>
@@ -1845,7 +1912,7 @@
     </p:spTree>
     <p:extLst>
       <p:ext uri="{BB962C8B-B14F-4D97-AF65-F5344CB8AC3E}">
-        <p14:creationId xmlns:p14="http://schemas.microsoft.com/office/powerpoint/2010/main" val="2112175501"/>
+        <p14:creationId xmlns:p14="http://schemas.microsoft.com/office/powerpoint/2010/main" val="2269953311"/>
       </p:ext>
     </p:extLst>
   </p:cSld>
@@ -1911,7 +1978,7 @@
     </p:spTree>
     <p:extLst>
       <p:ext uri="{BB962C8B-B14F-4D97-AF65-F5344CB8AC3E}">
-        <p14:creationId xmlns:p14="http://schemas.microsoft.com/office/powerpoint/2010/main" val="1990903669"/>
+        <p14:creationId xmlns:p14="http://schemas.microsoft.com/office/powerpoint/2010/main" val="2112175501"/>
       </p:ext>
     </p:extLst>
   </p:cSld>
@@ -1977,7 +2044,7 @@
     </p:spTree>
     <p:extLst>
       <p:ext uri="{BB962C8B-B14F-4D97-AF65-F5344CB8AC3E}">
-        <p14:creationId xmlns:p14="http://schemas.microsoft.com/office/powerpoint/2010/main" val="465904676"/>
+        <p14:creationId xmlns:p14="http://schemas.microsoft.com/office/powerpoint/2010/main" val="1990903669"/>
       </p:ext>
     </p:extLst>
   </p:cSld>
@@ -2043,7 +2110,7 @@
     </p:spTree>
     <p:extLst>
       <p:ext uri="{BB962C8B-B14F-4D97-AF65-F5344CB8AC3E}">
-        <p14:creationId xmlns:p14="http://schemas.microsoft.com/office/powerpoint/2010/main" val="3158961812"/>
+        <p14:creationId xmlns:p14="http://schemas.microsoft.com/office/powerpoint/2010/main" val="465904676"/>
       </p:ext>
     </p:extLst>
   </p:cSld>
@@ -2109,7 +2176,7 @@
     </p:spTree>
     <p:extLst>
       <p:ext uri="{BB962C8B-B14F-4D97-AF65-F5344CB8AC3E}">
-        <p14:creationId xmlns:p14="http://schemas.microsoft.com/office/powerpoint/2010/main" val="3224016578"/>
+        <p14:creationId xmlns:p14="http://schemas.microsoft.com/office/powerpoint/2010/main" val="3158961812"/>
       </p:ext>
     </p:extLst>
   </p:cSld>
@@ -7859,289 +7926,12 @@
           </a:p>
         </p:txBody>
       </p:sp>
-      <p:sp>
-        <p:nvSpPr>
-          <p:cNvPr id="3" name="文本框 2" descr="Text Box 3">
+      <p:pic>
+        <p:nvPicPr>
+          <p:cNvPr id="5" name="图片 4">
             <a:extLst>
               <a:ext uri="{FF2B5EF4-FFF2-40B4-BE49-F238E27FC236}">
-                <a16:creationId xmlns:a16="http://schemas.microsoft.com/office/drawing/2014/main" id="{7F17F1D9-8227-D96E-C98B-58A691D32358}"/>
-              </a:ext>
-            </a:extLst>
-          </p:cNvPr>
-          <p:cNvSpPr txBox="1"/>
-          <p:nvPr/>
-        </p:nvSpPr>
-        <p:spPr>
-          <a:xfrm>
-            <a:off x="897691" y="1174601"/>
-            <a:ext cx="3623064" cy="4508798"/>
-          </a:xfrm>
-          <a:prstGeom prst="rect">
-            <a:avLst/>
-          </a:prstGeom>
-          <a:noFill/>
-          <a:ln w="12700">
-            <a:noFill/>
-          </a:ln>
-        </p:spPr>
-        <p:txBody>
-          <a:bodyPr vert="horz" wrap="square" lIns="25400" tIns="25400" rIns="25400" bIns="25400" anchor="ctr">
-            <a:spAutoFit/>
-          </a:bodyPr>
-          <a:lstStyle/>
-          <a:p>
-            <a:pPr>
-              <a:lnSpc>
-                <a:spcPct val="150000"/>
-              </a:lnSpc>
-            </a:pPr>
-            <a:r>
-              <a:rPr lang="en-US" altLang="zh-CN" sz="2800" baseline="0" dirty="0">
-                <a:solidFill>
-                  <a:srgbClr val="DCDEE0"/>
-                </a:solidFill>
-                <a:latin typeface="字体视界-一风尚黑体" charset="0"/>
-                <a:ea typeface="+mn-ea"/>
-                <a:sym typeface="字体视界-一风尚黑体" charset="0"/>
-              </a:rPr>
-              <a:t>2.1 </a:t>
-            </a:r>
-            <a:r>
-              <a:rPr lang="zh-CN" altLang="en-US" sz="2800" baseline="0" dirty="0">
-                <a:solidFill>
-                  <a:srgbClr val="DCDEE0"/>
-                </a:solidFill>
-                <a:latin typeface="字体视界-一风尚黑体" charset="0"/>
-                <a:ea typeface="+mn-ea"/>
-                <a:sym typeface="字体视界-一风尚黑体" charset="0"/>
-              </a:rPr>
-              <a:t>登陆界面</a:t>
-            </a:r>
-            <a:endParaRPr lang="en-US" altLang="zh-CN" sz="2800" baseline="0" dirty="0">
-              <a:solidFill>
-                <a:srgbClr val="DCDEE0"/>
-              </a:solidFill>
-              <a:latin typeface="字体视界-一风尚黑体" charset="0"/>
-              <a:ea typeface="+mn-ea"/>
-              <a:sym typeface="字体视界-一风尚黑体" charset="0"/>
-            </a:endParaRPr>
-          </a:p>
-          <a:p>
-            <a:pPr>
-              <a:lnSpc>
-                <a:spcPct val="150000"/>
-              </a:lnSpc>
-            </a:pPr>
-            <a:r>
-              <a:rPr lang="en-US" altLang="zh-CN" sz="2800" baseline="0" dirty="0">
-                <a:solidFill>
-                  <a:srgbClr val="DCDEE0"/>
-                </a:solidFill>
-                <a:latin typeface="字体视界-一风尚黑体" charset="0"/>
-                <a:ea typeface="+mn-ea"/>
-                <a:sym typeface="字体视界-一风尚黑体" charset="0"/>
-              </a:rPr>
-              <a:t>2.2 </a:t>
-            </a:r>
-            <a:r>
-              <a:rPr lang="zh-CN" altLang="en-US" sz="2800" baseline="0" dirty="0">
-                <a:solidFill>
-                  <a:srgbClr val="DCDEE0"/>
-                </a:solidFill>
-                <a:latin typeface="字体视界-一风尚黑体" charset="0"/>
-                <a:ea typeface="+mn-ea"/>
-                <a:sym typeface="字体视界-一风尚黑体" charset="0"/>
-              </a:rPr>
-              <a:t>员工管理界面</a:t>
-            </a:r>
-            <a:endParaRPr lang="en-US" altLang="zh-CN" sz="2800" baseline="0" dirty="0">
-              <a:solidFill>
-                <a:srgbClr val="DCDEE0"/>
-              </a:solidFill>
-              <a:latin typeface="字体视界-一风尚黑体" charset="0"/>
-              <a:ea typeface="+mn-ea"/>
-              <a:sym typeface="字体视界-一风尚黑体" charset="0"/>
-            </a:endParaRPr>
-          </a:p>
-          <a:p>
-            <a:pPr>
-              <a:lnSpc>
-                <a:spcPct val="150000"/>
-              </a:lnSpc>
-            </a:pPr>
-            <a:r>
-              <a:rPr lang="en-US" altLang="zh-CN" sz="2800" dirty="0">
-                <a:solidFill>
-                  <a:srgbClr val="DCDEE0"/>
-                </a:solidFill>
-                <a:ea typeface="+mn-ea"/>
-              </a:rPr>
-              <a:t>2.3 </a:t>
-            </a:r>
-            <a:r>
-              <a:rPr lang="zh-CN" altLang="en-US" sz="2800" dirty="0">
-                <a:solidFill>
-                  <a:srgbClr val="DCDEE0"/>
-                </a:solidFill>
-                <a:ea typeface="+mn-ea"/>
-              </a:rPr>
-              <a:t>分类管理界面</a:t>
-            </a:r>
-            <a:endParaRPr lang="en-US" altLang="zh-CN" sz="2800" dirty="0">
-              <a:solidFill>
-                <a:srgbClr val="DCDEE0"/>
-              </a:solidFill>
-              <a:ea typeface="+mn-ea"/>
-            </a:endParaRPr>
-          </a:p>
-          <a:p>
-            <a:pPr>
-              <a:lnSpc>
-                <a:spcPct val="150000"/>
-              </a:lnSpc>
-            </a:pPr>
-            <a:r>
-              <a:rPr lang="en-US" altLang="zh-CN" sz="2800" baseline="0" dirty="0">
-                <a:solidFill>
-                  <a:srgbClr val="DCDEE0"/>
-                </a:solidFill>
-                <a:latin typeface="字体视界-一风尚黑体" charset="0"/>
-                <a:ea typeface="+mn-ea"/>
-                <a:sym typeface="字体视界-一风尚黑体" charset="0"/>
-              </a:rPr>
-              <a:t>2.4 </a:t>
-            </a:r>
-            <a:r>
-              <a:rPr lang="zh-CN" altLang="en-US" sz="2800" baseline="0" dirty="0">
-                <a:solidFill>
-                  <a:srgbClr val="DCDEE0"/>
-                </a:solidFill>
-                <a:latin typeface="字体视界-一风尚黑体" charset="0"/>
-                <a:ea typeface="+mn-ea"/>
-                <a:sym typeface="字体视界-一风尚黑体" charset="0"/>
-              </a:rPr>
-              <a:t>菜品管理界面</a:t>
-            </a:r>
-            <a:endParaRPr lang="en-US" altLang="zh-CN" sz="2800" baseline="0" dirty="0">
-              <a:solidFill>
-                <a:srgbClr val="DCDEE0"/>
-              </a:solidFill>
-              <a:latin typeface="字体视界-一风尚黑体" charset="0"/>
-              <a:ea typeface="+mn-ea"/>
-              <a:sym typeface="字体视界-一风尚黑体" charset="0"/>
-            </a:endParaRPr>
-          </a:p>
-          <a:p>
-            <a:pPr>
-              <a:lnSpc>
-                <a:spcPct val="150000"/>
-              </a:lnSpc>
-            </a:pPr>
-            <a:r>
-              <a:rPr lang="en-US" altLang="zh-CN" sz="2800" dirty="0">
-                <a:solidFill>
-                  <a:srgbClr val="DCDEE0"/>
-                </a:solidFill>
-                <a:ea typeface="+mn-ea"/>
-              </a:rPr>
-              <a:t>2.5 </a:t>
-            </a:r>
-            <a:r>
-              <a:rPr lang="zh-CN" altLang="en-US" sz="2800" dirty="0">
-                <a:solidFill>
-                  <a:srgbClr val="DCDEE0"/>
-                </a:solidFill>
-                <a:ea typeface="+mn-ea"/>
-              </a:rPr>
-              <a:t>套餐管理界面</a:t>
-            </a:r>
-            <a:endParaRPr lang="en-US" altLang="zh-CN" sz="2800" dirty="0">
-              <a:solidFill>
-                <a:srgbClr val="DCDEE0"/>
-              </a:solidFill>
-              <a:ea typeface="+mn-ea"/>
-            </a:endParaRPr>
-          </a:p>
-          <a:p>
-            <a:pPr>
-              <a:lnSpc>
-                <a:spcPct val="150000"/>
-              </a:lnSpc>
-            </a:pPr>
-            <a:r>
-              <a:rPr lang="en-US" altLang="zh-CN" sz="2800" baseline="0" dirty="0">
-                <a:solidFill>
-                  <a:srgbClr val="DCDEE0"/>
-                </a:solidFill>
-                <a:latin typeface="字体视界-一风尚黑体" charset="0"/>
-                <a:ea typeface="+mn-ea"/>
-                <a:sym typeface="字体视界-一风尚黑体" charset="0"/>
-              </a:rPr>
-              <a:t>2.6 </a:t>
-            </a:r>
-            <a:r>
-              <a:rPr lang="zh-CN" altLang="en-US" sz="2800" baseline="0" dirty="0">
-                <a:solidFill>
-                  <a:srgbClr val="DCDEE0"/>
-                </a:solidFill>
-                <a:latin typeface="字体视界-一风尚黑体" charset="0"/>
-                <a:ea typeface="+mn-ea"/>
-                <a:sym typeface="字体视界-一风尚黑体" charset="0"/>
-              </a:rPr>
-              <a:t>订单界面</a:t>
-            </a:r>
-            <a:endParaRPr lang="en-US" altLang="zh-CN" sz="2800" baseline="0" dirty="0">
-              <a:solidFill>
-                <a:srgbClr val="DCDEE0"/>
-              </a:solidFill>
-              <a:latin typeface="字体视界-一风尚黑体" charset="0"/>
-              <a:ea typeface="+mn-ea"/>
-              <a:sym typeface="字体视界-一风尚黑体" charset="0"/>
-            </a:endParaRPr>
-          </a:p>
-          <a:p>
-            <a:pPr>
-              <a:lnSpc>
-                <a:spcPct val="150000"/>
-              </a:lnSpc>
-            </a:pPr>
-            <a:r>
-              <a:rPr lang="en-US" altLang="zh-CN" sz="2800" baseline="0" dirty="0">
-                <a:solidFill>
-                  <a:srgbClr val="DCDEE0"/>
-                </a:solidFill>
-                <a:latin typeface="字体视界-一风尚黑体" charset="0"/>
-                <a:ea typeface="+mn-ea"/>
-                <a:sym typeface="字体视界-一风尚黑体" charset="0"/>
-              </a:rPr>
-              <a:t>2.7 UI</a:t>
-            </a:r>
-            <a:r>
-              <a:rPr lang="zh-CN" altLang="en-US" sz="2800" dirty="0">
-                <a:solidFill>
-                  <a:srgbClr val="DCDEE0"/>
-                </a:solidFill>
-                <a:ea typeface="+mn-ea"/>
-              </a:rPr>
-              <a:t>设计</a:t>
-            </a:r>
-            <a:endParaRPr lang="en-US" altLang="zh-CN" sz="2800" baseline="0" dirty="0">
-              <a:solidFill>
-                <a:srgbClr val="DCDEE0"/>
-              </a:solidFill>
-              <a:latin typeface="字体视界-一风尚黑体" charset="0"/>
-              <a:ea typeface="+mn-ea"/>
-              <a:sym typeface="字体视界-一风尚黑体" charset="0"/>
-            </a:endParaRPr>
-          </a:p>
-        </p:txBody>
-      </p:sp>
-      <p:pic>
-        <p:nvPicPr>
-          <p:cNvPr id="4" name="图片 3" descr="图片包含 游戏机&#10;&#10;描述已自动生成">
-            <a:extLst>
-              <a:ext uri="{FF2B5EF4-FFF2-40B4-BE49-F238E27FC236}">
-                <a16:creationId xmlns:a16="http://schemas.microsoft.com/office/drawing/2014/main" id="{9FCDA2CC-668E-E16C-71FD-324DDABE7B22}"/>
+                <a16:creationId xmlns:a16="http://schemas.microsoft.com/office/drawing/2014/main" id="{482C089F-5F69-8F25-9D4D-533592C03DD9}"/>
               </a:ext>
             </a:extLst>
           </p:cNvPr>
@@ -8151,27 +7941,71 @@
           <p:nvPr/>
         </p:nvPicPr>
         <p:blipFill>
-          <a:blip r:embed="rId3">
-            <a:extLst>
-              <a:ext uri="{28A0092B-C50C-407E-A947-70E740481C1C}">
-                <a14:useLocalDpi xmlns:a14="http://schemas.microsoft.com/office/drawing/2010/main" val="0"/>
-              </a:ext>
-            </a:extLst>
-          </a:blip>
+          <a:blip r:embed="rId3"/>
           <a:stretch>
             <a:fillRect/>
           </a:stretch>
         </p:blipFill>
         <p:spPr>
           <a:xfrm>
-            <a:off x="4292334" y="251772"/>
-            <a:ext cx="7660649" cy="6354455"/>
+            <a:off x="437594" y="1989068"/>
+            <a:ext cx="11316812" cy="4409654"/>
           </a:xfrm>
           <a:prstGeom prst="rect">
             <a:avLst/>
           </a:prstGeom>
         </p:spPr>
       </p:pic>
+      <p:sp>
+        <p:nvSpPr>
+          <p:cNvPr id="7" name="文本框 6" descr="Text Box 3">
+            <a:extLst>
+              <a:ext uri="{FF2B5EF4-FFF2-40B4-BE49-F238E27FC236}">
+                <a16:creationId xmlns:a16="http://schemas.microsoft.com/office/drawing/2014/main" id="{BB7EE39A-EF25-AFF7-9A3A-E9780AFA54EB}"/>
+              </a:ext>
+            </a:extLst>
+          </p:cNvPr>
+          <p:cNvSpPr txBox="1"/>
+          <p:nvPr/>
+        </p:nvSpPr>
+        <p:spPr>
+          <a:xfrm>
+            <a:off x="437594" y="1066110"/>
+            <a:ext cx="10396618" cy="628826"/>
+          </a:xfrm>
+          <a:prstGeom prst="rect">
+            <a:avLst/>
+          </a:prstGeom>
+          <a:noFill/>
+          <a:ln w="12700">
+            <a:noFill/>
+          </a:ln>
+        </p:spPr>
+        <p:txBody>
+          <a:bodyPr vert="horz" wrap="square" lIns="25400" tIns="25400" rIns="25400" bIns="25400" anchor="ctr">
+            <a:spAutoFit/>
+          </a:bodyPr>
+          <a:lstStyle/>
+          <a:p>
+            <a:pPr>
+              <a:lnSpc>
+                <a:spcPct val="150000"/>
+              </a:lnSpc>
+            </a:pPr>
+            <a:r>
+              <a:rPr lang="zh-CN" altLang="en-US" sz="2800" baseline="0" dirty="0">
+                <a:solidFill>
+                  <a:srgbClr val="DCDEE0"/>
+                </a:solidFill>
+                <a:latin typeface="字体视界-一风尚黑体" charset="0"/>
+                <a:ea typeface="+mn-ea"/>
+                <a:sym typeface="字体视界-一风尚黑体" charset="0"/>
+              </a:rPr>
+              <a:t>基础功能框架</a:t>
+            </a:r>
+          </a:p>
+        </p:txBody>
+      </p:sp>
     </p:spTree>
     <p:extLst>
       <p:ext uri="{BB962C8B-B14F-4D97-AF65-F5344CB8AC3E}">
@@ -8237,7 +8071,7 @@
                 </a:solidFill>
                 <a:ea typeface="+mn-ea"/>
               </a:rPr>
-              <a:t>2.1 </a:t>
+              <a:t>2.</a:t>
             </a:r>
             <a:r>
               <a:rPr lang="zh-CN" altLang="en-US" sz="3600" b="1" dirty="0">
@@ -8246,7 +8080,7 @@
                 </a:solidFill>
                 <a:ea typeface="+mn-ea"/>
               </a:rPr>
-              <a:t>登陆页面</a:t>
+              <a:t>基本功能</a:t>
             </a:r>
             <a:endParaRPr lang="zh-CN" altLang="en-US" sz="3600" b="1" baseline="0" dirty="0">
               <a:solidFill>
@@ -8261,10 +8095,10 @@
       </p:sp>
       <p:sp>
         <p:nvSpPr>
-          <p:cNvPr id="3" name="文本框 2" descr="Text Box 3">
+          <p:cNvPr id="7" name="文本框 6" descr="Text Box 3">
             <a:extLst>
               <a:ext uri="{FF2B5EF4-FFF2-40B4-BE49-F238E27FC236}">
-                <a16:creationId xmlns:a16="http://schemas.microsoft.com/office/drawing/2014/main" id="{7F17F1D9-8227-D96E-C98B-58A691D32358}"/>
+                <a16:creationId xmlns:a16="http://schemas.microsoft.com/office/drawing/2014/main" id="{BB7EE39A-EF25-AFF7-9A3A-E9780AFA54EB}"/>
               </a:ext>
             </a:extLst>
           </p:cNvPr>
@@ -8273,7 +8107,7 @@
         </p:nvSpPr>
         <p:spPr>
           <a:xfrm>
-            <a:off x="897691" y="742384"/>
+            <a:off x="437594" y="736900"/>
             <a:ext cx="10396618" cy="628826"/>
           </a:xfrm>
           <a:prstGeom prst="rect">
@@ -8304,17 +8138,39 @@
                 <a:ea typeface="+mn-ea"/>
                 <a:sym typeface="字体视界-一风尚黑体" charset="0"/>
               </a:rPr>
-              <a:t>登录页面包含登录、退出、邮箱验证以及邮箱验证码发送功能</a:t>
+              <a:t>基础功能</a:t>
+            </a:r>
+            <a:r>
+              <a:rPr lang="en-US" altLang="zh-CN" sz="2800" baseline="0" dirty="0">
+                <a:solidFill>
+                  <a:srgbClr val="DCDEE0"/>
+                </a:solidFill>
+                <a:latin typeface="字体视界-一风尚黑体" charset="0"/>
+                <a:ea typeface="+mn-ea"/>
+                <a:sym typeface="字体视界-一风尚黑体" charset="0"/>
+              </a:rPr>
+              <a:t>JAVA </a:t>
+            </a:r>
+            <a:r>
+              <a:rPr lang="zh-CN" altLang="en-US" sz="2800" baseline="0" dirty="0">
+                <a:solidFill>
+                  <a:srgbClr val="DCDEE0"/>
+                </a:solidFill>
+                <a:latin typeface="字体视界-一风尚黑体" charset="0"/>
+                <a:ea typeface="+mn-ea"/>
+                <a:sym typeface="字体视界-一风尚黑体" charset="0"/>
+              </a:rPr>
+              <a:t>结构</a:t>
             </a:r>
           </a:p>
         </p:txBody>
       </p:sp>
       <p:pic>
         <p:nvPicPr>
-          <p:cNvPr id="6" name="图片 5">
+          <p:cNvPr id="3" name="图片 2">
             <a:extLst>
               <a:ext uri="{FF2B5EF4-FFF2-40B4-BE49-F238E27FC236}">
-                <a16:creationId xmlns:a16="http://schemas.microsoft.com/office/drawing/2014/main" id="{46149A57-2A35-3D6E-D6B7-306EE358EE9C}"/>
+                <a16:creationId xmlns:a16="http://schemas.microsoft.com/office/drawing/2014/main" id="{F815C057-68A7-61AE-3D5C-3C5809B68ABE}"/>
               </a:ext>
             </a:extLst>
           </p:cNvPr>
@@ -8331,68 +8187,78 @@
         </p:blipFill>
         <p:spPr>
           <a:xfrm>
-            <a:off x="897691" y="1404825"/>
-            <a:ext cx="9541486" cy="4589574"/>
+            <a:off x="1347122" y="1347929"/>
+            <a:ext cx="3373665" cy="5027566"/>
           </a:xfrm>
           <a:prstGeom prst="rect">
             <a:avLst/>
           </a:prstGeom>
         </p:spPr>
       </p:pic>
-      <p:sp>
-        <p:nvSpPr>
-          <p:cNvPr id="8" name="文本框 7" descr="Text Box 3">
+      <p:pic>
+        <p:nvPicPr>
+          <p:cNvPr id="6" name="图片 5">
             <a:extLst>
               <a:ext uri="{FF2B5EF4-FFF2-40B4-BE49-F238E27FC236}">
-                <a16:creationId xmlns:a16="http://schemas.microsoft.com/office/drawing/2014/main" id="{EC968449-0466-1296-7674-B0E6DD2F49A8}"/>
+                <a16:creationId xmlns:a16="http://schemas.microsoft.com/office/drawing/2014/main" id="{17362EC0-703F-EB97-B685-36CF5B652D0B}"/>
               </a:ext>
             </a:extLst>
           </p:cNvPr>
-          <p:cNvSpPr txBox="1"/>
+          <p:cNvPicPr>
+            <a:picLocks noChangeAspect="1"/>
+          </p:cNvPicPr>
           <p:nvPr/>
-        </p:nvSpPr>
-        <p:spPr>
-          <a:xfrm>
-            <a:off x="9108102" y="6229174"/>
-            <a:ext cx="3105483" cy="628826"/>
+        </p:nvPicPr>
+        <p:blipFill>
+          <a:blip r:embed="rId4"/>
+          <a:stretch>
+            <a:fillRect/>
+          </a:stretch>
+        </p:blipFill>
+        <p:spPr>
+          <a:xfrm>
+            <a:off x="4730619" y="1342194"/>
+            <a:ext cx="3126712" cy="5027566"/>
           </a:xfrm>
           <a:prstGeom prst="rect">
             <a:avLst/>
           </a:prstGeom>
-          <a:noFill/>
-          <a:ln w="12700">
-            <a:noFill/>
-          </a:ln>
-        </p:spPr>
-        <p:txBody>
-          <a:bodyPr vert="horz" wrap="square" lIns="25400" tIns="25400" rIns="25400" bIns="25400" anchor="ctr">
-            <a:spAutoFit/>
-          </a:bodyPr>
-          <a:lstStyle/>
-          <a:p>
-            <a:pPr>
-              <a:lnSpc>
-                <a:spcPct val="150000"/>
-              </a:lnSpc>
-            </a:pPr>
-            <a:r>
-              <a:rPr lang="zh-CN" altLang="en-US" sz="2800" baseline="0" dirty="0">
-                <a:solidFill>
-                  <a:srgbClr val="DCDEE0"/>
-                </a:solidFill>
-                <a:latin typeface="字体视界-一风尚黑体" charset="0"/>
-                <a:ea typeface="+mn-ea"/>
-                <a:sym typeface="字体视界-一风尚黑体" charset="0"/>
-              </a:rPr>
-              <a:t>负责人员：王正霆</a:t>
-            </a:r>
-          </a:p>
-        </p:txBody>
-      </p:sp>
+        </p:spPr>
+      </p:pic>
+      <p:pic>
+        <p:nvPicPr>
+          <p:cNvPr id="9" name="图片 8">
+            <a:extLst>
+              <a:ext uri="{FF2B5EF4-FFF2-40B4-BE49-F238E27FC236}">
+                <a16:creationId xmlns:a16="http://schemas.microsoft.com/office/drawing/2014/main" id="{BAB5656D-2FC0-6894-F2E9-D8E7399D359D}"/>
+              </a:ext>
+            </a:extLst>
+          </p:cNvPr>
+          <p:cNvPicPr>
+            <a:picLocks noChangeAspect="1"/>
+          </p:cNvPicPr>
+          <p:nvPr/>
+        </p:nvPicPr>
+        <p:blipFill>
+          <a:blip r:embed="rId5"/>
+          <a:stretch>
+            <a:fillRect/>
+          </a:stretch>
+        </p:blipFill>
+        <p:spPr>
+          <a:xfrm>
+            <a:off x="7857332" y="1342194"/>
+            <a:ext cx="2849692" cy="5027566"/>
+          </a:xfrm>
+          <a:prstGeom prst="rect">
+            <a:avLst/>
+          </a:prstGeom>
+        </p:spPr>
+      </p:pic>
     </p:spTree>
     <p:extLst>
       <p:ext uri="{BB962C8B-B14F-4D97-AF65-F5344CB8AC3E}">
-        <p14:creationId xmlns:p14="http://schemas.microsoft.com/office/powerpoint/2010/main" val="11687137"/>
+        <p14:creationId xmlns:p14="http://schemas.microsoft.com/office/powerpoint/2010/main" val="1434264604"/>
       </p:ext>
     </p:extLst>
   </p:cSld>
@@ -8431,7 +8297,7 @@
         <p:spPr>
           <a:xfrm>
             <a:off x="239017" y="137090"/>
-            <a:ext cx="4641794" cy="605294"/>
+            <a:ext cx="2841514" cy="605294"/>
           </a:xfrm>
           <a:prstGeom prst="rect">
             <a:avLst/>
@@ -8454,7 +8320,7 @@
                 </a:solidFill>
                 <a:ea typeface="+mn-ea"/>
               </a:rPr>
-              <a:t>2.2 </a:t>
+              <a:t>2.1 </a:t>
             </a:r>
             <a:r>
               <a:rPr lang="zh-CN" altLang="en-US" sz="3600" b="1" dirty="0">
@@ -8463,7 +8329,7 @@
                 </a:solidFill>
                 <a:ea typeface="+mn-ea"/>
               </a:rPr>
-              <a:t>员工管理界面</a:t>
+              <a:t>登陆页面</a:t>
             </a:r>
             <a:endParaRPr lang="zh-CN" altLang="en-US" sz="3600" b="1" baseline="0" dirty="0">
               <a:solidFill>
@@ -8490,8 +8356,8 @@
         </p:nvSpPr>
         <p:spPr>
           <a:xfrm>
-            <a:off x="897691" y="833146"/>
-            <a:ext cx="10396618" cy="1277144"/>
+            <a:off x="897691" y="742384"/>
+            <a:ext cx="10396618" cy="628826"/>
           </a:xfrm>
           <a:prstGeom prst="rect">
             <a:avLst/>
@@ -8521,17 +8387,17 @@
                 <a:ea typeface="+mn-ea"/>
                 <a:sym typeface="字体视界-一风尚黑体" charset="0"/>
               </a:rPr>
-              <a:t>员工管理界面包含新增员工、员工信息分类查询、启用禁用员工账号、编辑员工信息功能</a:t>
+              <a:t>登录页面包含登录、退出、邮箱验证以及邮箱验证码发送功能</a:t>
             </a:r>
           </a:p>
         </p:txBody>
       </p:sp>
       <p:pic>
         <p:nvPicPr>
-          <p:cNvPr id="4" name="图片 3">
+          <p:cNvPr id="6" name="图片 5">
             <a:extLst>
               <a:ext uri="{FF2B5EF4-FFF2-40B4-BE49-F238E27FC236}">
-                <a16:creationId xmlns:a16="http://schemas.microsoft.com/office/drawing/2014/main" id="{47439734-BC3F-AA34-5F7D-A46320ED596F}"/>
+                <a16:creationId xmlns:a16="http://schemas.microsoft.com/office/drawing/2014/main" id="{46149A57-2A35-3D6E-D6B7-306EE358EE9C}"/>
               </a:ext>
             </a:extLst>
           </p:cNvPr>
@@ -8548,8 +8414,8 @@
         </p:blipFill>
         <p:spPr>
           <a:xfrm>
-            <a:off x="887246" y="2110290"/>
-            <a:ext cx="9387535" cy="3578155"/>
+            <a:off x="897691" y="1404825"/>
+            <a:ext cx="9541486" cy="4589574"/>
           </a:xfrm>
           <a:prstGeom prst="rect">
             <a:avLst/>
@@ -8558,10 +8424,10 @@
       </p:pic>
       <p:sp>
         <p:nvSpPr>
-          <p:cNvPr id="7" name="文本框 6" descr="Text Box 3">
+          <p:cNvPr id="8" name="文本框 7" descr="Text Box 3">
             <a:extLst>
               <a:ext uri="{FF2B5EF4-FFF2-40B4-BE49-F238E27FC236}">
-                <a16:creationId xmlns:a16="http://schemas.microsoft.com/office/drawing/2014/main" id="{9EBCDF39-B344-C4D7-2BF1-6D764B4699F8}"/>
+                <a16:creationId xmlns:a16="http://schemas.microsoft.com/office/drawing/2014/main" id="{EC968449-0466-1296-7674-B0E6DD2F49A8}"/>
               </a:ext>
             </a:extLst>
           </p:cNvPr>
@@ -8601,7 +8467,7 @@
                 <a:ea typeface="+mn-ea"/>
                 <a:sym typeface="字体视界-一风尚黑体" charset="0"/>
               </a:rPr>
-              <a:t>负责人员：王开发</a:t>
+              <a:t>负责人员：王正霆</a:t>
             </a:r>
           </a:p>
         </p:txBody>
@@ -8609,7 +8475,7 @@
     </p:spTree>
     <p:extLst>
       <p:ext uri="{BB962C8B-B14F-4D97-AF65-F5344CB8AC3E}">
-        <p14:creationId xmlns:p14="http://schemas.microsoft.com/office/powerpoint/2010/main" val="1418659920"/>
+        <p14:creationId xmlns:p14="http://schemas.microsoft.com/office/powerpoint/2010/main" val="11687137"/>
       </p:ext>
     </p:extLst>
   </p:cSld>
@@ -8671,7 +8537,7 @@
                 </a:solidFill>
                 <a:ea typeface="+mn-ea"/>
               </a:rPr>
-              <a:t>2.3 </a:t>
+              <a:t>2.2 </a:t>
             </a:r>
             <a:r>
               <a:rPr lang="zh-CN" altLang="en-US" sz="3600" b="1" dirty="0">
@@ -8680,7 +8546,7 @@
                 </a:solidFill>
                 <a:ea typeface="+mn-ea"/>
               </a:rPr>
-              <a:t>分类管理界面</a:t>
+              <a:t>员工管理界面</a:t>
             </a:r>
             <a:endParaRPr lang="zh-CN" altLang="en-US" sz="3600" b="1" baseline="0" dirty="0">
               <a:solidFill>
@@ -8707,8 +8573,8 @@
         </p:nvSpPr>
         <p:spPr>
           <a:xfrm>
-            <a:off x="897690" y="1008283"/>
-            <a:ext cx="10396618" cy="630814"/>
+            <a:off x="897691" y="833146"/>
+            <a:ext cx="10396618" cy="1277144"/>
           </a:xfrm>
           <a:prstGeom prst="rect">
             <a:avLst/>
@@ -8738,17 +8604,17 @@
                 <a:ea typeface="+mn-ea"/>
                 <a:sym typeface="字体视界-一风尚黑体" charset="0"/>
               </a:rPr>
-              <a:t>分类管理界面包括新增分类、分类信息分页查询、删除分类功能</a:t>
+              <a:t>员工管理界面包含新增员工、员工信息分类查询、启用禁用员工账号、编辑员工信息功能</a:t>
             </a:r>
           </a:p>
         </p:txBody>
       </p:sp>
       <p:pic>
         <p:nvPicPr>
-          <p:cNvPr id="6" name="图片 5">
+          <p:cNvPr id="4" name="图片 3">
             <a:extLst>
               <a:ext uri="{FF2B5EF4-FFF2-40B4-BE49-F238E27FC236}">
-                <a16:creationId xmlns:a16="http://schemas.microsoft.com/office/drawing/2014/main" id="{DB302165-974F-2373-E3C3-34EF1E50532F}"/>
+                <a16:creationId xmlns:a16="http://schemas.microsoft.com/office/drawing/2014/main" id="{47439734-BC3F-AA34-5F7D-A46320ED596F}"/>
               </a:ext>
             </a:extLst>
           </p:cNvPr>
@@ -8765,8 +8631,8 @@
         </p:blipFill>
         <p:spPr>
           <a:xfrm>
-            <a:off x="897690" y="1725655"/>
-            <a:ext cx="7571110" cy="4124062"/>
+            <a:off x="887246" y="2110290"/>
+            <a:ext cx="9387535" cy="3578155"/>
           </a:xfrm>
           <a:prstGeom prst="rect">
             <a:avLst/>
@@ -8775,10 +8641,10 @@
       </p:pic>
       <p:sp>
         <p:nvSpPr>
-          <p:cNvPr id="12" name="文本框 11" descr="Text Box 3">
+          <p:cNvPr id="7" name="文本框 6" descr="Text Box 3">
             <a:extLst>
               <a:ext uri="{FF2B5EF4-FFF2-40B4-BE49-F238E27FC236}">
-                <a16:creationId xmlns:a16="http://schemas.microsoft.com/office/drawing/2014/main" id="{EEBF47D5-EFFC-71C8-3DC4-224E78DA7BC5}"/>
+                <a16:creationId xmlns:a16="http://schemas.microsoft.com/office/drawing/2014/main" id="{9EBCDF39-B344-C4D7-2BF1-6D764B4699F8}"/>
               </a:ext>
             </a:extLst>
           </p:cNvPr>
@@ -8818,7 +8684,7 @@
                 <a:ea typeface="+mn-ea"/>
                 <a:sym typeface="字体视界-一风尚黑体" charset="0"/>
               </a:rPr>
-              <a:t>负责人员：崔晋</a:t>
+              <a:t>负责人员：王开发</a:t>
             </a:r>
           </a:p>
         </p:txBody>
@@ -8826,7 +8692,7 @@
     </p:spTree>
     <p:extLst>
       <p:ext uri="{BB962C8B-B14F-4D97-AF65-F5344CB8AC3E}">
-        <p14:creationId xmlns:p14="http://schemas.microsoft.com/office/powerpoint/2010/main" val="493300059"/>
+        <p14:creationId xmlns:p14="http://schemas.microsoft.com/office/powerpoint/2010/main" val="1418659920"/>
       </p:ext>
     </p:extLst>
   </p:cSld>
@@ -8888,7 +8754,7 @@
                 </a:solidFill>
                 <a:ea typeface="+mn-ea"/>
               </a:rPr>
-              <a:t>2.4 </a:t>
+              <a:t>2.3 </a:t>
             </a:r>
             <a:r>
               <a:rPr lang="zh-CN" altLang="en-US" sz="3600" b="1" dirty="0">
@@ -8897,7 +8763,7 @@
                 </a:solidFill>
                 <a:ea typeface="+mn-ea"/>
               </a:rPr>
-              <a:t>菜品管理界面</a:t>
+              <a:t>分类管理界面</a:t>
             </a:r>
             <a:endParaRPr lang="zh-CN" altLang="en-US" sz="3600" b="1" baseline="0" dirty="0">
               <a:solidFill>
@@ -8924,8 +8790,8 @@
         </p:nvSpPr>
         <p:spPr>
           <a:xfrm>
-            <a:off x="897691" y="833146"/>
-            <a:ext cx="10396618" cy="1277144"/>
+            <a:off x="897690" y="1008283"/>
+            <a:ext cx="10396618" cy="630814"/>
           </a:xfrm>
           <a:prstGeom prst="rect">
             <a:avLst/>
@@ -8955,17 +8821,17 @@
                 <a:ea typeface="+mn-ea"/>
                 <a:sym typeface="字体视界-一风尚黑体" charset="0"/>
               </a:rPr>
-              <a:t>菜品管理界面包含文件上传下载、新增菜品、菜单信息分页查询、修改菜品功能</a:t>
+              <a:t>分类管理界面包括新增分类、分类信息分页查询、删除分类功能</a:t>
             </a:r>
           </a:p>
         </p:txBody>
       </p:sp>
       <p:pic>
         <p:nvPicPr>
-          <p:cNvPr id="5" name="图片 4">
+          <p:cNvPr id="6" name="图片 5">
             <a:extLst>
               <a:ext uri="{FF2B5EF4-FFF2-40B4-BE49-F238E27FC236}">
-                <a16:creationId xmlns:a16="http://schemas.microsoft.com/office/drawing/2014/main" id="{52F16898-DC75-D08A-D6D9-634C4E18D172}"/>
+                <a16:creationId xmlns:a16="http://schemas.microsoft.com/office/drawing/2014/main" id="{DB302165-974F-2373-E3C3-34EF1E50532F}"/>
               </a:ext>
             </a:extLst>
           </p:cNvPr>
@@ -8982,8 +8848,8 @@
         </p:blipFill>
         <p:spPr>
           <a:xfrm>
-            <a:off x="308421" y="2618874"/>
-            <a:ext cx="11575157" cy="3279144"/>
+            <a:off x="897690" y="1725655"/>
+            <a:ext cx="7571110" cy="4124062"/>
           </a:xfrm>
           <a:prstGeom prst="rect">
             <a:avLst/>
@@ -8992,10 +8858,10 @@
       </p:pic>
       <p:sp>
         <p:nvSpPr>
-          <p:cNvPr id="7" name="文本框 6" descr="Text Box 3">
+          <p:cNvPr id="12" name="文本框 11" descr="Text Box 3">
             <a:extLst>
               <a:ext uri="{FF2B5EF4-FFF2-40B4-BE49-F238E27FC236}">
-                <a16:creationId xmlns:a16="http://schemas.microsoft.com/office/drawing/2014/main" id="{08AD9894-9589-661C-AE4D-3F421905E139}"/>
+                <a16:creationId xmlns:a16="http://schemas.microsoft.com/office/drawing/2014/main" id="{EEBF47D5-EFFC-71C8-3DC4-224E78DA7BC5}"/>
               </a:ext>
             </a:extLst>
           </p:cNvPr>
@@ -9035,7 +8901,7 @@
                 <a:ea typeface="+mn-ea"/>
                 <a:sym typeface="字体视界-一风尚黑体" charset="0"/>
               </a:rPr>
-              <a:t>负责人员：杨帆</a:t>
+              <a:t>负责人员：崔晋</a:t>
             </a:r>
           </a:p>
         </p:txBody>
@@ -9043,7 +8909,7 @@
     </p:spTree>
     <p:extLst>
       <p:ext uri="{BB962C8B-B14F-4D97-AF65-F5344CB8AC3E}">
-        <p14:creationId xmlns:p14="http://schemas.microsoft.com/office/powerpoint/2010/main" val="1817485527"/>
+        <p14:creationId xmlns:p14="http://schemas.microsoft.com/office/powerpoint/2010/main" val="493300059"/>
       </p:ext>
     </p:extLst>
   </p:cSld>
@@ -9105,7 +8971,7 @@
                 </a:solidFill>
                 <a:ea typeface="+mn-ea"/>
               </a:rPr>
-              <a:t>2.5 </a:t>
+              <a:t>2.4 </a:t>
             </a:r>
             <a:r>
               <a:rPr lang="zh-CN" altLang="en-US" sz="3600" b="1" dirty="0">
@@ -9114,7 +8980,7 @@
                 </a:solidFill>
                 <a:ea typeface="+mn-ea"/>
               </a:rPr>
-              <a:t>套餐管理界面</a:t>
+              <a:t>菜品管理界面</a:t>
             </a:r>
             <a:endParaRPr lang="zh-CN" altLang="en-US" sz="3600" b="1" baseline="0" dirty="0">
               <a:solidFill>
@@ -9141,8 +9007,8 @@
         </p:nvSpPr>
         <p:spPr>
           <a:xfrm>
-            <a:off x="897691" y="1156311"/>
-            <a:ext cx="10396618" cy="630814"/>
+            <a:off x="897691" y="833146"/>
+            <a:ext cx="10396618" cy="1277144"/>
           </a:xfrm>
           <a:prstGeom prst="rect">
             <a:avLst/>
@@ -9172,17 +9038,17 @@
                 <a:ea typeface="+mn-ea"/>
                 <a:sym typeface="字体视界-一风尚黑体" charset="0"/>
               </a:rPr>
-              <a:t>套餐管理界面包含新增套餐、套餐信息分页查询、删除套餐功能</a:t>
+              <a:t>菜品管理界面包含文件上传下载、新增菜品、菜单信息分页查询、修改菜品功能</a:t>
             </a:r>
           </a:p>
         </p:txBody>
       </p:sp>
       <p:pic>
         <p:nvPicPr>
-          <p:cNvPr id="4" name="图片 3">
+          <p:cNvPr id="5" name="图片 4">
             <a:extLst>
               <a:ext uri="{FF2B5EF4-FFF2-40B4-BE49-F238E27FC236}">
-                <a16:creationId xmlns:a16="http://schemas.microsoft.com/office/drawing/2014/main" id="{47439734-BC3F-AA34-5F7D-A46320ED596F}"/>
+                <a16:creationId xmlns:a16="http://schemas.microsoft.com/office/drawing/2014/main" id="{52F16898-DC75-D08A-D6D9-634C4E18D172}"/>
               </a:ext>
             </a:extLst>
           </p:cNvPr>
@@ -9199,8 +9065,8 @@
         </p:blipFill>
         <p:spPr>
           <a:xfrm>
-            <a:off x="900113" y="2037759"/>
-            <a:ext cx="9612570" cy="3663930"/>
+            <a:off x="308421" y="2618874"/>
+            <a:ext cx="11575157" cy="3279144"/>
           </a:xfrm>
           <a:prstGeom prst="rect">
             <a:avLst/>
@@ -9209,10 +9075,10 @@
       </p:pic>
       <p:sp>
         <p:nvSpPr>
-          <p:cNvPr id="5" name="文本框 4" descr="Text Box 3">
+          <p:cNvPr id="7" name="文本框 6" descr="Text Box 3">
             <a:extLst>
               <a:ext uri="{FF2B5EF4-FFF2-40B4-BE49-F238E27FC236}">
-                <a16:creationId xmlns:a16="http://schemas.microsoft.com/office/drawing/2014/main" id="{BFB9C663-DB42-FA22-FCAE-214869D73BCE}"/>
+                <a16:creationId xmlns:a16="http://schemas.microsoft.com/office/drawing/2014/main" id="{08AD9894-9589-661C-AE4D-3F421905E139}"/>
               </a:ext>
             </a:extLst>
           </p:cNvPr>
@@ -9252,7 +9118,7 @@
                 <a:ea typeface="+mn-ea"/>
                 <a:sym typeface="字体视界-一风尚黑体" charset="0"/>
               </a:rPr>
-              <a:t>负责人员：黄豪</a:t>
+              <a:t>负责人员：杨帆</a:t>
             </a:r>
           </a:p>
         </p:txBody>
@@ -9260,7 +9126,7 @@
     </p:spTree>
     <p:extLst>
       <p:ext uri="{BB962C8B-B14F-4D97-AF65-F5344CB8AC3E}">
-        <p14:creationId xmlns:p14="http://schemas.microsoft.com/office/powerpoint/2010/main" val="2178340713"/>
+        <p14:creationId xmlns:p14="http://schemas.microsoft.com/office/powerpoint/2010/main" val="1817485527"/>
       </p:ext>
     </p:extLst>
   </p:cSld>
@@ -9322,7 +9188,7 @@
                 </a:solidFill>
                 <a:ea typeface="+mn-ea"/>
               </a:rPr>
-              <a:t>2.6 </a:t>
+              <a:t>2.5 </a:t>
             </a:r>
             <a:r>
               <a:rPr lang="zh-CN" altLang="en-US" sz="3600" b="1" dirty="0">
@@ -9331,7 +9197,7 @@
                 </a:solidFill>
                 <a:ea typeface="+mn-ea"/>
               </a:rPr>
-              <a:t>订单界面</a:t>
+              <a:t>套餐管理界面</a:t>
             </a:r>
             <a:endParaRPr lang="zh-CN" altLang="en-US" sz="3600" b="1" baseline="0" dirty="0">
               <a:solidFill>
@@ -9358,8 +9224,8 @@
         </p:nvSpPr>
         <p:spPr>
           <a:xfrm>
-            <a:off x="897691" y="1157305"/>
-            <a:ext cx="10396618" cy="628826"/>
+            <a:off x="897691" y="1156311"/>
+            <a:ext cx="10396618" cy="630814"/>
           </a:xfrm>
           <a:prstGeom prst="rect">
             <a:avLst/>
@@ -9389,7 +9255,7 @@
                 <a:ea typeface="+mn-ea"/>
                 <a:sym typeface="字体视界-一风尚黑体" charset="0"/>
               </a:rPr>
-              <a:t>订单界面包含导入用户地址、菜品展示、购物车、用户下单功能</a:t>
+              <a:t>套餐管理界面包含新增套餐、套餐信息分页查询、删除套餐功能</a:t>
             </a:r>
           </a:p>
         </p:txBody>
@@ -9416,8 +9282,8 @@
         </p:blipFill>
         <p:spPr>
           <a:xfrm>
-            <a:off x="893707" y="1943769"/>
-            <a:ext cx="10197661" cy="3886943"/>
+            <a:off x="900113" y="2037759"/>
+            <a:ext cx="9612570" cy="3663930"/>
           </a:xfrm>
           <a:prstGeom prst="rect">
             <a:avLst/>
@@ -9429,7 +9295,7 @@
           <p:cNvPr id="5" name="文本框 4" descr="Text Box 3">
             <a:extLst>
               <a:ext uri="{FF2B5EF4-FFF2-40B4-BE49-F238E27FC236}">
-                <a16:creationId xmlns:a16="http://schemas.microsoft.com/office/drawing/2014/main" id="{538721BB-AC25-3318-993F-6D7AF6DE9651}"/>
+                <a16:creationId xmlns:a16="http://schemas.microsoft.com/office/drawing/2014/main" id="{BFB9C663-DB42-FA22-FCAE-214869D73BCE}"/>
               </a:ext>
             </a:extLst>
           </p:cNvPr>
@@ -9469,7 +9335,7 @@
                 <a:ea typeface="+mn-ea"/>
                 <a:sym typeface="字体视界-一风尚黑体" charset="0"/>
               </a:rPr>
-              <a:t>负责人员：杨寒壹</a:t>
+              <a:t>负责人员：黄豪</a:t>
             </a:r>
           </a:p>
         </p:txBody>
@@ -9477,7 +9343,7 @@
     </p:spTree>
     <p:extLst>
       <p:ext uri="{BB962C8B-B14F-4D97-AF65-F5344CB8AC3E}">
-        <p14:creationId xmlns:p14="http://schemas.microsoft.com/office/powerpoint/2010/main" val="1409420057"/>
+        <p14:creationId xmlns:p14="http://schemas.microsoft.com/office/powerpoint/2010/main" val="2178340713"/>
       </p:ext>
     </p:extLst>
   </p:cSld>
@@ -9539,7 +9405,7 @@
                 </a:solidFill>
                 <a:ea typeface="+mn-ea"/>
               </a:rPr>
-              <a:t>2.7 UI</a:t>
+              <a:t>2.6 </a:t>
             </a:r>
             <a:r>
               <a:rPr lang="zh-CN" altLang="en-US" sz="3600" b="1" dirty="0">
@@ -9548,7 +9414,7 @@
                 </a:solidFill>
                 <a:ea typeface="+mn-ea"/>
               </a:rPr>
-              <a:t>设计</a:t>
+              <a:t>订单界面</a:t>
             </a:r>
             <a:endParaRPr lang="zh-CN" altLang="en-US" sz="3600" b="1" baseline="0" dirty="0">
               <a:solidFill>
@@ -9606,45 +9472,17 @@
                 <a:ea typeface="+mn-ea"/>
                 <a:sym typeface="字体视界-一风尚黑体" charset="0"/>
               </a:rPr>
-              <a:t>包含对网页管理端和小程序用户端的</a:t>
-            </a:r>
-            <a:r>
-              <a:rPr lang="en-US" altLang="zh-CN" sz="2800" baseline="0" dirty="0">
-                <a:solidFill>
-                  <a:srgbClr val="DCDEE0"/>
-                </a:solidFill>
-                <a:latin typeface="字体视界-一风尚黑体" charset="0"/>
-                <a:ea typeface="+mn-ea"/>
-                <a:sym typeface="字体视界-一风尚黑体" charset="0"/>
-              </a:rPr>
-              <a:t>UI</a:t>
-            </a:r>
-            <a:r>
-              <a:rPr lang="zh-CN" altLang="en-US" sz="2800" dirty="0">
-                <a:solidFill>
-                  <a:srgbClr val="DCDEE0"/>
-                </a:solidFill>
-                <a:ea typeface="+mn-ea"/>
-              </a:rPr>
-              <a:t>设计</a:t>
-            </a:r>
-            <a:endParaRPr lang="en-US" altLang="zh-CN" sz="2800" baseline="0" dirty="0">
-              <a:solidFill>
-                <a:srgbClr val="DCDEE0"/>
-              </a:solidFill>
-              <a:latin typeface="字体视界-一风尚黑体" charset="0"/>
-              <a:ea typeface="+mn-ea"/>
-              <a:sym typeface="字体视界-一风尚黑体" charset="0"/>
-            </a:endParaRPr>
+              <a:t>订单界面包含导入用户地址、菜品展示、购物车、用户下单功能</a:t>
+            </a:r>
           </a:p>
         </p:txBody>
       </p:sp>
       <p:pic>
         <p:nvPicPr>
-          <p:cNvPr id="5" name="图片 4">
+          <p:cNvPr id="4" name="图片 3">
             <a:extLst>
               <a:ext uri="{FF2B5EF4-FFF2-40B4-BE49-F238E27FC236}">
-                <a16:creationId xmlns:a16="http://schemas.microsoft.com/office/drawing/2014/main" id="{AFCEA0F6-09F5-E0CD-1751-BBA6BC1C59CC}"/>
+                <a16:creationId xmlns:a16="http://schemas.microsoft.com/office/drawing/2014/main" id="{47439734-BC3F-AA34-5F7D-A46320ED596F}"/>
               </a:ext>
             </a:extLst>
           </p:cNvPr>
@@ -9661,80 +9499,20 @@
         </p:blipFill>
         <p:spPr>
           <a:xfrm>
-            <a:off x="878027" y="1998802"/>
-            <a:ext cx="2516581" cy="4732134"/>
+            <a:off x="893707" y="1943769"/>
+            <a:ext cx="10197661" cy="3886943"/>
           </a:xfrm>
           <a:prstGeom prst="rect">
             <a:avLst/>
           </a:prstGeom>
         </p:spPr>
       </p:pic>
-      <p:pic>
-        <p:nvPicPr>
-          <p:cNvPr id="7" name="图片 6">
+      <p:sp>
+        <p:nvSpPr>
+          <p:cNvPr id="5" name="文本框 4" descr="Text Box 3">
             <a:extLst>
               <a:ext uri="{FF2B5EF4-FFF2-40B4-BE49-F238E27FC236}">
-                <a16:creationId xmlns:a16="http://schemas.microsoft.com/office/drawing/2014/main" id="{19FD8D9C-2EB1-6205-69BA-150332D66684}"/>
-              </a:ext>
-            </a:extLst>
-          </p:cNvPr>
-          <p:cNvPicPr>
-            <a:picLocks noChangeAspect="1"/>
-          </p:cNvPicPr>
-          <p:nvPr/>
-        </p:nvPicPr>
-        <p:blipFill>
-          <a:blip r:embed="rId4"/>
-          <a:stretch>
-            <a:fillRect/>
-          </a:stretch>
-        </p:blipFill>
-        <p:spPr>
-          <a:xfrm>
-            <a:off x="3397699" y="1998802"/>
-            <a:ext cx="2560206" cy="4732134"/>
-          </a:xfrm>
-          <a:prstGeom prst="rect">
-            <a:avLst/>
-          </a:prstGeom>
-        </p:spPr>
-      </p:pic>
-      <p:pic>
-        <p:nvPicPr>
-          <p:cNvPr id="9" name="图片 8">
-            <a:extLst>
-              <a:ext uri="{FF2B5EF4-FFF2-40B4-BE49-F238E27FC236}">
-                <a16:creationId xmlns:a16="http://schemas.microsoft.com/office/drawing/2014/main" id="{EBC7CA91-9FF5-46D5-9055-0AC4D93E05DC}"/>
-              </a:ext>
-            </a:extLst>
-          </p:cNvPr>
-          <p:cNvPicPr>
-            <a:picLocks noChangeAspect="1"/>
-          </p:cNvPicPr>
-          <p:nvPr/>
-        </p:nvPicPr>
-        <p:blipFill>
-          <a:blip r:embed="rId5"/>
-          <a:stretch>
-            <a:fillRect/>
-          </a:stretch>
-        </p:blipFill>
-        <p:spPr>
-          <a:xfrm>
-            <a:off x="5966706" y="1978805"/>
-            <a:ext cx="2518519" cy="4732134"/>
-          </a:xfrm>
-          <a:prstGeom prst="rect">
-            <a:avLst/>
-          </a:prstGeom>
-        </p:spPr>
-      </p:pic>
-      <p:sp>
-        <p:nvSpPr>
-          <p:cNvPr id="11" name="文本框 10" descr="Text Box 3">
-            <a:extLst>
-              <a:ext uri="{FF2B5EF4-FFF2-40B4-BE49-F238E27FC236}">
-                <a16:creationId xmlns:a16="http://schemas.microsoft.com/office/drawing/2014/main" id="{31BAB7F9-B506-36EA-E6F0-7D4B643CC700}"/>
+                <a16:creationId xmlns:a16="http://schemas.microsoft.com/office/drawing/2014/main" id="{538721BB-AC25-3318-993F-6D7AF6DE9651}"/>
               </a:ext>
             </a:extLst>
           </p:cNvPr>
@@ -9782,7 +9560,7 @@
     </p:spTree>
     <p:extLst>
       <p:ext uri="{BB962C8B-B14F-4D97-AF65-F5344CB8AC3E}">
-        <p14:creationId xmlns:p14="http://schemas.microsoft.com/office/powerpoint/2010/main" val="3940176764"/>
+        <p14:creationId xmlns:p14="http://schemas.microsoft.com/office/powerpoint/2010/main" val="1409420057"/>
       </p:ext>
     </p:extLst>
   </p:cSld>
@@ -9812,25 +9590,16 @@
           <a:chExt cx="0" cy="0"/>
         </a:xfrm>
       </p:grpSpPr>
-      <p:pic>
-        <p:nvPicPr>
-          <p:cNvPr id="25601" name="图片 25600" descr="图片 1"/>
-          <p:cNvPicPr>
-            <a:picLocks noChangeAspect="1"/>
-          </p:cNvPicPr>
+      <p:sp>
+        <p:nvSpPr>
+          <p:cNvPr id="14337" name="文本框 14336" descr="Text Box 3"/>
+          <p:cNvSpPr txBox="1"/>
           <p:nvPr/>
-        </p:nvPicPr>
-        <p:blipFill>
-          <a:blip r:embed="rId2"/>
-          <a:srcRect l="12270" t="10602" r="11623" b="13811"/>
-          <a:stretch>
-            <a:fillRect/>
-          </a:stretch>
-        </p:blipFill>
-        <p:spPr>
-          <a:xfrm flipH="1">
-            <a:off x="0" y="0"/>
-            <a:ext cx="12192000" cy="6858000"/>
+        </p:nvSpPr>
+        <p:spPr>
+          <a:xfrm>
+            <a:off x="239017" y="137090"/>
+            <a:ext cx="4641794" cy="605294"/>
           </a:xfrm>
           <a:prstGeom prst="rect">
             <a:avLst/>
@@ -9840,17 +9609,57 @@
             <a:noFill/>
           </a:ln>
         </p:spPr>
-      </p:pic>
-      <p:sp>
-        <p:nvSpPr>
-          <p:cNvPr id="25602" name="文本框 25601" descr="TextBox 4"/>
+        <p:txBody>
+          <a:bodyPr vert="horz" wrap="square" lIns="25400" tIns="25400" rIns="25400" bIns="25400" anchor="ctr">
+            <a:spAutoFit/>
+          </a:bodyPr>
+          <a:lstStyle/>
+          <a:p>
+            <a:r>
+              <a:rPr lang="en-US" altLang="zh-CN" sz="3600" b="1" dirty="0">
+                <a:solidFill>
+                  <a:srgbClr val="DCDEE0"/>
+                </a:solidFill>
+                <a:ea typeface="+mn-ea"/>
+              </a:rPr>
+              <a:t>2.7 UI</a:t>
+            </a:r>
+            <a:r>
+              <a:rPr lang="zh-CN" altLang="en-US" sz="3600" b="1" dirty="0">
+                <a:solidFill>
+                  <a:srgbClr val="DCDEE0"/>
+                </a:solidFill>
+                <a:ea typeface="+mn-ea"/>
+              </a:rPr>
+              <a:t>设计</a:t>
+            </a:r>
+            <a:endParaRPr lang="zh-CN" altLang="en-US" sz="3600" b="1" baseline="0" dirty="0">
+              <a:solidFill>
+                <a:srgbClr val="DCDEE0"/>
+              </a:solidFill>
+              <a:latin typeface="字体视界-一风尚黑体" charset="0"/>
+              <a:ea typeface="+mn-ea"/>
+              <a:sym typeface="字体视界-一风尚黑体" charset="0"/>
+            </a:endParaRPr>
+          </a:p>
+        </p:txBody>
+      </p:sp>
+      <p:sp>
+        <p:nvSpPr>
+          <p:cNvPr id="3" name="文本框 2" descr="Text Box 3">
+            <a:extLst>
+              <a:ext uri="{FF2B5EF4-FFF2-40B4-BE49-F238E27FC236}">
+                <a16:creationId xmlns:a16="http://schemas.microsoft.com/office/drawing/2014/main" id="{7F17F1D9-8227-D96E-C98B-58A691D32358}"/>
+              </a:ext>
+            </a:extLst>
+          </p:cNvPr>
           <p:cNvSpPr txBox="1"/>
           <p:nvPr/>
         </p:nvSpPr>
         <p:spPr>
           <a:xfrm>
-            <a:off x="4235449" y="2479201"/>
-            <a:ext cx="3617913" cy="1168400"/>
+            <a:off x="897691" y="1157305"/>
+            <a:ext cx="10396618" cy="628826"/>
           </a:xfrm>
           <a:prstGeom prst="rect">
             <a:avLst/>
@@ -9861,36 +9670,164 @@
           </a:ln>
         </p:spPr>
         <p:txBody>
-          <a:bodyPr vert="horz" wrap="square" lIns="0" tIns="0" rIns="0" bIns="0" anchor="t">
+          <a:bodyPr vert="horz" wrap="square" lIns="25400" tIns="25400" rIns="25400" bIns="25400" anchor="ctr">
             <a:spAutoFit/>
           </a:bodyPr>
           <a:lstStyle/>
           <a:p>
-            <a:pPr algn="ctr"/>
-            <a:r>
-              <a:rPr lang="zh-CN" altLang="en-US" sz="6600" baseline="0" dirty="0">
-                <a:solidFill>
-                  <a:srgbClr val="FFFFFF"/>
+            <a:pPr>
+              <a:lnSpc>
+                <a:spcPct val="150000"/>
+              </a:lnSpc>
+            </a:pPr>
+            <a:r>
+              <a:rPr lang="zh-CN" altLang="en-US" sz="2800" baseline="0" dirty="0">
+                <a:solidFill>
+                  <a:srgbClr val="DCDEE0"/>
                 </a:solidFill>
                 <a:latin typeface="字体视界-一风尚黑体" charset="0"/>
                 <a:ea typeface="+mn-ea"/>
                 <a:sym typeface="字体视界-一风尚黑体" charset="0"/>
               </a:rPr>
-              <a:t>第四节</a:t>
-            </a:r>
-          </a:p>
-        </p:txBody>
-      </p:sp>
-      <p:sp>
-        <p:nvSpPr>
-          <p:cNvPr id="25603" name="文本框 25602" descr="TextBox 4"/>
+              <a:t>包含对网页管理端和小程序用户端的</a:t>
+            </a:r>
+            <a:r>
+              <a:rPr lang="en-US" altLang="zh-CN" sz="2800" baseline="0" dirty="0">
+                <a:solidFill>
+                  <a:srgbClr val="DCDEE0"/>
+                </a:solidFill>
+                <a:latin typeface="字体视界-一风尚黑体" charset="0"/>
+                <a:ea typeface="+mn-ea"/>
+                <a:sym typeface="字体视界-一风尚黑体" charset="0"/>
+              </a:rPr>
+              <a:t>UI</a:t>
+            </a:r>
+            <a:r>
+              <a:rPr lang="zh-CN" altLang="en-US" sz="2800" dirty="0">
+                <a:solidFill>
+                  <a:srgbClr val="DCDEE0"/>
+                </a:solidFill>
+                <a:ea typeface="+mn-ea"/>
+              </a:rPr>
+              <a:t>设计</a:t>
+            </a:r>
+            <a:endParaRPr lang="en-US" altLang="zh-CN" sz="2800" baseline="0" dirty="0">
+              <a:solidFill>
+                <a:srgbClr val="DCDEE0"/>
+              </a:solidFill>
+              <a:latin typeface="字体视界-一风尚黑体" charset="0"/>
+              <a:ea typeface="+mn-ea"/>
+              <a:sym typeface="字体视界-一风尚黑体" charset="0"/>
+            </a:endParaRPr>
+          </a:p>
+        </p:txBody>
+      </p:sp>
+      <p:pic>
+        <p:nvPicPr>
+          <p:cNvPr id="5" name="图片 4">
+            <a:extLst>
+              <a:ext uri="{FF2B5EF4-FFF2-40B4-BE49-F238E27FC236}">
+                <a16:creationId xmlns:a16="http://schemas.microsoft.com/office/drawing/2014/main" id="{AFCEA0F6-09F5-E0CD-1751-BBA6BC1C59CC}"/>
+              </a:ext>
+            </a:extLst>
+          </p:cNvPr>
+          <p:cNvPicPr>
+            <a:picLocks noChangeAspect="1"/>
+          </p:cNvPicPr>
+          <p:nvPr/>
+        </p:nvPicPr>
+        <p:blipFill>
+          <a:blip r:embed="rId3"/>
+          <a:stretch>
+            <a:fillRect/>
+          </a:stretch>
+        </p:blipFill>
+        <p:spPr>
+          <a:xfrm>
+            <a:off x="878027" y="1998802"/>
+            <a:ext cx="2516581" cy="4732134"/>
+          </a:xfrm>
+          <a:prstGeom prst="rect">
+            <a:avLst/>
+          </a:prstGeom>
+        </p:spPr>
+      </p:pic>
+      <p:pic>
+        <p:nvPicPr>
+          <p:cNvPr id="7" name="图片 6">
+            <a:extLst>
+              <a:ext uri="{FF2B5EF4-FFF2-40B4-BE49-F238E27FC236}">
+                <a16:creationId xmlns:a16="http://schemas.microsoft.com/office/drawing/2014/main" id="{19FD8D9C-2EB1-6205-69BA-150332D66684}"/>
+              </a:ext>
+            </a:extLst>
+          </p:cNvPr>
+          <p:cNvPicPr>
+            <a:picLocks noChangeAspect="1"/>
+          </p:cNvPicPr>
+          <p:nvPr/>
+        </p:nvPicPr>
+        <p:blipFill>
+          <a:blip r:embed="rId4"/>
+          <a:stretch>
+            <a:fillRect/>
+          </a:stretch>
+        </p:blipFill>
+        <p:spPr>
+          <a:xfrm>
+            <a:off x="3397699" y="1998802"/>
+            <a:ext cx="2560206" cy="4732134"/>
+          </a:xfrm>
+          <a:prstGeom prst="rect">
+            <a:avLst/>
+          </a:prstGeom>
+        </p:spPr>
+      </p:pic>
+      <p:pic>
+        <p:nvPicPr>
+          <p:cNvPr id="9" name="图片 8">
+            <a:extLst>
+              <a:ext uri="{FF2B5EF4-FFF2-40B4-BE49-F238E27FC236}">
+                <a16:creationId xmlns:a16="http://schemas.microsoft.com/office/drawing/2014/main" id="{EBC7CA91-9FF5-46D5-9055-0AC4D93E05DC}"/>
+              </a:ext>
+            </a:extLst>
+          </p:cNvPr>
+          <p:cNvPicPr>
+            <a:picLocks noChangeAspect="1"/>
+          </p:cNvPicPr>
+          <p:nvPr/>
+        </p:nvPicPr>
+        <p:blipFill>
+          <a:blip r:embed="rId5"/>
+          <a:stretch>
+            <a:fillRect/>
+          </a:stretch>
+        </p:blipFill>
+        <p:spPr>
+          <a:xfrm>
+            <a:off x="5966706" y="1978805"/>
+            <a:ext cx="2518519" cy="4732134"/>
+          </a:xfrm>
+          <a:prstGeom prst="rect">
+            <a:avLst/>
+          </a:prstGeom>
+        </p:spPr>
+      </p:pic>
+      <p:sp>
+        <p:nvSpPr>
+          <p:cNvPr id="11" name="文本框 10" descr="Text Box 3">
+            <a:extLst>
+              <a:ext uri="{FF2B5EF4-FFF2-40B4-BE49-F238E27FC236}">
+                <a16:creationId xmlns:a16="http://schemas.microsoft.com/office/drawing/2014/main" id="{31BAB7F9-B506-36EA-E6F0-7D4B643CC700}"/>
+              </a:ext>
+            </a:extLst>
+          </p:cNvPr>
           <p:cNvSpPr txBox="1"/>
           <p:nvPr/>
         </p:nvSpPr>
         <p:spPr>
           <a:xfrm>
-            <a:off x="3443287" y="3519014"/>
-            <a:ext cx="5305425" cy="738664"/>
+            <a:off x="9108102" y="6229174"/>
+            <a:ext cx="3105483" cy="628826"/>
           </a:xfrm>
           <a:prstGeom prst="rect">
             <a:avLst/>
@@ -9901,73 +9838,34 @@
           </a:ln>
         </p:spPr>
         <p:txBody>
-          <a:bodyPr vert="horz" wrap="square" lIns="0" tIns="0" rIns="0" bIns="0" anchor="t">
+          <a:bodyPr vert="horz" wrap="square" lIns="25400" tIns="25400" rIns="25400" bIns="25400" anchor="ctr">
             <a:spAutoFit/>
           </a:bodyPr>
           <a:lstStyle/>
           <a:p>
-            <a:pPr algn="ctr"/>
-            <a:r>
-              <a:rPr lang="zh-CN" altLang="en-US" sz="4800" baseline="0" dirty="0">
-                <a:solidFill>
-                  <a:srgbClr val="FFFFFF"/>
+            <a:pPr>
+              <a:lnSpc>
+                <a:spcPct val="150000"/>
+              </a:lnSpc>
+            </a:pPr>
+            <a:r>
+              <a:rPr lang="zh-CN" altLang="en-US" sz="2800" baseline="0" dirty="0">
+                <a:solidFill>
+                  <a:srgbClr val="DCDEE0"/>
                 </a:solidFill>
                 <a:latin typeface="字体视界-一风尚黑体" charset="0"/>
                 <a:ea typeface="+mn-ea"/>
                 <a:sym typeface="字体视界-一风尚黑体" charset="0"/>
               </a:rPr>
-              <a:t>项目优化</a:t>
-            </a:r>
-          </a:p>
-        </p:txBody>
-      </p:sp>
-      <p:sp>
-        <p:nvSpPr>
-          <p:cNvPr id="25605" name="矩形 25604" descr="矩形 5"/>
-          <p:cNvSpPr/>
-          <p:nvPr/>
-        </p:nvSpPr>
-        <p:spPr>
-          <a:xfrm>
-            <a:off x="0" y="-133350"/>
-            <a:ext cx="12192000" cy="6991350"/>
-          </a:xfrm>
-          <a:prstGeom prst="rect">
-            <a:avLst/>
-          </a:prstGeom>
-          <a:noFill/>
-          <a:ln w="174625" cap="flat" cmpd="sng">
-            <a:solidFill>
-              <a:srgbClr val="FFFFFF">
-                <a:alpha val="100000"/>
-              </a:srgbClr>
-            </a:solidFill>
-            <a:prstDash val="solid"/>
-            <a:miter/>
-            <a:headEnd type="none" w="med" len="med"/>
-            <a:tailEnd type="none" w="med" len="med"/>
-          </a:ln>
-        </p:spPr>
-        <p:txBody>
-          <a:bodyPr vert="horz" wrap="square" lIns="45720" tIns="45720" rIns="45720" bIns="45720" anchor="ctr"/>
-          <a:lstStyle/>
-          <a:p>
-            <a:pPr algn="ctr"/>
-            <a:endParaRPr baseline="0">
-              <a:solidFill>
-                <a:srgbClr val="FFFFFF"/>
-              </a:solidFill>
-              <a:latin typeface="字体视界-一风尚黑体" charset="0"/>
-              <a:ea typeface="+mn-ea"/>
-              <a:sym typeface="字体视界-一风尚黑体" charset="0"/>
-            </a:endParaRPr>
+              <a:t>负责人员：杨寒壹</a:t>
+            </a:r>
           </a:p>
         </p:txBody>
       </p:sp>
     </p:spTree>
     <p:extLst>
       <p:ext uri="{BB962C8B-B14F-4D97-AF65-F5344CB8AC3E}">
-        <p14:creationId xmlns:p14="http://schemas.microsoft.com/office/powerpoint/2010/main" val="3676726875"/>
+        <p14:creationId xmlns:p14="http://schemas.microsoft.com/office/powerpoint/2010/main" val="3940176764"/>
       </p:ext>
     </p:extLst>
   </p:cSld>
@@ -9975,7 +9873,7 @@
     <a:masterClrMapping/>
   </p:clrMapOvr>
   <p:transition spd="slow" advClick="0" advTm="0">
-    <p:wipe/>
+    <p:push dir="u"/>
   </p:transition>
 </p:sld>
 </file>
@@ -10763,6 +10661,191 @@
           <a:chExt cx="0" cy="0"/>
         </a:xfrm>
       </p:grpSpPr>
+      <p:pic>
+        <p:nvPicPr>
+          <p:cNvPr id="25601" name="图片 25600" descr="图片 1"/>
+          <p:cNvPicPr>
+            <a:picLocks noChangeAspect="1"/>
+          </p:cNvPicPr>
+          <p:nvPr/>
+        </p:nvPicPr>
+        <p:blipFill>
+          <a:blip r:embed="rId2"/>
+          <a:srcRect l="12270" t="10602" r="11623" b="13811"/>
+          <a:stretch>
+            <a:fillRect/>
+          </a:stretch>
+        </p:blipFill>
+        <p:spPr>
+          <a:xfrm flipH="1">
+            <a:off x="0" y="0"/>
+            <a:ext cx="12192000" cy="6858000"/>
+          </a:xfrm>
+          <a:prstGeom prst="rect">
+            <a:avLst/>
+          </a:prstGeom>
+          <a:noFill/>
+          <a:ln w="12700">
+            <a:noFill/>
+          </a:ln>
+        </p:spPr>
+      </p:pic>
+      <p:sp>
+        <p:nvSpPr>
+          <p:cNvPr id="25602" name="文本框 25601" descr="TextBox 4"/>
+          <p:cNvSpPr txBox="1"/>
+          <p:nvPr/>
+        </p:nvSpPr>
+        <p:spPr>
+          <a:xfrm>
+            <a:off x="4235449" y="2479201"/>
+            <a:ext cx="3617913" cy="1168400"/>
+          </a:xfrm>
+          <a:prstGeom prst="rect">
+            <a:avLst/>
+          </a:prstGeom>
+          <a:noFill/>
+          <a:ln w="12700">
+            <a:noFill/>
+          </a:ln>
+        </p:spPr>
+        <p:txBody>
+          <a:bodyPr vert="horz" wrap="square" lIns="0" tIns="0" rIns="0" bIns="0" anchor="t">
+            <a:spAutoFit/>
+          </a:bodyPr>
+          <a:lstStyle/>
+          <a:p>
+            <a:pPr algn="ctr"/>
+            <a:r>
+              <a:rPr lang="zh-CN" altLang="en-US" sz="6600" baseline="0" dirty="0">
+                <a:solidFill>
+                  <a:srgbClr val="FFFFFF"/>
+                </a:solidFill>
+                <a:latin typeface="字体视界-一风尚黑体" charset="0"/>
+                <a:ea typeface="+mn-ea"/>
+                <a:sym typeface="字体视界-一风尚黑体" charset="0"/>
+              </a:rPr>
+              <a:t>第四节</a:t>
+            </a:r>
+          </a:p>
+        </p:txBody>
+      </p:sp>
+      <p:sp>
+        <p:nvSpPr>
+          <p:cNvPr id="25603" name="文本框 25602" descr="TextBox 4"/>
+          <p:cNvSpPr txBox="1"/>
+          <p:nvPr/>
+        </p:nvSpPr>
+        <p:spPr>
+          <a:xfrm>
+            <a:off x="3443287" y="3519014"/>
+            <a:ext cx="5305425" cy="738664"/>
+          </a:xfrm>
+          <a:prstGeom prst="rect">
+            <a:avLst/>
+          </a:prstGeom>
+          <a:noFill/>
+          <a:ln w="12700">
+            <a:noFill/>
+          </a:ln>
+        </p:spPr>
+        <p:txBody>
+          <a:bodyPr vert="horz" wrap="square" lIns="0" tIns="0" rIns="0" bIns="0" anchor="t">
+            <a:spAutoFit/>
+          </a:bodyPr>
+          <a:lstStyle/>
+          <a:p>
+            <a:pPr algn="ctr"/>
+            <a:r>
+              <a:rPr lang="zh-CN" altLang="en-US" sz="4800" baseline="0" dirty="0">
+                <a:solidFill>
+                  <a:srgbClr val="FFFFFF"/>
+                </a:solidFill>
+                <a:latin typeface="字体视界-一风尚黑体" charset="0"/>
+                <a:ea typeface="+mn-ea"/>
+                <a:sym typeface="字体视界-一风尚黑体" charset="0"/>
+              </a:rPr>
+              <a:t>项目优化</a:t>
+            </a:r>
+          </a:p>
+        </p:txBody>
+      </p:sp>
+      <p:sp>
+        <p:nvSpPr>
+          <p:cNvPr id="25605" name="矩形 25604" descr="矩形 5"/>
+          <p:cNvSpPr/>
+          <p:nvPr/>
+        </p:nvSpPr>
+        <p:spPr>
+          <a:xfrm>
+            <a:off x="0" y="-133350"/>
+            <a:ext cx="12192000" cy="6991350"/>
+          </a:xfrm>
+          <a:prstGeom prst="rect">
+            <a:avLst/>
+          </a:prstGeom>
+          <a:noFill/>
+          <a:ln w="174625" cap="flat" cmpd="sng">
+            <a:solidFill>
+              <a:srgbClr val="FFFFFF">
+                <a:alpha val="100000"/>
+              </a:srgbClr>
+            </a:solidFill>
+            <a:prstDash val="solid"/>
+            <a:miter/>
+            <a:headEnd type="none" w="med" len="med"/>
+            <a:tailEnd type="none" w="med" len="med"/>
+          </a:ln>
+        </p:spPr>
+        <p:txBody>
+          <a:bodyPr vert="horz" wrap="square" lIns="45720" tIns="45720" rIns="45720" bIns="45720" anchor="ctr"/>
+          <a:lstStyle/>
+          <a:p>
+            <a:pPr algn="ctr"/>
+            <a:endParaRPr baseline="0">
+              <a:solidFill>
+                <a:srgbClr val="FFFFFF"/>
+              </a:solidFill>
+              <a:latin typeface="字体视界-一风尚黑体" charset="0"/>
+              <a:ea typeface="+mn-ea"/>
+              <a:sym typeface="字体视界-一风尚黑体" charset="0"/>
+            </a:endParaRPr>
+          </a:p>
+        </p:txBody>
+      </p:sp>
+    </p:spTree>
+    <p:extLst>
+      <p:ext uri="{BB962C8B-B14F-4D97-AF65-F5344CB8AC3E}">
+        <p14:creationId xmlns:p14="http://schemas.microsoft.com/office/powerpoint/2010/main" val="3676726875"/>
+      </p:ext>
+    </p:extLst>
+  </p:cSld>
+  <p:clrMapOvr>
+    <a:masterClrMapping/>
+  </p:clrMapOvr>
+  <p:transition spd="slow" advClick="0" advTm="0">
+    <p:wipe/>
+  </p:transition>
+</p:sld>
+</file>
+
+<file path=ppt/slides/slide21.xml><?xml version="1.0" encoding="utf-8"?>
+<p:sld xmlns:a="http://schemas.openxmlformats.org/drawingml/2006/main" xmlns:r="http://schemas.openxmlformats.org/officeDocument/2006/relationships" xmlns:p="http://schemas.openxmlformats.org/presentationml/2006/main">
+  <p:cSld>
+    <p:spTree>
+      <p:nvGrpSpPr>
+        <p:cNvPr id="1" name=""/>
+        <p:cNvGrpSpPr/>
+        <p:nvPr/>
+      </p:nvGrpSpPr>
+      <p:grpSpPr>
+        <a:xfrm>
+          <a:off x="0" y="0"/>
+          <a:ext cx="0" cy="0"/>
+          <a:chOff x="0" y="0"/>
+          <a:chExt cx="0" cy="0"/>
+        </a:xfrm>
+      </p:grpSpPr>
       <p:sp>
         <p:nvSpPr>
           <p:cNvPr id="14337" name="文本框 14336" descr="Text Box 3"/>
@@ -10962,178 +11045,6 @@
     <p:extLst>
       <p:ext uri="{BB962C8B-B14F-4D97-AF65-F5344CB8AC3E}">
         <p14:creationId xmlns:p14="http://schemas.microsoft.com/office/powerpoint/2010/main" val="260685754"/>
-      </p:ext>
-    </p:extLst>
-  </p:cSld>
-  <p:clrMapOvr>
-    <a:masterClrMapping/>
-  </p:clrMapOvr>
-  <p:transition spd="slow" advClick="0" advTm="0">
-    <p:push dir="u"/>
-  </p:transition>
-</p:sld>
-</file>
-
-<file path=ppt/slides/slide21.xml><?xml version="1.0" encoding="utf-8"?>
-<p:sld xmlns:a="http://schemas.openxmlformats.org/drawingml/2006/main" xmlns:r="http://schemas.openxmlformats.org/officeDocument/2006/relationships" xmlns:p="http://schemas.openxmlformats.org/presentationml/2006/main">
-  <p:cSld>
-    <p:spTree>
-      <p:nvGrpSpPr>
-        <p:cNvPr id="1" name=""/>
-        <p:cNvGrpSpPr/>
-        <p:nvPr/>
-      </p:nvGrpSpPr>
-      <p:grpSpPr>
-        <a:xfrm>
-          <a:off x="0" y="0"/>
-          <a:ext cx="0" cy="0"/>
-          <a:chOff x="0" y="0"/>
-          <a:chExt cx="0" cy="0"/>
-        </a:xfrm>
-      </p:grpSpPr>
-      <p:sp>
-        <p:nvSpPr>
-          <p:cNvPr id="14337" name="文本框 14336" descr="Text Box 3"/>
-          <p:cNvSpPr txBox="1"/>
-          <p:nvPr/>
-        </p:nvSpPr>
-        <p:spPr>
-          <a:xfrm>
-            <a:off x="239017" y="137090"/>
-            <a:ext cx="7612256" cy="605294"/>
-          </a:xfrm>
-          <a:prstGeom prst="rect">
-            <a:avLst/>
-          </a:prstGeom>
-          <a:noFill/>
-          <a:ln w="12700">
-            <a:noFill/>
-          </a:ln>
-        </p:spPr>
-        <p:txBody>
-          <a:bodyPr vert="horz" wrap="square" lIns="25400" tIns="25400" rIns="25400" bIns="25400" anchor="ctr">
-            <a:spAutoFit/>
-          </a:bodyPr>
-          <a:lstStyle/>
-          <a:p>
-            <a:r>
-              <a:rPr lang="zh-CN" altLang="en-US" sz="3600" b="1" baseline="0" dirty="0">
-                <a:solidFill>
-                  <a:srgbClr val="DCDEE0"/>
-                </a:solidFill>
-                <a:latin typeface="字体视界-一风尚黑体" charset="0"/>
-                <a:ea typeface="+mn-ea"/>
-                <a:sym typeface="字体视界-一风尚黑体" charset="0"/>
-              </a:rPr>
-              <a:t>项目优化 </a:t>
-            </a:r>
-            <a:r>
-              <a:rPr lang="en-US" altLang="zh-CN" sz="3600" b="1" dirty="0">
-                <a:solidFill>
-                  <a:srgbClr val="DCDEE0"/>
-                </a:solidFill>
-                <a:ea typeface="+mn-ea"/>
-              </a:rPr>
-              <a:t>1. </a:t>
-            </a:r>
-            <a:r>
-              <a:rPr lang="zh-CN" altLang="en-US" sz="3600" b="1" baseline="0" dirty="0">
-                <a:solidFill>
-                  <a:srgbClr val="DCDEE0"/>
-                </a:solidFill>
-                <a:latin typeface="字体视界-一风尚黑体" charset="0"/>
-                <a:ea typeface="+mn-ea"/>
-                <a:sym typeface="字体视界-一风尚黑体" charset="0"/>
-              </a:rPr>
-              <a:t>线程池优化异步发送邮件</a:t>
-            </a:r>
-          </a:p>
-        </p:txBody>
-      </p:sp>
-      <p:sp>
-        <p:nvSpPr>
-          <p:cNvPr id="3" name="文本框 2" descr="Text Box 3">
-            <a:extLst>
-              <a:ext uri="{FF2B5EF4-FFF2-40B4-BE49-F238E27FC236}">
-                <a16:creationId xmlns:a16="http://schemas.microsoft.com/office/drawing/2014/main" id="{63FF1EB8-2CBE-2C87-C936-2F87FBFCF7DF}"/>
-              </a:ext>
-            </a:extLst>
-          </p:cNvPr>
-          <p:cNvSpPr txBox="1"/>
-          <p:nvPr/>
-        </p:nvSpPr>
-        <p:spPr>
-          <a:xfrm>
-            <a:off x="239017" y="737288"/>
-            <a:ext cx="10396618" cy="1275157"/>
-          </a:xfrm>
-          <a:prstGeom prst="rect">
-            <a:avLst/>
-          </a:prstGeom>
-          <a:noFill/>
-          <a:ln w="12700">
-            <a:noFill/>
-          </a:ln>
-        </p:spPr>
-        <p:txBody>
-          <a:bodyPr vert="horz" wrap="square" lIns="25400" tIns="25400" rIns="25400" bIns="25400" anchor="ctr">
-            <a:spAutoFit/>
-          </a:bodyPr>
-          <a:lstStyle/>
-          <a:p>
-            <a:pPr>
-              <a:lnSpc>
-                <a:spcPct val="150000"/>
-              </a:lnSpc>
-            </a:pPr>
-            <a:r>
-              <a:rPr lang="zh-CN" altLang="en-US" sz="2800" baseline="0" dirty="0">
-                <a:solidFill>
-                  <a:srgbClr val="DCDEE0"/>
-                </a:solidFill>
-                <a:latin typeface="字体视界-一风尚黑体" charset="0"/>
-                <a:ea typeface="+mn-ea"/>
-                <a:sym typeface="字体视界-一风尚黑体" charset="0"/>
-              </a:rPr>
-              <a:t>邮件发送验证码时间太长，用线程池异步发送来减低单次返回登录信息的时间。</a:t>
-            </a:r>
-          </a:p>
-        </p:txBody>
-      </p:sp>
-      <p:pic>
-        <p:nvPicPr>
-          <p:cNvPr id="4" name="图片 3">
-            <a:extLst>
-              <a:ext uri="{FF2B5EF4-FFF2-40B4-BE49-F238E27FC236}">
-                <a16:creationId xmlns:a16="http://schemas.microsoft.com/office/drawing/2014/main" id="{EC0448DF-1A5B-96ED-B1EE-F30A8E735245}"/>
-              </a:ext>
-            </a:extLst>
-          </p:cNvPr>
-          <p:cNvPicPr>
-            <a:picLocks noChangeAspect="1"/>
-          </p:cNvPicPr>
-          <p:nvPr/>
-        </p:nvPicPr>
-        <p:blipFill>
-          <a:blip r:embed="rId2"/>
-          <a:stretch>
-            <a:fillRect/>
-          </a:stretch>
-        </p:blipFill>
-        <p:spPr>
-          <a:xfrm>
-            <a:off x="2547767" y="2012445"/>
-            <a:ext cx="7096465" cy="4837701"/>
-          </a:xfrm>
-          <a:prstGeom prst="rect">
-            <a:avLst/>
-          </a:prstGeom>
-        </p:spPr>
-      </p:pic>
-    </p:spTree>
-    <p:extLst>
-      <p:ext uri="{BB962C8B-B14F-4D97-AF65-F5344CB8AC3E}">
-        <p14:creationId xmlns:p14="http://schemas.microsoft.com/office/powerpoint/2010/main" val="3230104024"/>
       </p:ext>
     </p:extLst>
   </p:cSld>
@@ -11171,8 +11082,8 @@
         </p:nvSpPr>
         <p:spPr>
           <a:xfrm>
-            <a:off x="239016" y="137090"/>
-            <a:ext cx="11617879" cy="605294"/>
+            <a:off x="239017" y="137090"/>
+            <a:ext cx="7612256" cy="605294"/>
           </a:xfrm>
           <a:prstGeom prst="rect">
             <a:avLst/>
@@ -11200,26 +11111,24 @@
               <a:t>项目优化 </a:t>
             </a:r>
             <a:r>
-              <a:rPr lang="en-US" altLang="zh-CN" sz="3600" b="1" baseline="0" dirty="0">
+              <a:rPr lang="en-US" altLang="zh-CN" sz="3600" b="1" dirty="0">
                 <a:solidFill>
                   <a:srgbClr val="DCDEE0"/>
                 </a:solidFill>
+                <a:ea typeface="+mn-ea"/>
+              </a:rPr>
+              <a:t>1. </a:t>
+            </a:r>
+            <a:r>
+              <a:rPr lang="zh-CN" altLang="en-US" sz="3600" b="1" baseline="0" dirty="0">
+                <a:solidFill>
+                  <a:srgbClr val="DCDEE0"/>
+                </a:solidFill>
                 <a:latin typeface="字体视界-一风尚黑体" charset="0"/>
                 <a:ea typeface="+mn-ea"/>
                 <a:sym typeface="字体视界-一风尚黑体" charset="0"/>
               </a:rPr>
-              <a:t>2. </a:t>
-            </a:r>
-            <a:r>
-              <a:rPr lang="zh-CN" altLang="en-US" sz="3600" b="1" baseline="0" dirty="0">
-                <a:solidFill>
-                  <a:srgbClr val="DCDEE0"/>
-                </a:solidFill>
-                <a:latin typeface="字体视界-一风尚黑体" charset="0"/>
-                <a:ea typeface="+mn-ea"/>
-                <a:sym typeface="字体视界-一风尚黑体" charset="0"/>
-              </a:rPr>
-              <a:t>缓存菜品数据、缓存套餐数据</a:t>
+              <a:t>线程池优化异步发送邮件</a:t>
             </a:r>
           </a:p>
         </p:txBody>
@@ -11238,8 +11147,8 @@
         </p:nvSpPr>
         <p:spPr>
           <a:xfrm>
-            <a:off x="849646" y="1497766"/>
-            <a:ext cx="10396618" cy="3862468"/>
+            <a:off x="239017" y="737288"/>
+            <a:ext cx="10396618" cy="1275157"/>
           </a:xfrm>
           <a:prstGeom prst="rect">
             <a:avLst/>
@@ -11261,197 +11170,53 @@
               </a:lnSpc>
             </a:pPr>
             <a:r>
-              <a:rPr lang="zh-CN" altLang="en-US" sz="2800" dirty="0">
+              <a:rPr lang="zh-CN" altLang="en-US" sz="2800" baseline="0" dirty="0">
                 <a:solidFill>
                   <a:srgbClr val="DCDEE0"/>
                 </a:solidFill>
-                <a:ea typeface="+mn-ea"/>
-              </a:rPr>
-              <a:t>在高并发的情况下，频繁查询数据库会导致系统性能下降，服务端响应时间增长。需要对服务端</a:t>
-            </a:r>
-            <a:r>
-              <a:rPr lang="en-US" altLang="zh-CN" sz="2800" dirty="0" err="1">
-                <a:solidFill>
-                  <a:srgbClr val="DCDEE0"/>
-                </a:solidFill>
-                <a:ea typeface="+mn-ea"/>
-              </a:rPr>
-              <a:t>DishController</a:t>
-            </a:r>
-            <a:r>
-              <a:rPr lang="zh-CN" altLang="en-US" sz="2800" dirty="0">
-                <a:solidFill>
-                  <a:srgbClr val="DCDEE0"/>
-                </a:solidFill>
-                <a:ea typeface="+mn-ea"/>
-              </a:rPr>
-              <a:t>和</a:t>
-            </a:r>
-            <a:r>
-              <a:rPr lang="en-US" altLang="zh-CN" sz="2800" dirty="0" err="1">
-                <a:solidFill>
-                  <a:srgbClr val="DCDEE0"/>
-                </a:solidFill>
-                <a:ea typeface="+mn-ea"/>
-              </a:rPr>
-              <a:t>setMeal</a:t>
-            </a:r>
-            <a:r>
-              <a:rPr lang="zh-CN" altLang="en-US" sz="2800" dirty="0">
-                <a:solidFill>
-                  <a:srgbClr val="DCDEE0"/>
-                </a:solidFill>
-                <a:ea typeface="+mn-ea"/>
-              </a:rPr>
-              <a:t>的</a:t>
-            </a:r>
-            <a:r>
-              <a:rPr lang="en-US" altLang="zh-CN" sz="2800" dirty="0">
-                <a:solidFill>
-                  <a:srgbClr val="DCDEE0"/>
-                </a:solidFill>
-                <a:ea typeface="+mn-ea"/>
-              </a:rPr>
-              <a:t>list</a:t>
-            </a:r>
-            <a:r>
-              <a:rPr lang="zh-CN" altLang="en-US" sz="2800" dirty="0">
-                <a:solidFill>
-                  <a:srgbClr val="DCDEE0"/>
-                </a:solidFill>
-                <a:ea typeface="+mn-ea"/>
-              </a:rPr>
-              <a:t>方法进行缓存优化，提高系统的性能。</a:t>
-            </a:r>
-          </a:p>
-          <a:p>
-            <a:pPr>
-              <a:lnSpc>
-                <a:spcPct val="150000"/>
-              </a:lnSpc>
-            </a:pPr>
-            <a:r>
-              <a:rPr lang="zh-CN" altLang="en-US" sz="2800" dirty="0">
-                <a:solidFill>
-                  <a:srgbClr val="DCDEE0"/>
-                </a:solidFill>
-                <a:ea typeface="+mn-ea"/>
-              </a:rPr>
-              <a:t>具体的实现思路如下：</a:t>
-            </a:r>
-            <a:endParaRPr lang="en-US" altLang="zh-CN" sz="2800" dirty="0">
-              <a:solidFill>
-                <a:srgbClr val="DCDEE0"/>
-              </a:solidFill>
-              <a:ea typeface="+mn-ea"/>
-            </a:endParaRPr>
-          </a:p>
-          <a:p>
-            <a:pPr marL="514350" indent="-514350">
-              <a:lnSpc>
-                <a:spcPct val="150000"/>
-              </a:lnSpc>
-              <a:buAutoNum type="arabicPeriod"/>
-            </a:pPr>
-            <a:r>
-              <a:rPr lang="zh-CN" altLang="en-US" sz="2800" dirty="0">
-                <a:solidFill>
-                  <a:srgbClr val="DCDEE0"/>
-                </a:solidFill>
-                <a:ea typeface="+mn-ea"/>
-              </a:rPr>
-              <a:t>改造</a:t>
-            </a:r>
-            <a:r>
-              <a:rPr lang="en-US" altLang="zh-CN" sz="2800" dirty="0" err="1">
-                <a:solidFill>
-                  <a:srgbClr val="DCDEE0"/>
-                </a:solidFill>
-                <a:ea typeface="+mn-ea"/>
-              </a:rPr>
-              <a:t>DishController</a:t>
-            </a:r>
-            <a:r>
-              <a:rPr lang="zh-CN" altLang="en-US" sz="2800" dirty="0">
-                <a:solidFill>
-                  <a:srgbClr val="DCDEE0"/>
-                </a:solidFill>
-                <a:ea typeface="+mn-ea"/>
-              </a:rPr>
-              <a:t>和</a:t>
-            </a:r>
-            <a:r>
-              <a:rPr lang="en-US" altLang="zh-CN" sz="2800" dirty="0" err="1">
-                <a:solidFill>
-                  <a:srgbClr val="DCDEE0"/>
-                </a:solidFill>
-                <a:ea typeface="+mn-ea"/>
-              </a:rPr>
-              <a:t>setMeal</a:t>
-            </a:r>
-            <a:r>
-              <a:rPr lang="zh-CN" altLang="en-US" sz="2800" dirty="0">
-                <a:solidFill>
-                  <a:srgbClr val="DCDEE0"/>
-                </a:solidFill>
-                <a:ea typeface="+mn-ea"/>
-              </a:rPr>
-              <a:t>的</a:t>
-            </a:r>
-            <a:r>
-              <a:rPr lang="en-US" altLang="zh-CN" sz="2800" dirty="0">
-                <a:solidFill>
-                  <a:srgbClr val="DCDEE0"/>
-                </a:solidFill>
-                <a:ea typeface="+mn-ea"/>
-              </a:rPr>
-              <a:t>list</a:t>
-            </a:r>
-            <a:r>
-              <a:rPr lang="zh-CN" altLang="en-US" sz="2800" dirty="0">
-                <a:solidFill>
-                  <a:srgbClr val="DCDEE0"/>
-                </a:solidFill>
-                <a:ea typeface="+mn-ea"/>
-              </a:rPr>
-              <a:t>方法</a:t>
-            </a:r>
-            <a:endParaRPr lang="en-US" altLang="zh-CN" sz="2800" dirty="0">
-              <a:solidFill>
-                <a:srgbClr val="DCDEE0"/>
-              </a:solidFill>
-              <a:ea typeface="+mn-ea"/>
-            </a:endParaRPr>
-          </a:p>
-          <a:p>
-            <a:pPr marL="514350" indent="-514350">
-              <a:lnSpc>
-                <a:spcPct val="150000"/>
-              </a:lnSpc>
-              <a:buAutoNum type="arabicPeriod"/>
-            </a:pPr>
-            <a:r>
-              <a:rPr lang="zh-CN" altLang="en-US" sz="2800" dirty="0">
-                <a:solidFill>
-                  <a:srgbClr val="DCDEE0"/>
-                </a:solidFill>
-                <a:ea typeface="+mn-ea"/>
-              </a:rPr>
-              <a:t>注意保证数据库中的数据和缓存中的数据一致</a:t>
-            </a:r>
-            <a:endParaRPr lang="en-US" altLang="zh-CN" sz="2800" dirty="0">
-              <a:solidFill>
-                <a:srgbClr val="DCDEE0"/>
-              </a:solidFill>
-              <a:ea typeface="+mn-ea"/>
-            </a:endParaRPr>
-          </a:p>
-        </p:txBody>
-      </p:sp>
+                <a:latin typeface="字体视界-一风尚黑体" charset="0"/>
+                <a:ea typeface="+mn-ea"/>
+                <a:sym typeface="字体视界-一风尚黑体" charset="0"/>
+              </a:rPr>
+              <a:t>邮件发送验证码时间太长，用线程池异步发送来减低单次返回登录信息的时间。</a:t>
+            </a:r>
+          </a:p>
+        </p:txBody>
+      </p:sp>
+      <p:pic>
+        <p:nvPicPr>
+          <p:cNvPr id="4" name="图片 3">
+            <a:extLst>
+              <a:ext uri="{FF2B5EF4-FFF2-40B4-BE49-F238E27FC236}">
+                <a16:creationId xmlns:a16="http://schemas.microsoft.com/office/drawing/2014/main" id="{EC0448DF-1A5B-96ED-B1EE-F30A8E735245}"/>
+              </a:ext>
+            </a:extLst>
+          </p:cNvPr>
+          <p:cNvPicPr>
+            <a:picLocks noChangeAspect="1"/>
+          </p:cNvPicPr>
+          <p:nvPr/>
+        </p:nvPicPr>
+        <p:blipFill>
+          <a:blip r:embed="rId2"/>
+          <a:stretch>
+            <a:fillRect/>
+          </a:stretch>
+        </p:blipFill>
+        <p:spPr>
+          <a:xfrm>
+            <a:off x="2547767" y="2012445"/>
+            <a:ext cx="7096465" cy="4837701"/>
+          </a:xfrm>
+          <a:prstGeom prst="rect">
+            <a:avLst/>
+          </a:prstGeom>
+        </p:spPr>
+      </p:pic>
     </p:spTree>
     <p:extLst>
       <p:ext uri="{BB962C8B-B14F-4D97-AF65-F5344CB8AC3E}">
-        <p14:creationId xmlns:p14="http://schemas.microsoft.com/office/powerpoint/2010/main" val="935222961"/>
+        <p14:creationId xmlns:p14="http://schemas.microsoft.com/office/powerpoint/2010/main" val="3230104024"/>
       </p:ext>
     </p:extLst>
   </p:cSld>
@@ -11489,8 +11254,8 @@
         </p:nvSpPr>
         <p:spPr>
           <a:xfrm>
-            <a:off x="239017" y="137090"/>
-            <a:ext cx="10396618" cy="605294"/>
+            <a:off x="239016" y="137090"/>
+            <a:ext cx="11617879" cy="605294"/>
           </a:xfrm>
           <a:prstGeom prst="rect">
             <a:avLst/>
@@ -11507,53 +11272,37 @@
           <a:lstStyle/>
           <a:p>
             <a:r>
-              <a:rPr lang="zh-CN" altLang="en-US" sz="3600" b="1" dirty="0">
+              <a:rPr lang="zh-CN" altLang="en-US" sz="3600" b="1" baseline="0" dirty="0">
                 <a:solidFill>
                   <a:srgbClr val="DCDEE0"/>
                 </a:solidFill>
-                <a:ea typeface="+mn-ea"/>
+                <a:latin typeface="字体视界-一风尚黑体" charset="0"/>
+                <a:ea typeface="+mn-ea"/>
+                <a:sym typeface="字体视界-一风尚黑体" charset="0"/>
               </a:rPr>
               <a:t>项目优化 </a:t>
             </a:r>
             <a:r>
-              <a:rPr lang="en-US" altLang="zh-CN" sz="3600" b="1" dirty="0">
+              <a:rPr lang="en-US" altLang="zh-CN" sz="3600" b="1" baseline="0" dirty="0">
                 <a:solidFill>
                   <a:srgbClr val="DCDEE0"/>
                 </a:solidFill>
-                <a:ea typeface="+mn-ea"/>
-              </a:rPr>
-              <a:t>3.</a:t>
-            </a:r>
-            <a:r>
-              <a:rPr lang="zh-CN" altLang="en-US" sz="3600" b="1" dirty="0">
+                <a:latin typeface="字体视界-一风尚黑体" charset="0"/>
+                <a:ea typeface="+mn-ea"/>
+                <a:sym typeface="字体视界-一风尚黑体" charset="0"/>
+              </a:rPr>
+              <a:t>2. </a:t>
+            </a:r>
+            <a:r>
+              <a:rPr lang="zh-CN" altLang="en-US" sz="3600" b="1" baseline="0" dirty="0">
                 <a:solidFill>
                   <a:srgbClr val="DCDEE0"/>
                 </a:solidFill>
-                <a:ea typeface="+mn-ea"/>
-              </a:rPr>
-              <a:t> </a:t>
-            </a:r>
-            <a:r>
-              <a:rPr lang="en-US" altLang="zh-CN" sz="3600" b="1" baseline="0" dirty="0" err="1">
-                <a:solidFill>
-                  <a:srgbClr val="DCDEE0"/>
-                </a:solidFill>
                 <a:latin typeface="字体视界-一风尚黑体" charset="0"/>
                 <a:ea typeface="+mn-ea"/>
                 <a:sym typeface="字体视界-一风尚黑体" charset="0"/>
               </a:rPr>
-              <a:t>Mysql</a:t>
-            </a:r>
-            <a:r>
-              <a:rPr lang="zh-CN" altLang="en-US" sz="3600" b="1" baseline="0" dirty="0">
-                <a:solidFill>
-                  <a:srgbClr val="DCDEE0"/>
-                </a:solidFill>
-                <a:latin typeface="字体视界-一风尚黑体" charset="0"/>
-                <a:ea typeface="+mn-ea"/>
-                <a:sym typeface="字体视界-一风尚黑体" charset="0"/>
-              </a:rPr>
-              <a:t>主从复制、读写分离</a:t>
+              <a:t>缓存菜品数据、缓存套餐数据</a:t>
             </a:r>
           </a:p>
         </p:txBody>
@@ -11572,8 +11321,8 @@
         </p:nvSpPr>
         <p:spPr>
           <a:xfrm>
-            <a:off x="239017" y="1043629"/>
-            <a:ext cx="11952983" cy="5153142"/>
+            <a:off x="849646" y="1497766"/>
+            <a:ext cx="10396618" cy="3862468"/>
           </a:xfrm>
           <a:prstGeom prst="rect">
             <a:avLst/>
@@ -11595,57 +11344,68 @@
               </a:lnSpc>
             </a:pPr>
             <a:r>
-              <a:rPr lang="en-US" altLang="zh-CN" sz="2800" baseline="0" dirty="0">
+              <a:rPr lang="zh-CN" altLang="en-US" sz="2800" dirty="0">
                 <a:solidFill>
                   <a:srgbClr val="DCDEE0"/>
                 </a:solidFill>
-                <a:latin typeface="字体视界-一风尚黑体" charset="0"/>
-                <a:ea typeface="+mn-ea"/>
-                <a:sym typeface="字体视界-一风尚黑体" charset="0"/>
-              </a:rPr>
-              <a:t>1.</a:t>
-            </a:r>
-            <a:r>
-              <a:rPr lang="zh-CN" altLang="en-US" sz="2800" baseline="0" dirty="0">
+                <a:ea typeface="+mn-ea"/>
+              </a:rPr>
+              <a:t>在高并发的情况下，频繁查询数据库会导致系统性能下降，服务端响应时间增长。需要对服务端</a:t>
+            </a:r>
+            <a:r>
+              <a:rPr lang="en-US" altLang="zh-CN" sz="2800" dirty="0" err="1">
                 <a:solidFill>
                   <a:srgbClr val="DCDEE0"/>
                 </a:solidFill>
-                <a:latin typeface="字体视界-一风尚黑体" charset="0"/>
-                <a:ea typeface="+mn-ea"/>
-                <a:sym typeface="字体视界-一风尚黑体" charset="0"/>
-              </a:rPr>
-              <a:t>主从复制是</a:t>
-            </a:r>
-            <a:r>
-              <a:rPr lang="en-US" altLang="zh-CN" sz="2800" baseline="0" dirty="0">
+                <a:ea typeface="+mn-ea"/>
+              </a:rPr>
+              <a:t>DishController</a:t>
+            </a:r>
+            <a:r>
+              <a:rPr lang="zh-CN" altLang="en-US" sz="2800" dirty="0">
                 <a:solidFill>
                   <a:srgbClr val="DCDEE0"/>
                 </a:solidFill>
-                <a:latin typeface="字体视界-一风尚黑体" charset="0"/>
-                <a:ea typeface="+mn-ea"/>
-                <a:sym typeface="字体视界-一风尚黑体" charset="0"/>
-              </a:rPr>
-              <a:t>MySQL</a:t>
-            </a:r>
-            <a:r>
-              <a:rPr lang="zh-CN" altLang="en-US" sz="2800" baseline="0" dirty="0">
+                <a:ea typeface="+mn-ea"/>
+              </a:rPr>
+              <a:t>和</a:t>
+            </a:r>
+            <a:r>
+              <a:rPr lang="en-US" altLang="zh-CN" sz="2800" dirty="0" err="1">
                 <a:solidFill>
                   <a:srgbClr val="DCDEE0"/>
                 </a:solidFill>
-                <a:latin typeface="字体视界-一风尚黑体" charset="0"/>
-                <a:ea typeface="+mn-ea"/>
-                <a:sym typeface="字体视界-一风尚黑体" charset="0"/>
-              </a:rPr>
-              <a:t>本身自带的一个功能，不需要额外的第三方软件就可以实现</a:t>
-            </a:r>
-            <a:endParaRPr lang="en-US" altLang="zh-CN" sz="2800" baseline="0" dirty="0">
-              <a:solidFill>
-                <a:srgbClr val="DCDEE0"/>
-              </a:solidFill>
-              <a:latin typeface="字体视界-一风尚黑体" charset="0"/>
-              <a:ea typeface="+mn-ea"/>
-              <a:sym typeface="字体视界-一风尚黑体" charset="0"/>
-            </a:endParaRPr>
+                <a:ea typeface="+mn-ea"/>
+              </a:rPr>
+              <a:t>setMeal</a:t>
+            </a:r>
+            <a:r>
+              <a:rPr lang="zh-CN" altLang="en-US" sz="2800" dirty="0">
+                <a:solidFill>
+                  <a:srgbClr val="DCDEE0"/>
+                </a:solidFill>
+                <a:ea typeface="+mn-ea"/>
+              </a:rPr>
+              <a:t>的</a:t>
+            </a:r>
+            <a:r>
+              <a:rPr lang="en-US" altLang="zh-CN" sz="2800" dirty="0">
+                <a:solidFill>
+                  <a:srgbClr val="DCDEE0"/>
+                </a:solidFill>
+                <a:ea typeface="+mn-ea"/>
+              </a:rPr>
+              <a:t>list</a:t>
+            </a:r>
+            <a:r>
+              <a:rPr lang="zh-CN" altLang="en-US" sz="2800" dirty="0">
+                <a:solidFill>
+                  <a:srgbClr val="DCDEE0"/>
+                </a:solidFill>
+                <a:ea typeface="+mn-ea"/>
+              </a:rPr>
+              <a:t>方法进行缓存优化，提高系统的性能。</a:t>
+            </a:r>
           </a:p>
           <a:p>
             <a:pPr>
@@ -11654,135 +11414,127 @@
               </a:lnSpc>
             </a:pPr>
             <a:r>
-              <a:rPr lang="en-US" altLang="zh-CN" sz="2800" baseline="0" dirty="0">
+              <a:rPr lang="zh-CN" altLang="en-US" sz="2800" dirty="0">
                 <a:solidFill>
                   <a:srgbClr val="DCDEE0"/>
                 </a:solidFill>
-                <a:latin typeface="字体视界-一风尚黑体" charset="0"/>
-                <a:ea typeface="+mn-ea"/>
-                <a:sym typeface="字体视界-一风尚黑体" charset="0"/>
-              </a:rPr>
-              <a:t>2.</a:t>
-            </a:r>
-            <a:r>
-              <a:rPr lang="zh-CN" altLang="en-US" sz="2800" baseline="0" dirty="0">
-                <a:solidFill>
-                  <a:srgbClr val="DCDEE0"/>
-                </a:solidFill>
-                <a:latin typeface="字体视界-一风尚黑体" charset="0"/>
-                <a:ea typeface="+mn-ea"/>
-                <a:sym typeface="字体视界-一风尚黑体" charset="0"/>
-              </a:rPr>
-              <a:t>由此带来的好处：</a:t>
-            </a:r>
-          </a:p>
-          <a:p>
-            <a:pPr lvl="1">
+                <a:ea typeface="+mn-ea"/>
+              </a:rPr>
+              <a:t>具体的实现思路如下：</a:t>
+            </a:r>
+            <a:endParaRPr lang="en-US" altLang="zh-CN" sz="2800" dirty="0">
+              <a:solidFill>
+                <a:srgbClr val="DCDEE0"/>
+              </a:solidFill>
+              <a:ea typeface="+mn-ea"/>
+            </a:endParaRPr>
+          </a:p>
+          <a:p>
+            <a:pPr marL="514350" indent="-514350">
               <a:lnSpc>
                 <a:spcPct val="150000"/>
               </a:lnSpc>
+              <a:buAutoNum type="arabicPeriod"/>
             </a:pPr>
             <a:r>
-              <a:rPr lang="zh-CN" altLang="en-US" sz="2800" baseline="0" dirty="0">
+              <a:rPr lang="zh-CN" altLang="en-US" sz="2800" dirty="0">
                 <a:solidFill>
                   <a:srgbClr val="DCDEE0"/>
                 </a:solidFill>
-                <a:latin typeface="字体视界-一风尚黑体" charset="0"/>
-                <a:ea typeface="+mn-ea"/>
-                <a:sym typeface="字体视界-一风尚黑体" charset="0"/>
-              </a:rPr>
-              <a:t>数据更安全：做了数据冗余，不会因为单台服务器的宕机而丢失数据</a:t>
-            </a:r>
-          </a:p>
-          <a:p>
-            <a:pPr lvl="1">
+                <a:ea typeface="+mn-ea"/>
+              </a:rPr>
+              <a:t>改造</a:t>
+            </a:r>
+            <a:r>
+              <a:rPr lang="en-US" altLang="zh-CN" sz="2800" dirty="0" err="1">
+                <a:solidFill>
+                  <a:srgbClr val="DCDEE0"/>
+                </a:solidFill>
+                <a:ea typeface="+mn-ea"/>
+              </a:rPr>
+              <a:t>DishController</a:t>
+            </a:r>
+            <a:r>
+              <a:rPr lang="zh-CN" altLang="en-US" sz="2800" dirty="0">
+                <a:solidFill>
+                  <a:srgbClr val="DCDEE0"/>
+                </a:solidFill>
+                <a:ea typeface="+mn-ea"/>
+              </a:rPr>
+              <a:t>和</a:t>
+            </a:r>
+            <a:r>
+              <a:rPr lang="en-US" altLang="zh-CN" sz="2800" dirty="0" err="1">
+                <a:solidFill>
+                  <a:srgbClr val="DCDEE0"/>
+                </a:solidFill>
+                <a:ea typeface="+mn-ea"/>
+              </a:rPr>
+              <a:t>setMeal</a:t>
+            </a:r>
+            <a:r>
+              <a:rPr lang="zh-CN" altLang="en-US" sz="2800" dirty="0">
+                <a:solidFill>
+                  <a:srgbClr val="DCDEE0"/>
+                </a:solidFill>
+                <a:ea typeface="+mn-ea"/>
+              </a:rPr>
+              <a:t>的</a:t>
+            </a:r>
+            <a:r>
+              <a:rPr lang="en-US" altLang="zh-CN" sz="2800" dirty="0">
+                <a:solidFill>
+                  <a:srgbClr val="DCDEE0"/>
+                </a:solidFill>
+                <a:ea typeface="+mn-ea"/>
+              </a:rPr>
+              <a:t>list</a:t>
+            </a:r>
+            <a:r>
+              <a:rPr lang="zh-CN" altLang="en-US" sz="2800" dirty="0">
+                <a:solidFill>
+                  <a:srgbClr val="DCDEE0"/>
+                </a:solidFill>
+                <a:ea typeface="+mn-ea"/>
+              </a:rPr>
+              <a:t>方法</a:t>
+            </a:r>
+            <a:endParaRPr lang="en-US" altLang="zh-CN" sz="2800" dirty="0">
+              <a:solidFill>
+                <a:srgbClr val="DCDEE0"/>
+              </a:solidFill>
+              <a:ea typeface="+mn-ea"/>
+            </a:endParaRPr>
+          </a:p>
+          <a:p>
+            <a:pPr marL="514350" indent="-514350">
               <a:lnSpc>
                 <a:spcPct val="150000"/>
               </a:lnSpc>
+              <a:buAutoNum type="arabicPeriod"/>
             </a:pPr>
             <a:r>
-              <a:rPr lang="zh-CN" altLang="en-US" sz="2800" baseline="0" dirty="0">
+              <a:rPr lang="zh-CN" altLang="en-US" sz="2800" dirty="0">
                 <a:solidFill>
                   <a:srgbClr val="DCDEE0"/>
                 </a:solidFill>
-                <a:latin typeface="字体视界-一风尚黑体" charset="0"/>
-                <a:ea typeface="+mn-ea"/>
-                <a:sym typeface="字体视界-一风尚黑体" charset="0"/>
-              </a:rPr>
-              <a:t>性能大大提升：一主多从，不同用户从不同数据库读取，性能提升</a:t>
-            </a:r>
-          </a:p>
-          <a:p>
-            <a:pPr lvl="1">
-              <a:lnSpc>
-                <a:spcPct val="150000"/>
-              </a:lnSpc>
-            </a:pPr>
-            <a:r>
-              <a:rPr lang="zh-CN" altLang="en-US" sz="2800" baseline="0" dirty="0">
-                <a:solidFill>
-                  <a:srgbClr val="DCDEE0"/>
-                </a:solidFill>
-                <a:latin typeface="字体视界-一风尚黑体" charset="0"/>
-                <a:ea typeface="+mn-ea"/>
-                <a:sym typeface="字体视界-一风尚黑体" charset="0"/>
-              </a:rPr>
-              <a:t>扩展性更优：流量增大时，可以方便的增加从服务器，不影响系统使用</a:t>
-            </a:r>
-          </a:p>
-          <a:p>
-            <a:pPr lvl="1">
-              <a:lnSpc>
-                <a:spcPct val="150000"/>
-              </a:lnSpc>
-            </a:pPr>
-            <a:r>
-              <a:rPr lang="zh-CN" altLang="en-US" sz="2800" baseline="0" dirty="0">
-                <a:solidFill>
-                  <a:srgbClr val="DCDEE0"/>
-                </a:solidFill>
-                <a:latin typeface="字体视界-一风尚黑体" charset="0"/>
-                <a:ea typeface="+mn-ea"/>
-                <a:sym typeface="字体视界-一风尚黑体" charset="0"/>
-              </a:rPr>
-              <a:t>负载均衡：一主多从相当于分担了主机任务，做了负载均衡</a:t>
-            </a:r>
-          </a:p>
-          <a:p>
-            <a:pPr>
-              <a:lnSpc>
-                <a:spcPct val="150000"/>
-              </a:lnSpc>
-            </a:pPr>
-            <a:r>
-              <a:rPr lang="en-US" altLang="zh-CN" sz="2800" baseline="0" dirty="0">
-                <a:solidFill>
-                  <a:srgbClr val="DCDEE0"/>
-                </a:solidFill>
-                <a:latin typeface="字体视界-一风尚黑体" charset="0"/>
-                <a:ea typeface="+mn-ea"/>
-                <a:sym typeface="字体视界-一风尚黑体" charset="0"/>
-              </a:rPr>
-              <a:t>3.</a:t>
-            </a:r>
-            <a:r>
-              <a:rPr lang="zh-CN" altLang="en-US" sz="2800" baseline="0" dirty="0">
-                <a:solidFill>
-                  <a:srgbClr val="DCDEE0"/>
-                </a:solidFill>
-                <a:latin typeface="字体视界-一风尚黑体" charset="0"/>
-                <a:ea typeface="+mn-ea"/>
-                <a:sym typeface="字体视界-一风尚黑体" charset="0"/>
-              </a:rPr>
-              <a:t>基于主从复制可以实现读写分离：读写分离，使数据库能支撑更大的并发</a:t>
-            </a:r>
+                <a:ea typeface="+mn-ea"/>
+              </a:rPr>
+              <a:t>注意保证数据库中的数据和缓存中的数据一致</a:t>
+            </a:r>
+            <a:endParaRPr lang="en-US" altLang="zh-CN" sz="2800" dirty="0">
+              <a:solidFill>
+                <a:srgbClr val="DCDEE0"/>
+              </a:solidFill>
+              <a:ea typeface="+mn-ea"/>
+            </a:endParaRPr>
           </a:p>
         </p:txBody>
       </p:sp>
     </p:spTree>
     <p:extLst>
       <p:ext uri="{BB962C8B-B14F-4D97-AF65-F5344CB8AC3E}">
-        <p14:creationId xmlns:p14="http://schemas.microsoft.com/office/powerpoint/2010/main" val="3046658569"/>
+        <p14:creationId xmlns:p14="http://schemas.microsoft.com/office/powerpoint/2010/main" val="935222961"/>
       </p:ext>
     </p:extLst>
   </p:cSld>
@@ -11812,25 +11564,16 @@
           <a:chExt cx="0" cy="0"/>
         </a:xfrm>
       </p:grpSpPr>
-      <p:pic>
-        <p:nvPicPr>
-          <p:cNvPr id="25601" name="图片 25600" descr="图片 1"/>
-          <p:cNvPicPr>
-            <a:picLocks noChangeAspect="1"/>
-          </p:cNvPicPr>
+      <p:sp>
+        <p:nvSpPr>
+          <p:cNvPr id="14337" name="文本框 14336" descr="Text Box 3"/>
+          <p:cNvSpPr txBox="1"/>
           <p:nvPr/>
-        </p:nvPicPr>
-        <p:blipFill>
-          <a:blip r:embed="rId2"/>
-          <a:srcRect l="12270" t="10602" r="11623" b="13811"/>
-          <a:stretch>
-            <a:fillRect/>
-          </a:stretch>
-        </p:blipFill>
-        <p:spPr>
-          <a:xfrm flipH="1">
-            <a:off x="0" y="0"/>
-            <a:ext cx="12192000" cy="6858000"/>
+        </p:nvSpPr>
+        <p:spPr>
+          <a:xfrm>
+            <a:off x="239017" y="137090"/>
+            <a:ext cx="10396618" cy="605294"/>
           </a:xfrm>
           <a:prstGeom prst="rect">
             <a:avLst/>
@@ -11840,17 +11583,80 @@
             <a:noFill/>
           </a:ln>
         </p:spPr>
-      </p:pic>
-      <p:sp>
-        <p:nvSpPr>
-          <p:cNvPr id="25602" name="文本框 25601" descr="TextBox 4"/>
+        <p:txBody>
+          <a:bodyPr vert="horz" wrap="square" lIns="25400" tIns="25400" rIns="25400" bIns="25400" anchor="ctr">
+            <a:spAutoFit/>
+          </a:bodyPr>
+          <a:lstStyle/>
+          <a:p>
+            <a:r>
+              <a:rPr lang="zh-CN" altLang="en-US" sz="3600" b="1" dirty="0">
+                <a:solidFill>
+                  <a:srgbClr val="DCDEE0"/>
+                </a:solidFill>
+                <a:ea typeface="+mn-ea"/>
+              </a:rPr>
+              <a:t>项目优化 </a:t>
+            </a:r>
+            <a:r>
+              <a:rPr lang="en-US" altLang="zh-CN" sz="3600" b="1" dirty="0">
+                <a:solidFill>
+                  <a:srgbClr val="DCDEE0"/>
+                </a:solidFill>
+                <a:ea typeface="+mn-ea"/>
+              </a:rPr>
+              <a:t>3.</a:t>
+            </a:r>
+            <a:r>
+              <a:rPr lang="zh-CN" altLang="en-US" sz="3600" b="1" dirty="0">
+                <a:solidFill>
+                  <a:srgbClr val="DCDEE0"/>
+                </a:solidFill>
+                <a:ea typeface="+mn-ea"/>
+              </a:rPr>
+              <a:t> </a:t>
+            </a:r>
+            <a:r>
+              <a:rPr lang="en-US" altLang="zh-CN" sz="3600" b="1" baseline="0" dirty="0" err="1">
+                <a:solidFill>
+                  <a:srgbClr val="DCDEE0"/>
+                </a:solidFill>
+                <a:latin typeface="字体视界-一风尚黑体" charset="0"/>
+                <a:ea typeface="+mn-ea"/>
+                <a:sym typeface="字体视界-一风尚黑体" charset="0"/>
+              </a:rPr>
+              <a:t>Mysql</a:t>
+            </a:r>
+            <a:r>
+              <a:rPr lang="zh-CN" altLang="en-US" sz="3600" b="1" baseline="0" dirty="0">
+                <a:solidFill>
+                  <a:srgbClr val="DCDEE0"/>
+                </a:solidFill>
+                <a:latin typeface="字体视界-一风尚黑体" charset="0"/>
+                <a:ea typeface="+mn-ea"/>
+                <a:sym typeface="字体视界-一风尚黑体" charset="0"/>
+              </a:rPr>
+              <a:t>主从复制、读写分离</a:t>
+            </a:r>
+          </a:p>
+        </p:txBody>
+      </p:sp>
+      <p:sp>
+        <p:nvSpPr>
+          <p:cNvPr id="3" name="文本框 2" descr="Text Box 3">
+            <a:extLst>
+              <a:ext uri="{FF2B5EF4-FFF2-40B4-BE49-F238E27FC236}">
+                <a16:creationId xmlns:a16="http://schemas.microsoft.com/office/drawing/2014/main" id="{63FF1EB8-2CBE-2C87-C936-2F87FBFCF7DF}"/>
+              </a:ext>
+            </a:extLst>
+          </p:cNvPr>
           <p:cNvSpPr txBox="1"/>
           <p:nvPr/>
         </p:nvSpPr>
         <p:spPr>
           <a:xfrm>
-            <a:off x="4235449" y="2479201"/>
-            <a:ext cx="3617913" cy="1015663"/>
+            <a:off x="239017" y="1043629"/>
+            <a:ext cx="11952983" cy="5153142"/>
           </a:xfrm>
           <a:prstGeom prst="rect">
             <a:avLst/>
@@ -11861,113 +11667,205 @@
           </a:ln>
         </p:spPr>
         <p:txBody>
-          <a:bodyPr vert="horz" wrap="square" lIns="0" tIns="0" rIns="0" bIns="0" anchor="t">
+          <a:bodyPr vert="horz" wrap="square" lIns="25400" tIns="25400" rIns="25400" bIns="25400" anchor="ctr">
             <a:spAutoFit/>
           </a:bodyPr>
           <a:lstStyle/>
           <a:p>
-            <a:pPr algn="ctr"/>
-            <a:r>
-              <a:rPr lang="zh-CN" altLang="en-US" sz="6600" baseline="0" dirty="0">
-                <a:solidFill>
-                  <a:srgbClr val="FFFFFF"/>
+            <a:pPr>
+              <a:lnSpc>
+                <a:spcPct val="150000"/>
+              </a:lnSpc>
+            </a:pPr>
+            <a:r>
+              <a:rPr lang="en-US" altLang="zh-CN" sz="2800" baseline="0" dirty="0">
+                <a:solidFill>
+                  <a:srgbClr val="DCDEE0"/>
                 </a:solidFill>
                 <a:latin typeface="字体视界-一风尚黑体" charset="0"/>
                 <a:ea typeface="+mn-ea"/>
                 <a:sym typeface="字体视界-一风尚黑体" charset="0"/>
               </a:rPr>
-              <a:t>第五节</a:t>
-            </a:r>
-          </a:p>
-        </p:txBody>
-      </p:sp>
-      <p:sp>
-        <p:nvSpPr>
-          <p:cNvPr id="25603" name="文本框 25602" descr="TextBox 4"/>
-          <p:cNvSpPr txBox="1"/>
-          <p:nvPr/>
-        </p:nvSpPr>
-        <p:spPr>
-          <a:xfrm>
-            <a:off x="3443287" y="3519014"/>
-            <a:ext cx="5305425" cy="738664"/>
-          </a:xfrm>
-          <a:prstGeom prst="rect">
-            <a:avLst/>
-          </a:prstGeom>
-          <a:noFill/>
-          <a:ln w="12700">
-            <a:noFill/>
-          </a:ln>
-        </p:spPr>
-        <p:txBody>
-          <a:bodyPr vert="horz" wrap="square" lIns="0" tIns="0" rIns="0" bIns="0" anchor="t">
-            <a:spAutoFit/>
-          </a:bodyPr>
-          <a:lstStyle/>
-          <a:p>
-            <a:pPr algn="ctr"/>
-            <a:r>
-              <a:rPr lang="zh-CN" altLang="en-US" sz="4800" baseline="0" dirty="0">
-                <a:solidFill>
-                  <a:srgbClr val="FFFFFF"/>
+              <a:t>1.</a:t>
+            </a:r>
+            <a:r>
+              <a:rPr lang="zh-CN" altLang="en-US" sz="2800" baseline="0" dirty="0">
+                <a:solidFill>
+                  <a:srgbClr val="DCDEE0"/>
                 </a:solidFill>
                 <a:latin typeface="字体视界-一风尚黑体" charset="0"/>
                 <a:ea typeface="+mn-ea"/>
                 <a:sym typeface="字体视界-一风尚黑体" charset="0"/>
               </a:rPr>
-              <a:t>项目实际演示</a:t>
-            </a:r>
-          </a:p>
-        </p:txBody>
-      </p:sp>
-      <p:sp>
-        <p:nvSpPr>
-          <p:cNvPr id="25605" name="矩形 25604" descr="矩形 5"/>
-          <p:cNvSpPr/>
-          <p:nvPr/>
-        </p:nvSpPr>
-        <p:spPr>
-          <a:xfrm>
-            <a:off x="0" y="-133350"/>
-            <a:ext cx="12192000" cy="6991350"/>
-          </a:xfrm>
-          <a:prstGeom prst="rect">
-            <a:avLst/>
-          </a:prstGeom>
-          <a:noFill/>
-          <a:ln w="174625" cap="flat" cmpd="sng">
-            <a:solidFill>
-              <a:srgbClr val="FFFFFF">
-                <a:alpha val="100000"/>
-              </a:srgbClr>
-            </a:solidFill>
-            <a:prstDash val="solid"/>
-            <a:miter/>
-            <a:headEnd type="none" w="med" len="med"/>
-            <a:tailEnd type="none" w="med" len="med"/>
-          </a:ln>
-        </p:spPr>
-        <p:txBody>
-          <a:bodyPr vert="horz" wrap="square" lIns="45720" tIns="45720" rIns="45720" bIns="45720" anchor="ctr"/>
-          <a:lstStyle/>
-          <a:p>
-            <a:pPr algn="ctr"/>
-            <a:endParaRPr baseline="0">
+              <a:t>主从复制是</a:t>
+            </a:r>
+            <a:r>
+              <a:rPr lang="en-US" altLang="zh-CN" sz="2800" baseline="0" dirty="0">
+                <a:solidFill>
+                  <a:srgbClr val="DCDEE0"/>
+                </a:solidFill>
+                <a:latin typeface="字体视界-一风尚黑体" charset="0"/>
+                <a:ea typeface="+mn-ea"/>
+                <a:sym typeface="字体视界-一风尚黑体" charset="0"/>
+              </a:rPr>
+              <a:t>MySQL</a:t>
+            </a:r>
+            <a:r>
+              <a:rPr lang="zh-CN" altLang="en-US" sz="2800" baseline="0" dirty="0">
+                <a:solidFill>
+                  <a:srgbClr val="DCDEE0"/>
+                </a:solidFill>
+                <a:latin typeface="字体视界-一风尚黑体" charset="0"/>
+                <a:ea typeface="+mn-ea"/>
+                <a:sym typeface="字体视界-一风尚黑体" charset="0"/>
+              </a:rPr>
+              <a:t>本身自带的一个功能，不需要额外的第三方软件就可以实现</a:t>
+            </a:r>
+            <a:endParaRPr lang="en-US" altLang="zh-CN" sz="2800" baseline="0" dirty="0">
               <a:solidFill>
-                <a:srgbClr val="FFFFFF"/>
+                <a:srgbClr val="DCDEE0"/>
               </a:solidFill>
               <a:latin typeface="字体视界-一风尚黑体" charset="0"/>
               <a:ea typeface="+mn-ea"/>
               <a:sym typeface="字体视界-一风尚黑体" charset="0"/>
             </a:endParaRPr>
           </a:p>
+          <a:p>
+            <a:pPr>
+              <a:lnSpc>
+                <a:spcPct val="150000"/>
+              </a:lnSpc>
+            </a:pPr>
+            <a:r>
+              <a:rPr lang="en-US" altLang="zh-CN" sz="2800" baseline="0" dirty="0">
+                <a:solidFill>
+                  <a:srgbClr val="DCDEE0"/>
+                </a:solidFill>
+                <a:latin typeface="字体视界-一风尚黑体" charset="0"/>
+                <a:ea typeface="+mn-ea"/>
+                <a:sym typeface="字体视界-一风尚黑体" charset="0"/>
+              </a:rPr>
+              <a:t>2.</a:t>
+            </a:r>
+            <a:r>
+              <a:rPr lang="zh-CN" altLang="en-US" sz="2800" baseline="0" dirty="0">
+                <a:solidFill>
+                  <a:srgbClr val="DCDEE0"/>
+                </a:solidFill>
+                <a:latin typeface="字体视界-一风尚黑体" charset="0"/>
+                <a:ea typeface="+mn-ea"/>
+                <a:sym typeface="字体视界-一风尚黑体" charset="0"/>
+              </a:rPr>
+              <a:t>由此带来的好处：</a:t>
+            </a:r>
+          </a:p>
+          <a:p>
+            <a:pPr lvl="1">
+              <a:lnSpc>
+                <a:spcPct val="150000"/>
+              </a:lnSpc>
+            </a:pPr>
+            <a:r>
+              <a:rPr lang="zh-CN" altLang="en-US" sz="2800" baseline="0" dirty="0">
+                <a:solidFill>
+                  <a:srgbClr val="DCDEE0"/>
+                </a:solidFill>
+                <a:latin typeface="字体视界-一风尚黑体" charset="0"/>
+                <a:ea typeface="+mn-ea"/>
+                <a:sym typeface="字体视界-一风尚黑体" charset="0"/>
+              </a:rPr>
+              <a:t>数据更安全：做了数据冗余，不会因为单台服务器的宕机而丢失数据</a:t>
+            </a:r>
+          </a:p>
+          <a:p>
+            <a:pPr lvl="1">
+              <a:lnSpc>
+                <a:spcPct val="150000"/>
+              </a:lnSpc>
+            </a:pPr>
+            <a:r>
+              <a:rPr lang="zh-CN" altLang="en-US" sz="2800" baseline="0" dirty="0">
+                <a:solidFill>
+                  <a:srgbClr val="DCDEE0"/>
+                </a:solidFill>
+                <a:latin typeface="字体视界-一风尚黑体" charset="0"/>
+                <a:ea typeface="+mn-ea"/>
+                <a:sym typeface="字体视界-一风尚黑体" charset="0"/>
+              </a:rPr>
+              <a:t>性能大大提升：一主多从，不同用户从不同数据库读取，性能提升</a:t>
+            </a:r>
+          </a:p>
+          <a:p>
+            <a:pPr lvl="1">
+              <a:lnSpc>
+                <a:spcPct val="150000"/>
+              </a:lnSpc>
+            </a:pPr>
+            <a:r>
+              <a:rPr lang="zh-CN" altLang="en-US" sz="2800" baseline="0" dirty="0">
+                <a:solidFill>
+                  <a:srgbClr val="DCDEE0"/>
+                </a:solidFill>
+                <a:latin typeface="字体视界-一风尚黑体" charset="0"/>
+                <a:ea typeface="+mn-ea"/>
+                <a:sym typeface="字体视界-一风尚黑体" charset="0"/>
+              </a:rPr>
+              <a:t>扩展性更优：流量增大时，可以方便的增加从服务器，不影响系统使用</a:t>
+            </a:r>
+          </a:p>
+          <a:p>
+            <a:pPr lvl="1">
+              <a:lnSpc>
+                <a:spcPct val="150000"/>
+              </a:lnSpc>
+            </a:pPr>
+            <a:r>
+              <a:rPr lang="zh-CN" altLang="en-US" sz="2800" baseline="0" dirty="0">
+                <a:solidFill>
+                  <a:srgbClr val="DCDEE0"/>
+                </a:solidFill>
+                <a:latin typeface="字体视界-一风尚黑体" charset="0"/>
+                <a:ea typeface="+mn-ea"/>
+                <a:sym typeface="字体视界-一风尚黑体" charset="0"/>
+              </a:rPr>
+              <a:t>负载均衡：一主多从相当于分担了主机任务，做了负载均衡</a:t>
+            </a:r>
+          </a:p>
+          <a:p>
+            <a:pPr>
+              <a:lnSpc>
+                <a:spcPct val="150000"/>
+              </a:lnSpc>
+            </a:pPr>
+            <a:r>
+              <a:rPr lang="en-US" altLang="zh-CN" sz="2800" baseline="0" dirty="0">
+                <a:solidFill>
+                  <a:srgbClr val="DCDEE0"/>
+                </a:solidFill>
+                <a:latin typeface="字体视界-一风尚黑体" charset="0"/>
+                <a:ea typeface="+mn-ea"/>
+                <a:sym typeface="字体视界-一风尚黑体" charset="0"/>
+              </a:rPr>
+              <a:t>3.</a:t>
+            </a:r>
+            <a:r>
+              <a:rPr lang="zh-CN" altLang="en-US" sz="2800" baseline="0" dirty="0">
+                <a:solidFill>
+                  <a:srgbClr val="DCDEE0"/>
+                </a:solidFill>
+                <a:latin typeface="字体视界-一风尚黑体" charset="0"/>
+                <a:ea typeface="+mn-ea"/>
+                <a:sym typeface="字体视界-一风尚黑体" charset="0"/>
+              </a:rPr>
+              <a:t>基于主从复制可以实现读写分离：读写分离，使数据库能支撑更大的并发</a:t>
+            </a:r>
+          </a:p>
         </p:txBody>
       </p:sp>
     </p:spTree>
     <p:extLst>
       <p:ext uri="{BB962C8B-B14F-4D97-AF65-F5344CB8AC3E}">
-        <p14:creationId xmlns:p14="http://schemas.microsoft.com/office/powerpoint/2010/main" val="1158717897"/>
+        <p14:creationId xmlns:p14="http://schemas.microsoft.com/office/powerpoint/2010/main" val="3046658569"/>
       </p:ext>
     </p:extLst>
   </p:cSld>
@@ -11975,7 +11873,7 @@
     <a:masterClrMapping/>
   </p:clrMapOvr>
   <p:transition spd="slow" advClick="0" advTm="0">
-    <p:wipe/>
+    <p:push dir="u"/>
   </p:transition>
 </p:sld>
 </file>
@@ -12061,7 +11959,7 @@
                 <a:ea typeface="+mn-ea"/>
                 <a:sym typeface="字体视界-一风尚黑体" charset="0"/>
               </a:rPr>
-              <a:t>第六节</a:t>
+              <a:t>第五节</a:t>
             </a:r>
           </a:p>
         </p:txBody>
@@ -12101,7 +11999,7 @@
                 <a:ea typeface="+mn-ea"/>
                 <a:sym typeface="字体视界-一风尚黑体" charset="0"/>
               </a:rPr>
-              <a:t>总结</a:t>
+              <a:t>项目实际演示</a:t>
             </a:r>
           </a:p>
         </p:txBody>
@@ -12152,7 +12050,7 @@
     </p:spTree>
     <p:extLst>
       <p:ext uri="{BB962C8B-B14F-4D97-AF65-F5344CB8AC3E}">
-        <p14:creationId xmlns:p14="http://schemas.microsoft.com/office/powerpoint/2010/main" val="870242546"/>
+        <p14:creationId xmlns:p14="http://schemas.microsoft.com/office/powerpoint/2010/main" val="1158717897"/>
       </p:ext>
     </p:extLst>
   </p:cSld>
@@ -12182,6 +12080,191 @@
           <a:chExt cx="0" cy="0"/>
         </a:xfrm>
       </p:grpSpPr>
+      <p:pic>
+        <p:nvPicPr>
+          <p:cNvPr id="25601" name="图片 25600" descr="图片 1"/>
+          <p:cNvPicPr>
+            <a:picLocks noChangeAspect="1"/>
+          </p:cNvPicPr>
+          <p:nvPr/>
+        </p:nvPicPr>
+        <p:blipFill>
+          <a:blip r:embed="rId2"/>
+          <a:srcRect l="12270" t="10602" r="11623" b="13811"/>
+          <a:stretch>
+            <a:fillRect/>
+          </a:stretch>
+        </p:blipFill>
+        <p:spPr>
+          <a:xfrm flipH="1">
+            <a:off x="0" y="0"/>
+            <a:ext cx="12192000" cy="6858000"/>
+          </a:xfrm>
+          <a:prstGeom prst="rect">
+            <a:avLst/>
+          </a:prstGeom>
+          <a:noFill/>
+          <a:ln w="12700">
+            <a:noFill/>
+          </a:ln>
+        </p:spPr>
+      </p:pic>
+      <p:sp>
+        <p:nvSpPr>
+          <p:cNvPr id="25602" name="文本框 25601" descr="TextBox 4"/>
+          <p:cNvSpPr txBox="1"/>
+          <p:nvPr/>
+        </p:nvSpPr>
+        <p:spPr>
+          <a:xfrm>
+            <a:off x="4235449" y="2479201"/>
+            <a:ext cx="3617913" cy="1015663"/>
+          </a:xfrm>
+          <a:prstGeom prst="rect">
+            <a:avLst/>
+          </a:prstGeom>
+          <a:noFill/>
+          <a:ln w="12700">
+            <a:noFill/>
+          </a:ln>
+        </p:spPr>
+        <p:txBody>
+          <a:bodyPr vert="horz" wrap="square" lIns="0" tIns="0" rIns="0" bIns="0" anchor="t">
+            <a:spAutoFit/>
+          </a:bodyPr>
+          <a:lstStyle/>
+          <a:p>
+            <a:pPr algn="ctr"/>
+            <a:r>
+              <a:rPr lang="zh-CN" altLang="en-US" sz="6600" baseline="0" dirty="0">
+                <a:solidFill>
+                  <a:srgbClr val="FFFFFF"/>
+                </a:solidFill>
+                <a:latin typeface="字体视界-一风尚黑体" charset="0"/>
+                <a:ea typeface="+mn-ea"/>
+                <a:sym typeface="字体视界-一风尚黑体" charset="0"/>
+              </a:rPr>
+              <a:t>第六节</a:t>
+            </a:r>
+          </a:p>
+        </p:txBody>
+      </p:sp>
+      <p:sp>
+        <p:nvSpPr>
+          <p:cNvPr id="25603" name="文本框 25602" descr="TextBox 4"/>
+          <p:cNvSpPr txBox="1"/>
+          <p:nvPr/>
+        </p:nvSpPr>
+        <p:spPr>
+          <a:xfrm>
+            <a:off x="3443287" y="3519014"/>
+            <a:ext cx="5305425" cy="738664"/>
+          </a:xfrm>
+          <a:prstGeom prst="rect">
+            <a:avLst/>
+          </a:prstGeom>
+          <a:noFill/>
+          <a:ln w="12700">
+            <a:noFill/>
+          </a:ln>
+        </p:spPr>
+        <p:txBody>
+          <a:bodyPr vert="horz" wrap="square" lIns="0" tIns="0" rIns="0" bIns="0" anchor="t">
+            <a:spAutoFit/>
+          </a:bodyPr>
+          <a:lstStyle/>
+          <a:p>
+            <a:pPr algn="ctr"/>
+            <a:r>
+              <a:rPr lang="zh-CN" altLang="en-US" sz="4800" baseline="0" dirty="0">
+                <a:solidFill>
+                  <a:srgbClr val="FFFFFF"/>
+                </a:solidFill>
+                <a:latin typeface="字体视界-一风尚黑体" charset="0"/>
+                <a:ea typeface="+mn-ea"/>
+                <a:sym typeface="字体视界-一风尚黑体" charset="0"/>
+              </a:rPr>
+              <a:t>总结</a:t>
+            </a:r>
+          </a:p>
+        </p:txBody>
+      </p:sp>
+      <p:sp>
+        <p:nvSpPr>
+          <p:cNvPr id="25605" name="矩形 25604" descr="矩形 5"/>
+          <p:cNvSpPr/>
+          <p:nvPr/>
+        </p:nvSpPr>
+        <p:spPr>
+          <a:xfrm>
+            <a:off x="0" y="-133350"/>
+            <a:ext cx="12192000" cy="6991350"/>
+          </a:xfrm>
+          <a:prstGeom prst="rect">
+            <a:avLst/>
+          </a:prstGeom>
+          <a:noFill/>
+          <a:ln w="174625" cap="flat" cmpd="sng">
+            <a:solidFill>
+              <a:srgbClr val="FFFFFF">
+                <a:alpha val="100000"/>
+              </a:srgbClr>
+            </a:solidFill>
+            <a:prstDash val="solid"/>
+            <a:miter/>
+            <a:headEnd type="none" w="med" len="med"/>
+            <a:tailEnd type="none" w="med" len="med"/>
+          </a:ln>
+        </p:spPr>
+        <p:txBody>
+          <a:bodyPr vert="horz" wrap="square" lIns="45720" tIns="45720" rIns="45720" bIns="45720" anchor="ctr"/>
+          <a:lstStyle/>
+          <a:p>
+            <a:pPr algn="ctr"/>
+            <a:endParaRPr baseline="0">
+              <a:solidFill>
+                <a:srgbClr val="FFFFFF"/>
+              </a:solidFill>
+              <a:latin typeface="字体视界-一风尚黑体" charset="0"/>
+              <a:ea typeface="+mn-ea"/>
+              <a:sym typeface="字体视界-一风尚黑体" charset="0"/>
+            </a:endParaRPr>
+          </a:p>
+        </p:txBody>
+      </p:sp>
+    </p:spTree>
+    <p:extLst>
+      <p:ext uri="{BB962C8B-B14F-4D97-AF65-F5344CB8AC3E}">
+        <p14:creationId xmlns:p14="http://schemas.microsoft.com/office/powerpoint/2010/main" val="870242546"/>
+      </p:ext>
+    </p:extLst>
+  </p:cSld>
+  <p:clrMapOvr>
+    <a:masterClrMapping/>
+  </p:clrMapOvr>
+  <p:transition spd="slow" advClick="0" advTm="0">
+    <p:wipe/>
+  </p:transition>
+</p:sld>
+</file>
+
+<file path=ppt/slides/slide27.xml><?xml version="1.0" encoding="utf-8"?>
+<p:sld xmlns:a="http://schemas.openxmlformats.org/drawingml/2006/main" xmlns:r="http://schemas.openxmlformats.org/officeDocument/2006/relationships" xmlns:p="http://schemas.openxmlformats.org/presentationml/2006/main">
+  <p:cSld>
+    <p:spTree>
+      <p:nvGrpSpPr>
+        <p:cNvPr id="1" name=""/>
+        <p:cNvGrpSpPr/>
+        <p:nvPr/>
+      </p:nvGrpSpPr>
+      <p:grpSpPr>
+        <a:xfrm>
+          <a:off x="0" y="0"/>
+          <a:ext cx="0" cy="0"/>
+          <a:chOff x="0" y="0"/>
+          <a:chExt cx="0" cy="0"/>
+        </a:xfrm>
+      </p:grpSpPr>
       <p:sp>
         <p:nvSpPr>
           <p:cNvPr id="14337" name="文本框 14336" descr="Text Box 3"/>
@@ -12340,7 +12423,7 @@
 </p:sld>
 </file>
 
-<file path=ppt/slides/slide27.xml><?xml version="1.0" encoding="utf-8"?>
+<file path=ppt/slides/slide28.xml><?xml version="1.0" encoding="utf-8"?>
 <p:sld xmlns:a="http://schemas.openxmlformats.org/drawingml/2006/main" xmlns:r="http://schemas.openxmlformats.org/officeDocument/2006/relationships" xmlns:p="http://schemas.openxmlformats.org/presentationml/2006/main">
   <p:cSld>
     <p:spTree>

--- a/项目待交付工件/D结项阶段/2.项目答辩.pptx
+++ b/项目待交付工件/D结项阶段/2.项目答辩.pptx
@@ -8414,8 +8414,8 @@
         </p:blipFill>
         <p:spPr>
           <a:xfrm>
-            <a:off x="897691" y="1404825"/>
-            <a:ext cx="9541486" cy="4589574"/>
+            <a:off x="897691" y="1955905"/>
+            <a:ext cx="7766079" cy="3735581"/>
           </a:xfrm>
           <a:prstGeom prst="rect">
             <a:avLst/>
@@ -8472,6 +8472,36 @@
           </a:p>
         </p:txBody>
       </p:sp>
+      <p:pic>
+        <p:nvPicPr>
+          <p:cNvPr id="4" name="图片 3">
+            <a:extLst>
+              <a:ext uri="{FF2B5EF4-FFF2-40B4-BE49-F238E27FC236}">
+                <a16:creationId xmlns:a16="http://schemas.microsoft.com/office/drawing/2014/main" id="{800E7B7C-6353-6C9E-35CE-4DC97F032820}"/>
+              </a:ext>
+            </a:extLst>
+          </p:cNvPr>
+          <p:cNvPicPr>
+            <a:picLocks noChangeAspect="1"/>
+          </p:cNvPicPr>
+          <p:nvPr/>
+        </p:nvPicPr>
+        <p:blipFill>
+          <a:blip r:embed="rId4"/>
+          <a:stretch>
+            <a:fillRect/>
+          </a:stretch>
+        </p:blipFill>
+        <p:spPr>
+          <a:xfrm>
+            <a:off x="8663771" y="1976504"/>
+            <a:ext cx="2809720" cy="3678914"/>
+          </a:xfrm>
+          <a:prstGeom prst="rect">
+            <a:avLst/>
+          </a:prstGeom>
+        </p:spPr>
+      </p:pic>
     </p:spTree>
     <p:extLst>
       <p:ext uri="{BB962C8B-B14F-4D97-AF65-F5344CB8AC3E}">
@@ -9043,12 +9073,62 @@
           </a:p>
         </p:txBody>
       </p:sp>
+      <p:sp>
+        <p:nvSpPr>
+          <p:cNvPr id="7" name="文本框 6" descr="Text Box 3">
+            <a:extLst>
+              <a:ext uri="{FF2B5EF4-FFF2-40B4-BE49-F238E27FC236}">
+                <a16:creationId xmlns:a16="http://schemas.microsoft.com/office/drawing/2014/main" id="{08AD9894-9589-661C-AE4D-3F421905E139}"/>
+              </a:ext>
+            </a:extLst>
+          </p:cNvPr>
+          <p:cNvSpPr txBox="1"/>
+          <p:nvPr/>
+        </p:nvSpPr>
+        <p:spPr>
+          <a:xfrm>
+            <a:off x="9108102" y="6229174"/>
+            <a:ext cx="3105483" cy="628826"/>
+          </a:xfrm>
+          <a:prstGeom prst="rect">
+            <a:avLst/>
+          </a:prstGeom>
+          <a:noFill/>
+          <a:ln w="12700">
+            <a:noFill/>
+          </a:ln>
+        </p:spPr>
+        <p:txBody>
+          <a:bodyPr vert="horz" wrap="square" lIns="25400" tIns="25400" rIns="25400" bIns="25400" anchor="ctr">
+            <a:spAutoFit/>
+          </a:bodyPr>
+          <a:lstStyle/>
+          <a:p>
+            <a:pPr>
+              <a:lnSpc>
+                <a:spcPct val="150000"/>
+              </a:lnSpc>
+            </a:pPr>
+            <a:r>
+              <a:rPr lang="zh-CN" altLang="en-US" sz="2800" baseline="0" dirty="0">
+                <a:solidFill>
+                  <a:srgbClr val="DCDEE0"/>
+                </a:solidFill>
+                <a:latin typeface="字体视界-一风尚黑体" charset="0"/>
+                <a:ea typeface="+mn-ea"/>
+                <a:sym typeface="字体视界-一风尚黑体" charset="0"/>
+              </a:rPr>
+              <a:t>负责人员：杨帆</a:t>
+            </a:r>
+          </a:p>
+        </p:txBody>
+      </p:sp>
       <p:pic>
         <p:nvPicPr>
-          <p:cNvPr id="5" name="图片 4">
+          <p:cNvPr id="8" name="图片 7">
             <a:extLst>
               <a:ext uri="{FF2B5EF4-FFF2-40B4-BE49-F238E27FC236}">
-                <a16:creationId xmlns:a16="http://schemas.microsoft.com/office/drawing/2014/main" id="{52F16898-DC75-D08A-D6D9-634C4E18D172}"/>
+                <a16:creationId xmlns:a16="http://schemas.microsoft.com/office/drawing/2014/main" id="{C48D341E-B1E1-5122-1B84-623A346CDFAD}"/>
               </a:ext>
             </a:extLst>
           </p:cNvPr>
@@ -9065,64 +9145,14 @@
         </p:blipFill>
         <p:spPr>
           <a:xfrm>
-            <a:off x="308421" y="2618874"/>
-            <a:ext cx="11575157" cy="3279144"/>
+            <a:off x="2260377" y="2201052"/>
+            <a:ext cx="7671245" cy="4134955"/>
           </a:xfrm>
           <a:prstGeom prst="rect">
             <a:avLst/>
           </a:prstGeom>
         </p:spPr>
       </p:pic>
-      <p:sp>
-        <p:nvSpPr>
-          <p:cNvPr id="7" name="文本框 6" descr="Text Box 3">
-            <a:extLst>
-              <a:ext uri="{FF2B5EF4-FFF2-40B4-BE49-F238E27FC236}">
-                <a16:creationId xmlns:a16="http://schemas.microsoft.com/office/drawing/2014/main" id="{08AD9894-9589-661C-AE4D-3F421905E139}"/>
-              </a:ext>
-            </a:extLst>
-          </p:cNvPr>
-          <p:cNvSpPr txBox="1"/>
-          <p:nvPr/>
-        </p:nvSpPr>
-        <p:spPr>
-          <a:xfrm>
-            <a:off x="9108102" y="6229174"/>
-            <a:ext cx="3105483" cy="628826"/>
-          </a:xfrm>
-          <a:prstGeom prst="rect">
-            <a:avLst/>
-          </a:prstGeom>
-          <a:noFill/>
-          <a:ln w="12700">
-            <a:noFill/>
-          </a:ln>
-        </p:spPr>
-        <p:txBody>
-          <a:bodyPr vert="horz" wrap="square" lIns="25400" tIns="25400" rIns="25400" bIns="25400" anchor="ctr">
-            <a:spAutoFit/>
-          </a:bodyPr>
-          <a:lstStyle/>
-          <a:p>
-            <a:pPr>
-              <a:lnSpc>
-                <a:spcPct val="150000"/>
-              </a:lnSpc>
-            </a:pPr>
-            <a:r>
-              <a:rPr lang="zh-CN" altLang="en-US" sz="2800" baseline="0" dirty="0">
-                <a:solidFill>
-                  <a:srgbClr val="DCDEE0"/>
-                </a:solidFill>
-                <a:latin typeface="字体视界-一风尚黑体" charset="0"/>
-                <a:ea typeface="+mn-ea"/>
-                <a:sym typeface="字体视界-一风尚黑体" charset="0"/>
-              </a:rPr>
-              <a:t>负责人员：杨帆</a:t>
-            </a:r>
-          </a:p>
-        </p:txBody>
-      </p:sp>
     </p:spTree>
     <p:extLst>
       <p:ext uri="{BB962C8B-B14F-4D97-AF65-F5344CB8AC3E}">
@@ -9477,12 +9507,62 @@
           </a:p>
         </p:txBody>
       </p:sp>
+      <p:sp>
+        <p:nvSpPr>
+          <p:cNvPr id="5" name="文本框 4" descr="Text Box 3">
+            <a:extLst>
+              <a:ext uri="{FF2B5EF4-FFF2-40B4-BE49-F238E27FC236}">
+                <a16:creationId xmlns:a16="http://schemas.microsoft.com/office/drawing/2014/main" id="{538721BB-AC25-3318-993F-6D7AF6DE9651}"/>
+              </a:ext>
+            </a:extLst>
+          </p:cNvPr>
+          <p:cNvSpPr txBox="1"/>
+          <p:nvPr/>
+        </p:nvSpPr>
+        <p:spPr>
+          <a:xfrm>
+            <a:off x="9108102" y="6229174"/>
+            <a:ext cx="3105483" cy="628826"/>
+          </a:xfrm>
+          <a:prstGeom prst="rect">
+            <a:avLst/>
+          </a:prstGeom>
+          <a:noFill/>
+          <a:ln w="12700">
+            <a:noFill/>
+          </a:ln>
+        </p:spPr>
+        <p:txBody>
+          <a:bodyPr vert="horz" wrap="square" lIns="25400" tIns="25400" rIns="25400" bIns="25400" anchor="ctr">
+            <a:spAutoFit/>
+          </a:bodyPr>
+          <a:lstStyle/>
+          <a:p>
+            <a:pPr>
+              <a:lnSpc>
+                <a:spcPct val="150000"/>
+              </a:lnSpc>
+            </a:pPr>
+            <a:r>
+              <a:rPr lang="zh-CN" altLang="en-US" sz="2800" baseline="0" dirty="0">
+                <a:solidFill>
+                  <a:srgbClr val="DCDEE0"/>
+                </a:solidFill>
+                <a:latin typeface="字体视界-一风尚黑体" charset="0"/>
+                <a:ea typeface="+mn-ea"/>
+                <a:sym typeface="字体视界-一风尚黑体" charset="0"/>
+              </a:rPr>
+              <a:t>负责人员：杨寒壹</a:t>
+            </a:r>
+          </a:p>
+        </p:txBody>
+      </p:sp>
       <p:pic>
         <p:nvPicPr>
-          <p:cNvPr id="4" name="图片 3">
+          <p:cNvPr id="6" name="图片 5">
             <a:extLst>
               <a:ext uri="{FF2B5EF4-FFF2-40B4-BE49-F238E27FC236}">
-                <a16:creationId xmlns:a16="http://schemas.microsoft.com/office/drawing/2014/main" id="{47439734-BC3F-AA34-5F7D-A46320ED596F}"/>
+                <a16:creationId xmlns:a16="http://schemas.microsoft.com/office/drawing/2014/main" id="{C1F6AD2E-97A4-B54A-BD5B-506E82922E57}"/>
               </a:ext>
             </a:extLst>
           </p:cNvPr>
@@ -9499,64 +9579,74 @@
         </p:blipFill>
         <p:spPr>
           <a:xfrm>
-            <a:off x="893707" y="1943769"/>
-            <a:ext cx="10197661" cy="3886943"/>
+            <a:off x="2315412" y="1824482"/>
+            <a:ext cx="2728210" cy="4366340"/>
           </a:xfrm>
           <a:prstGeom prst="rect">
             <a:avLst/>
           </a:prstGeom>
         </p:spPr>
       </p:pic>
-      <p:sp>
-        <p:nvSpPr>
-          <p:cNvPr id="5" name="文本框 4" descr="Text Box 3">
+      <p:pic>
+        <p:nvPicPr>
+          <p:cNvPr id="10" name="图片 9">
             <a:extLst>
               <a:ext uri="{FF2B5EF4-FFF2-40B4-BE49-F238E27FC236}">
-                <a16:creationId xmlns:a16="http://schemas.microsoft.com/office/drawing/2014/main" id="{538721BB-AC25-3318-993F-6D7AF6DE9651}"/>
+                <a16:creationId xmlns:a16="http://schemas.microsoft.com/office/drawing/2014/main" id="{EE8FE0AC-210C-1BFD-9858-960B5A15AC56}"/>
               </a:ext>
             </a:extLst>
           </p:cNvPr>
-          <p:cNvSpPr txBox="1"/>
+          <p:cNvPicPr>
+            <a:picLocks noChangeAspect="1"/>
+          </p:cNvPicPr>
           <p:nvPr/>
-        </p:nvSpPr>
-        <p:spPr>
-          <a:xfrm>
-            <a:off x="9108102" y="6229174"/>
-            <a:ext cx="3105483" cy="628826"/>
+        </p:nvPicPr>
+        <p:blipFill>
+          <a:blip r:embed="rId4"/>
+          <a:stretch>
+            <a:fillRect/>
+          </a:stretch>
+        </p:blipFill>
+        <p:spPr>
+          <a:xfrm>
+            <a:off x="5060096" y="1832688"/>
+            <a:ext cx="2179067" cy="4358133"/>
           </a:xfrm>
           <a:prstGeom prst="rect">
             <a:avLst/>
           </a:prstGeom>
-          <a:noFill/>
-          <a:ln w="12700">
-            <a:noFill/>
-          </a:ln>
-        </p:spPr>
-        <p:txBody>
-          <a:bodyPr vert="horz" wrap="square" lIns="25400" tIns="25400" rIns="25400" bIns="25400" anchor="ctr">
-            <a:spAutoFit/>
-          </a:bodyPr>
-          <a:lstStyle/>
-          <a:p>
-            <a:pPr>
-              <a:lnSpc>
-                <a:spcPct val="150000"/>
-              </a:lnSpc>
-            </a:pPr>
-            <a:r>
-              <a:rPr lang="zh-CN" altLang="en-US" sz="2800" baseline="0" dirty="0">
-                <a:solidFill>
-                  <a:srgbClr val="DCDEE0"/>
-                </a:solidFill>
-                <a:latin typeface="字体视界-一风尚黑体" charset="0"/>
-                <a:ea typeface="+mn-ea"/>
-                <a:sym typeface="字体视界-一风尚黑体" charset="0"/>
-              </a:rPr>
-              <a:t>负责人员：杨寒壹</a:t>
-            </a:r>
-          </a:p>
-        </p:txBody>
-      </p:sp>
+        </p:spPr>
+      </p:pic>
+      <p:pic>
+        <p:nvPicPr>
+          <p:cNvPr id="12" name="图片 11">
+            <a:extLst>
+              <a:ext uri="{FF2B5EF4-FFF2-40B4-BE49-F238E27FC236}">
+                <a16:creationId xmlns:a16="http://schemas.microsoft.com/office/drawing/2014/main" id="{40EBB21D-73B0-47B0-FFF1-A9BA3A93EE82}"/>
+              </a:ext>
+            </a:extLst>
+          </p:cNvPr>
+          <p:cNvPicPr>
+            <a:picLocks noChangeAspect="1"/>
+          </p:cNvPicPr>
+          <p:nvPr/>
+        </p:nvPicPr>
+        <p:blipFill>
+          <a:blip r:embed="rId5"/>
+          <a:stretch>
+            <a:fillRect/>
+          </a:stretch>
+        </p:blipFill>
+        <p:spPr>
+          <a:xfrm>
+            <a:off x="7239163" y="1824481"/>
+            <a:ext cx="2209823" cy="4366340"/>
+          </a:xfrm>
+          <a:prstGeom prst="rect">
+            <a:avLst/>
+          </a:prstGeom>
+        </p:spPr>
+      </p:pic>
     </p:spTree>
     <p:extLst>
       <p:ext uri="{BB962C8B-B14F-4D97-AF65-F5344CB8AC3E}">
@@ -9722,12 +9812,62 @@
           </a:p>
         </p:txBody>
       </p:sp>
+      <p:sp>
+        <p:nvSpPr>
+          <p:cNvPr id="11" name="文本框 10" descr="Text Box 3">
+            <a:extLst>
+              <a:ext uri="{FF2B5EF4-FFF2-40B4-BE49-F238E27FC236}">
+                <a16:creationId xmlns:a16="http://schemas.microsoft.com/office/drawing/2014/main" id="{31BAB7F9-B506-36EA-E6F0-7D4B643CC700}"/>
+              </a:ext>
+            </a:extLst>
+          </p:cNvPr>
+          <p:cNvSpPr txBox="1"/>
+          <p:nvPr/>
+        </p:nvSpPr>
+        <p:spPr>
+          <a:xfrm>
+            <a:off x="9108102" y="6229174"/>
+            <a:ext cx="3105483" cy="628826"/>
+          </a:xfrm>
+          <a:prstGeom prst="rect">
+            <a:avLst/>
+          </a:prstGeom>
+          <a:noFill/>
+          <a:ln w="12700">
+            <a:noFill/>
+          </a:ln>
+        </p:spPr>
+        <p:txBody>
+          <a:bodyPr vert="horz" wrap="square" lIns="25400" tIns="25400" rIns="25400" bIns="25400" anchor="ctr">
+            <a:spAutoFit/>
+          </a:bodyPr>
+          <a:lstStyle/>
+          <a:p>
+            <a:pPr>
+              <a:lnSpc>
+                <a:spcPct val="150000"/>
+              </a:lnSpc>
+            </a:pPr>
+            <a:r>
+              <a:rPr lang="zh-CN" altLang="en-US" sz="2800" baseline="0" dirty="0">
+                <a:solidFill>
+                  <a:srgbClr val="DCDEE0"/>
+                </a:solidFill>
+                <a:latin typeface="字体视界-一风尚黑体" charset="0"/>
+                <a:ea typeface="+mn-ea"/>
+                <a:sym typeface="字体视界-一风尚黑体" charset="0"/>
+              </a:rPr>
+              <a:t>负责人员：杨寒壹</a:t>
+            </a:r>
+          </a:p>
+        </p:txBody>
+      </p:sp>
       <p:pic>
         <p:nvPicPr>
-          <p:cNvPr id="5" name="图片 4">
+          <p:cNvPr id="8" name="图片 7" descr="图片包含 游戏机&#10;&#10;描述已自动生成">
             <a:extLst>
               <a:ext uri="{FF2B5EF4-FFF2-40B4-BE49-F238E27FC236}">
-                <a16:creationId xmlns:a16="http://schemas.microsoft.com/office/drawing/2014/main" id="{AFCEA0F6-09F5-E0CD-1751-BBA6BC1C59CC}"/>
+                <a16:creationId xmlns:a16="http://schemas.microsoft.com/office/drawing/2014/main" id="{4EE1C226-DA87-3EE8-72D4-B3D7699AAD92}"/>
               </a:ext>
             </a:extLst>
           </p:cNvPr>
@@ -9737,15 +9877,21 @@
           <p:nvPr/>
         </p:nvPicPr>
         <p:blipFill>
-          <a:blip r:embed="rId3"/>
+          <a:blip r:embed="rId3">
+            <a:extLst>
+              <a:ext uri="{28A0092B-C50C-407E-A947-70E740481C1C}">
+                <a14:useLocalDpi xmlns:a14="http://schemas.microsoft.com/office/drawing/2010/main" val="0"/>
+              </a:ext>
+            </a:extLst>
+          </a:blip>
           <a:stretch>
             <a:fillRect/>
           </a:stretch>
         </p:blipFill>
         <p:spPr>
           <a:xfrm>
-            <a:off x="878027" y="1998802"/>
-            <a:ext cx="2516581" cy="4732134"/>
+            <a:off x="430202" y="2241071"/>
+            <a:ext cx="4259424" cy="3533163"/>
           </a:xfrm>
           <a:prstGeom prst="rect">
             <a:avLst/>
@@ -9754,10 +9900,10 @@
       </p:pic>
       <p:pic>
         <p:nvPicPr>
-          <p:cNvPr id="7" name="图片 6">
+          <p:cNvPr id="12" name="图片 11" descr="图片包含 游戏机, 体育&#10;&#10;描述已自动生成">
             <a:extLst>
               <a:ext uri="{FF2B5EF4-FFF2-40B4-BE49-F238E27FC236}">
-                <a16:creationId xmlns:a16="http://schemas.microsoft.com/office/drawing/2014/main" id="{19FD8D9C-2EB1-6205-69BA-150332D66684}"/>
+                <a16:creationId xmlns:a16="http://schemas.microsoft.com/office/drawing/2014/main" id="{00E5E042-9765-4E6F-E4B7-B8FED4BA217A}"/>
               </a:ext>
             </a:extLst>
           </p:cNvPr>
@@ -9767,15 +9913,21 @@
           <p:nvPr/>
         </p:nvPicPr>
         <p:blipFill>
-          <a:blip r:embed="rId4"/>
+          <a:blip r:embed="rId4">
+            <a:extLst>
+              <a:ext uri="{28A0092B-C50C-407E-A947-70E740481C1C}">
+                <a14:useLocalDpi xmlns:a14="http://schemas.microsoft.com/office/drawing/2010/main" val="0"/>
+              </a:ext>
+            </a:extLst>
+          </a:blip>
           <a:stretch>
             <a:fillRect/>
           </a:stretch>
         </p:blipFill>
         <p:spPr>
           <a:xfrm>
-            <a:off x="3397699" y="1998802"/>
-            <a:ext cx="2560206" cy="4732134"/>
+            <a:off x="3890657" y="2003343"/>
+            <a:ext cx="4860756" cy="4031963"/>
           </a:xfrm>
           <a:prstGeom prst="rect">
             <a:avLst/>
@@ -9784,10 +9936,10 @@
       </p:pic>
       <p:pic>
         <p:nvPicPr>
-          <p:cNvPr id="9" name="图片 8">
+          <p:cNvPr id="14" name="图片 13">
             <a:extLst>
               <a:ext uri="{FF2B5EF4-FFF2-40B4-BE49-F238E27FC236}">
-                <a16:creationId xmlns:a16="http://schemas.microsoft.com/office/drawing/2014/main" id="{EBC7CA91-9FF5-46D5-9055-0AC4D93E05DC}"/>
+                <a16:creationId xmlns:a16="http://schemas.microsoft.com/office/drawing/2014/main" id="{A21CE79B-FA12-BC98-CEB4-105204A176DA}"/>
               </a:ext>
             </a:extLst>
           </p:cNvPr>
@@ -9804,64 +9956,14 @@
         </p:blipFill>
         <p:spPr>
           <a:xfrm>
-            <a:off x="5966706" y="1978805"/>
-            <a:ext cx="2518519" cy="4732134"/>
+            <a:off x="9108102" y="1549247"/>
+            <a:ext cx="1581710" cy="4486059"/>
           </a:xfrm>
           <a:prstGeom prst="rect">
             <a:avLst/>
           </a:prstGeom>
         </p:spPr>
       </p:pic>
-      <p:sp>
-        <p:nvSpPr>
-          <p:cNvPr id="11" name="文本框 10" descr="Text Box 3">
-            <a:extLst>
-              <a:ext uri="{FF2B5EF4-FFF2-40B4-BE49-F238E27FC236}">
-                <a16:creationId xmlns:a16="http://schemas.microsoft.com/office/drawing/2014/main" id="{31BAB7F9-B506-36EA-E6F0-7D4B643CC700}"/>
-              </a:ext>
-            </a:extLst>
-          </p:cNvPr>
-          <p:cNvSpPr txBox="1"/>
-          <p:nvPr/>
-        </p:nvSpPr>
-        <p:spPr>
-          <a:xfrm>
-            <a:off x="9108102" y="6229174"/>
-            <a:ext cx="3105483" cy="628826"/>
-          </a:xfrm>
-          <a:prstGeom prst="rect">
-            <a:avLst/>
-          </a:prstGeom>
-          <a:noFill/>
-          <a:ln w="12700">
-            <a:noFill/>
-          </a:ln>
-        </p:spPr>
-        <p:txBody>
-          <a:bodyPr vert="horz" wrap="square" lIns="25400" tIns="25400" rIns="25400" bIns="25400" anchor="ctr">
-            <a:spAutoFit/>
-          </a:bodyPr>
-          <a:lstStyle/>
-          <a:p>
-            <a:pPr>
-              <a:lnSpc>
-                <a:spcPct val="150000"/>
-              </a:lnSpc>
-            </a:pPr>
-            <a:r>
-              <a:rPr lang="zh-CN" altLang="en-US" sz="2800" baseline="0" dirty="0">
-                <a:solidFill>
-                  <a:srgbClr val="DCDEE0"/>
-                </a:solidFill>
-                <a:latin typeface="字体视界-一风尚黑体" charset="0"/>
-                <a:ea typeface="+mn-ea"/>
-                <a:sym typeface="字体视界-一风尚黑体" charset="0"/>
-              </a:rPr>
-              <a:t>负责人员：杨寒壹</a:t>
-            </a:r>
-          </a:p>
-        </p:txBody>
-      </p:sp>
     </p:spTree>
     <p:extLst>
       <p:ext uri="{BB962C8B-B14F-4D97-AF65-F5344CB8AC3E}">
@@ -12324,7 +12426,7 @@
         </p:nvSpPr>
         <p:spPr>
           <a:xfrm>
-            <a:off x="380110" y="2600984"/>
+            <a:off x="380108" y="5319294"/>
             <a:ext cx="11431779" cy="1656031"/>
           </a:xfrm>
           <a:prstGeom prst="rect">
@@ -12389,7 +12491,7 @@
                 </a:solidFill>
                 <a:ea typeface="+mn-ea"/>
               </a:rPr>
-              <a:t>人，经过短短半个月完成项目开发，在时间紧迫，人力资源匮乏的条件下完成了本次实训任务。</a:t>
+              <a:t>人，经过短短半个月完成项目开发，在时间紧迫，人力资源匮乏和中途减员的条件下完成了本次实训任务。</a:t>
             </a:r>
           </a:p>
           <a:p>
@@ -12407,6 +12509,42 @@
           </a:p>
         </p:txBody>
       </p:sp>
+      <p:pic>
+        <p:nvPicPr>
+          <p:cNvPr id="4" name="图片 3" descr="图片包含 游戏机&#10;&#10;描述已自动生成">
+            <a:extLst>
+              <a:ext uri="{FF2B5EF4-FFF2-40B4-BE49-F238E27FC236}">
+                <a16:creationId xmlns:a16="http://schemas.microsoft.com/office/drawing/2014/main" id="{683E26C1-8EB7-42C8-1558-8ED929C66C26}"/>
+              </a:ext>
+            </a:extLst>
+          </p:cNvPr>
+          <p:cNvPicPr>
+            <a:picLocks noChangeAspect="1"/>
+          </p:cNvPicPr>
+          <p:nvPr/>
+        </p:nvPicPr>
+        <p:blipFill>
+          <a:blip r:embed="rId3">
+            <a:extLst>
+              <a:ext uri="{28A0092B-C50C-407E-A947-70E740481C1C}">
+                <a14:useLocalDpi xmlns:a14="http://schemas.microsoft.com/office/drawing/2010/main" val="0"/>
+              </a:ext>
+            </a:extLst>
+          </a:blip>
+          <a:stretch>
+            <a:fillRect/>
+          </a:stretch>
+        </p:blipFill>
+        <p:spPr>
+          <a:xfrm>
+            <a:off x="3469589" y="742384"/>
+            <a:ext cx="5252815" cy="4680728"/>
+          </a:xfrm>
+          <a:prstGeom prst="rect">
+            <a:avLst/>
+          </a:prstGeom>
+        </p:spPr>
+      </p:pic>
     </p:spTree>
     <p:extLst>
       <p:ext uri="{BB962C8B-B14F-4D97-AF65-F5344CB8AC3E}">

--- a/项目待交付工件/D结项阶段/2.项目答辩.pptx
+++ b/项目待交付工件/D结项阶段/2.项目答辩.pptx
@@ -14600,6 +14600,42 @@
           </a:prstGeom>
         </p:spPr>
       </p:pic>
+      <p:pic>
+        <p:nvPicPr>
+          <p:cNvPr id="3" name="图片 2" descr="图形用户界面, 应用程序&#10;&#10;描述已自动生成">
+            <a:extLst>
+              <a:ext uri="{FF2B5EF4-FFF2-40B4-BE49-F238E27FC236}">
+                <a16:creationId xmlns:a16="http://schemas.microsoft.com/office/drawing/2014/main" id="{2B3B76C7-0FAD-94F2-FF4E-4586ED3326EA}"/>
+              </a:ext>
+            </a:extLst>
+          </p:cNvPr>
+          <p:cNvPicPr>
+            <a:picLocks noChangeAspect="1"/>
+          </p:cNvPicPr>
+          <p:nvPr/>
+        </p:nvPicPr>
+        <p:blipFill>
+          <a:blip r:embed="rId3">
+            <a:extLst>
+              <a:ext uri="{28A0092B-C50C-407E-A947-70E740481C1C}">
+                <a14:useLocalDpi xmlns:a14="http://schemas.microsoft.com/office/drawing/2010/main" val="0"/>
+              </a:ext>
+            </a:extLst>
+          </a:blip>
+          <a:stretch>
+            <a:fillRect/>
+          </a:stretch>
+        </p:blipFill>
+        <p:spPr>
+          <a:xfrm>
+            <a:off x="76952" y="1381381"/>
+            <a:ext cx="12038095" cy="4095238"/>
+          </a:xfrm>
+          <a:prstGeom prst="rect">
+            <a:avLst/>
+          </a:prstGeom>
+        </p:spPr>
+      </p:pic>
     </p:spTree>
     <p:extLst>
       <p:ext uri="{BB962C8B-B14F-4D97-AF65-F5344CB8AC3E}">
